--- a/ゼミ用/02基本設計/画面設計図.pptx
+++ b/ゼミ用/02基本設計/画面設計図.pptx
@@ -8,6 +8,10 @@
     <p:sldId id="260" r:id="rId2"/>
     <p:sldId id="261" r:id="rId3"/>
     <p:sldId id="262" r:id="rId4"/>
+    <p:sldId id="263" r:id="rId5"/>
+    <p:sldId id="264" r:id="rId6"/>
+    <p:sldId id="265" r:id="rId7"/>
+    <p:sldId id="266" r:id="rId8"/>
   </p:sldIdLst>
   <p:sldSz cx="12192000" cy="6858000"/>
   <p:notesSz cx="6858000" cy="9144000"/>
@@ -261,7 +265,7 @@
           <a:p>
             <a:fld id="{DBD08C21-CDA6-45BA-99C4-BB8F841DC10C}" type="datetimeFigureOut">
               <a:rPr kumimoji="1" lang="ja-JP" altLang="en-US" smtClean="0"/>
-              <a:t>2021/6/12</a:t>
+              <a:t>2021/6/13</a:t>
             </a:fld>
             <a:endParaRPr kumimoji="1" lang="ja-JP" altLang="en-US"/>
           </a:p>
@@ -491,7 +495,7 @@
           <a:p>
             <a:fld id="{DBD08C21-CDA6-45BA-99C4-BB8F841DC10C}" type="datetimeFigureOut">
               <a:rPr kumimoji="1" lang="ja-JP" altLang="en-US" smtClean="0"/>
-              <a:t>2021/6/12</a:t>
+              <a:t>2021/6/13</a:t>
             </a:fld>
             <a:endParaRPr kumimoji="1" lang="ja-JP" altLang="en-US"/>
           </a:p>
@@ -731,7 +735,7 @@
           <a:p>
             <a:fld id="{DBD08C21-CDA6-45BA-99C4-BB8F841DC10C}" type="datetimeFigureOut">
               <a:rPr kumimoji="1" lang="ja-JP" altLang="en-US" smtClean="0"/>
-              <a:t>2021/6/12</a:t>
+              <a:t>2021/6/13</a:t>
             </a:fld>
             <a:endParaRPr kumimoji="1" lang="ja-JP" altLang="en-US"/>
           </a:p>
@@ -961,7 +965,7 @@
           <a:p>
             <a:fld id="{DBD08C21-CDA6-45BA-99C4-BB8F841DC10C}" type="datetimeFigureOut">
               <a:rPr kumimoji="1" lang="ja-JP" altLang="en-US" smtClean="0"/>
-              <a:t>2021/6/12</a:t>
+              <a:t>2021/6/13</a:t>
             </a:fld>
             <a:endParaRPr kumimoji="1" lang="ja-JP" altLang="en-US"/>
           </a:p>
@@ -1236,7 +1240,7 @@
           <a:p>
             <a:fld id="{DBD08C21-CDA6-45BA-99C4-BB8F841DC10C}" type="datetimeFigureOut">
               <a:rPr kumimoji="1" lang="ja-JP" altLang="en-US" smtClean="0"/>
-              <a:t>2021/6/12</a:t>
+              <a:t>2021/6/13</a:t>
             </a:fld>
             <a:endParaRPr kumimoji="1" lang="ja-JP" altLang="en-US"/>
           </a:p>
@@ -1565,7 +1569,7 @@
           <a:p>
             <a:fld id="{DBD08C21-CDA6-45BA-99C4-BB8F841DC10C}" type="datetimeFigureOut">
               <a:rPr kumimoji="1" lang="ja-JP" altLang="en-US" smtClean="0"/>
-              <a:t>2021/6/12</a:t>
+              <a:t>2021/6/13</a:t>
             </a:fld>
             <a:endParaRPr kumimoji="1" lang="ja-JP" altLang="en-US"/>
           </a:p>
@@ -2041,7 +2045,7 @@
           <a:p>
             <a:fld id="{DBD08C21-CDA6-45BA-99C4-BB8F841DC10C}" type="datetimeFigureOut">
               <a:rPr kumimoji="1" lang="ja-JP" altLang="en-US" smtClean="0"/>
-              <a:t>2021/6/12</a:t>
+              <a:t>2021/6/13</a:t>
             </a:fld>
             <a:endParaRPr kumimoji="1" lang="ja-JP" altLang="en-US"/>
           </a:p>
@@ -2182,7 +2186,7 @@
           <a:p>
             <a:fld id="{DBD08C21-CDA6-45BA-99C4-BB8F841DC10C}" type="datetimeFigureOut">
               <a:rPr kumimoji="1" lang="ja-JP" altLang="en-US" smtClean="0"/>
-              <a:t>2021/6/12</a:t>
+              <a:t>2021/6/13</a:t>
             </a:fld>
             <a:endParaRPr kumimoji="1" lang="ja-JP" altLang="en-US"/>
           </a:p>
@@ -2295,7 +2299,7 @@
           <a:p>
             <a:fld id="{DBD08C21-CDA6-45BA-99C4-BB8F841DC10C}" type="datetimeFigureOut">
               <a:rPr kumimoji="1" lang="ja-JP" altLang="en-US" smtClean="0"/>
-              <a:t>2021/6/12</a:t>
+              <a:t>2021/6/13</a:t>
             </a:fld>
             <a:endParaRPr kumimoji="1" lang="ja-JP" altLang="en-US"/>
           </a:p>
@@ -2638,7 +2642,7 @@
           <a:p>
             <a:fld id="{DBD08C21-CDA6-45BA-99C4-BB8F841DC10C}" type="datetimeFigureOut">
               <a:rPr kumimoji="1" lang="ja-JP" altLang="en-US" smtClean="0"/>
-              <a:t>2021/6/12</a:t>
+              <a:t>2021/6/13</a:t>
             </a:fld>
             <a:endParaRPr kumimoji="1" lang="ja-JP" altLang="en-US"/>
           </a:p>
@@ -2926,7 +2930,7 @@
           <a:p>
             <a:fld id="{DBD08C21-CDA6-45BA-99C4-BB8F841DC10C}" type="datetimeFigureOut">
               <a:rPr kumimoji="1" lang="ja-JP" altLang="en-US" smtClean="0"/>
-              <a:t>2021/6/12</a:t>
+              <a:t>2021/6/13</a:t>
             </a:fld>
             <a:endParaRPr kumimoji="1" lang="ja-JP" altLang="en-US"/>
           </a:p>
@@ -3199,7 +3203,7 @@
           <a:p>
             <a:fld id="{DBD08C21-CDA6-45BA-99C4-BB8F841DC10C}" type="datetimeFigureOut">
               <a:rPr kumimoji="1" lang="ja-JP" altLang="en-US" smtClean="0"/>
-              <a:t>2021/6/12</a:t>
+              <a:t>2021/6/13</a:t>
             </a:fld>
             <a:endParaRPr kumimoji="1" lang="ja-JP" altLang="en-US"/>
           </a:p>
@@ -7157,7 +7161,7 @@
         <p:spPr>
           <a:xfrm>
             <a:off x="1309879" y="244860"/>
-            <a:ext cx="877163" cy="369332"/>
+            <a:ext cx="1107996" cy="369332"/>
           </a:xfrm>
           <a:prstGeom prst="rect">
             <a:avLst/>
@@ -7171,9 +7175,18 @@
           <a:lstStyle/>
           <a:p>
             <a:r>
-              <a:rPr kumimoji="1" lang="ja-JP" altLang="en-US" dirty="0"/>
-              <a:t>遊戯王</a:t>
-            </a:r>
+              <a:rPr lang="ja-JP" altLang="en-US" dirty="0"/>
+              <a:t>作</a:t>
+            </a:r>
+            <a:r>
+              <a:rPr lang="ja-JP" altLang="en-US" dirty="0" smtClean="0"/>
+              <a:t>品名</a:t>
+            </a:r>
+            <a:r>
+              <a:rPr lang="ja-JP" altLang="en-US" dirty="0"/>
+              <a:t>Ａ</a:t>
+            </a:r>
+            <a:endParaRPr kumimoji="1" lang="ja-JP" altLang="en-US" dirty="0"/>
           </a:p>
         </p:txBody>
       </p:sp>
@@ -7344,7 +7357,7 @@
         <p:spPr>
           <a:xfrm>
             <a:off x="982812" y="740211"/>
-            <a:ext cx="10951925" cy="4388837"/>
+            <a:ext cx="8641739" cy="4421784"/>
           </a:xfrm>
           <a:prstGeom prst="rect">
             <a:avLst/>
@@ -7646,58 +7659,7 @@
           <a:lstStyle/>
           <a:p>
             <a:pPr algn="ctr"/>
-            <a:endParaRPr kumimoji="1" lang="ja-JP" altLang="en-US"/>
-          </a:p>
-        </p:txBody>
-      </p:sp>
-      <p:sp>
-        <p:nvSpPr>
-          <p:cNvPr id="19" name="四角形: 角を丸くする 18">
-            <a:extLst>
-              <a:ext uri="{FF2B5EF4-FFF2-40B4-BE49-F238E27FC236}">
-                <a16:creationId xmlns:a16="http://schemas.microsoft.com/office/drawing/2014/main" xmlns="" id="{7808D7F5-8414-4524-9820-22DDE30FDAFD}"/>
-              </a:ext>
-            </a:extLst>
-          </p:cNvPr>
-          <p:cNvSpPr/>
-          <p:nvPr/>
-        </p:nvSpPr>
-        <p:spPr>
-          <a:xfrm>
-            <a:off x="1097690" y="3779520"/>
-            <a:ext cx="2239870" cy="1186576"/>
-          </a:xfrm>
-          <a:prstGeom prst="roundRect">
-            <a:avLst/>
-          </a:prstGeom>
-          <a:ln w="3175">
-            <a:solidFill>
-              <a:schemeClr val="bg1">
-                <a:lumMod val="75000"/>
-              </a:schemeClr>
-            </a:solidFill>
-          </a:ln>
-        </p:spPr>
-        <p:style>
-          <a:lnRef idx="2">
-            <a:schemeClr val="dk1"/>
-          </a:lnRef>
-          <a:fillRef idx="1">
-            <a:schemeClr val="lt1"/>
-          </a:fillRef>
-          <a:effectRef idx="0">
-            <a:schemeClr val="dk1"/>
-          </a:effectRef>
-          <a:fontRef idx="minor">
-            <a:schemeClr val="dk1"/>
-          </a:fontRef>
-        </p:style>
-        <p:txBody>
-          <a:bodyPr rtlCol="0" anchor="ctr"/>
-          <a:lstStyle/>
-          <a:p>
-            <a:pPr algn="ctr"/>
-            <a:endParaRPr kumimoji="1" lang="ja-JP" altLang="en-US"/>
+            <a:endParaRPr kumimoji="1" lang="ja-JP" altLang="en-US" dirty="0"/>
           </a:p>
         </p:txBody>
       </p:sp>
@@ -7769,8 +7731,8 @@
         </p:nvSpPr>
         <p:spPr>
           <a:xfrm>
-            <a:off x="1340944" y="3995629"/>
-            <a:ext cx="1753361" cy="304800"/>
+            <a:off x="8347933" y="278933"/>
+            <a:ext cx="881906" cy="269766"/>
           </a:xfrm>
           <a:prstGeom prst="roundRect">
             <a:avLst/>
@@ -7819,8 +7781,8 @@
         </p:nvSpPr>
         <p:spPr>
           <a:xfrm>
-            <a:off x="1340944" y="4504153"/>
-            <a:ext cx="1753361" cy="304800"/>
+            <a:off x="9423615" y="272018"/>
+            <a:ext cx="942306" cy="273852"/>
           </a:xfrm>
           <a:prstGeom prst="roundRect">
             <a:avLst/>
@@ -7830,7 +7792,9 @@
           </a:solidFill>
           <a:ln>
             <a:solidFill>
-              <a:schemeClr val="accent6"/>
+              <a:schemeClr val="accent6">
+                <a:lumMod val="75000"/>
+              </a:schemeClr>
             </a:solidFill>
           </a:ln>
         </p:spPr>
@@ -7991,190 +7955,120 @@
           </a:p>
         </p:txBody>
       </p:sp>
-      <p:grpSp>
-        <p:nvGrpSpPr>
-          <p:cNvPr id="41" name="グループ化 40">
-            <a:extLst>
-              <a:ext uri="{FF2B5EF4-FFF2-40B4-BE49-F238E27FC236}">
-                <a16:creationId xmlns:a16="http://schemas.microsoft.com/office/drawing/2014/main" xmlns="" id="{374922BE-1961-48D7-8557-9DA233C00D27}"/>
-              </a:ext>
-            </a:extLst>
-          </p:cNvPr>
-          <p:cNvGrpSpPr/>
-          <p:nvPr/>
-        </p:nvGrpSpPr>
-        <p:grpSpPr>
-          <a:xfrm>
-            <a:off x="4982082" y="5273048"/>
-            <a:ext cx="3474720" cy="299533"/>
-            <a:chOff x="4831080" y="5273040"/>
-            <a:chExt cx="3474720" cy="299533"/>
-          </a:xfrm>
-        </p:grpSpPr>
-        <p:sp>
-          <p:nvSpPr>
-            <p:cNvPr id="30" name="四角形: 角を丸くする 29">
-              <a:extLst>
-                <a:ext uri="{FF2B5EF4-FFF2-40B4-BE49-F238E27FC236}">
-                  <a16:creationId xmlns:a16="http://schemas.microsoft.com/office/drawing/2014/main" xmlns="" id="{18AADDC2-4CEF-4C43-AFBD-FEAF0C381217}"/>
-                </a:ext>
-              </a:extLst>
-            </p:cNvPr>
-            <p:cNvSpPr/>
-            <p:nvPr/>
-          </p:nvSpPr>
-          <p:spPr>
-            <a:xfrm>
-              <a:off x="4831080" y="5273040"/>
-              <a:ext cx="1023727" cy="299533"/>
-            </a:xfrm>
-            <a:prstGeom prst="roundRect">
-              <a:avLst/>
-            </a:prstGeom>
-          </p:spPr>
-          <p:style>
-            <a:lnRef idx="2">
-              <a:schemeClr val="accent1">
-                <a:shade val="50000"/>
-              </a:schemeClr>
-            </a:lnRef>
-            <a:fillRef idx="1">
-              <a:schemeClr val="accent1"/>
-            </a:fillRef>
-            <a:effectRef idx="0">
-              <a:schemeClr val="accent1"/>
-            </a:effectRef>
-            <a:fontRef idx="minor">
-              <a:schemeClr val="lt1"/>
-            </a:fontRef>
-          </p:style>
-          <p:txBody>
-            <a:bodyPr rtlCol="0" anchor="ctr"/>
-            <a:lstStyle/>
-            <a:p>
-              <a:pPr algn="ctr"/>
-              <a:r>
-                <a:rPr kumimoji="1" lang="ja-JP" altLang="en-US" dirty="0"/>
-                <a:t>保存</a:t>
-              </a:r>
-            </a:p>
-          </p:txBody>
-        </p:sp>
-        <p:sp>
-          <p:nvSpPr>
-            <p:cNvPr id="31" name="四角形: 角を丸くする 30">
-              <a:extLst>
-                <a:ext uri="{FF2B5EF4-FFF2-40B4-BE49-F238E27FC236}">
-                  <a16:creationId xmlns:a16="http://schemas.microsoft.com/office/drawing/2014/main" xmlns="" id="{E687C57B-3009-462A-B5C7-E663CDBF3614}"/>
-                </a:ext>
-              </a:extLst>
-            </p:cNvPr>
-            <p:cNvSpPr/>
-            <p:nvPr/>
-          </p:nvSpPr>
-          <p:spPr>
-            <a:xfrm>
-              <a:off x="6042245" y="5273040"/>
-              <a:ext cx="1023727" cy="299533"/>
-            </a:xfrm>
-            <a:prstGeom prst="roundRect">
-              <a:avLst/>
-            </a:prstGeom>
+      <p:sp>
+        <p:nvSpPr>
+          <p:cNvPr id="31" name="四角形: 角を丸くする 30">
+            <a:extLst>
+              <a:ext uri="{FF2B5EF4-FFF2-40B4-BE49-F238E27FC236}">
+                <a16:creationId xmlns:a16="http://schemas.microsoft.com/office/drawing/2014/main" xmlns="" id="{E687C57B-3009-462A-B5C7-E663CDBF3614}"/>
+              </a:ext>
+            </a:extLst>
+          </p:cNvPr>
+          <p:cNvSpPr/>
+          <p:nvPr/>
+        </p:nvSpPr>
+        <p:spPr>
+          <a:xfrm>
+            <a:off x="6193247" y="5273048"/>
+            <a:ext cx="1023727" cy="299533"/>
+          </a:xfrm>
+          <a:prstGeom prst="roundRect">
+            <a:avLst/>
+          </a:prstGeom>
+          <a:solidFill>
+            <a:schemeClr val="accent6"/>
+          </a:solidFill>
+          <a:ln>
             <a:solidFill>
               <a:schemeClr val="accent6"/>
             </a:solidFill>
-            <a:ln>
-              <a:solidFill>
-                <a:schemeClr val="accent6"/>
-              </a:solidFill>
-            </a:ln>
-          </p:spPr>
-          <p:style>
-            <a:lnRef idx="2">
-              <a:schemeClr val="accent1">
-                <a:shade val="50000"/>
-              </a:schemeClr>
-            </a:lnRef>
-            <a:fillRef idx="1">
-              <a:schemeClr val="accent1"/>
-            </a:fillRef>
-            <a:effectRef idx="0">
-              <a:schemeClr val="accent1"/>
-            </a:effectRef>
-            <a:fontRef idx="minor">
-              <a:schemeClr val="lt1"/>
-            </a:fontRef>
-          </p:style>
-          <p:txBody>
-            <a:bodyPr rtlCol="0" anchor="ctr"/>
-            <a:lstStyle/>
-            <a:p>
-              <a:pPr algn="ctr"/>
-              <a:r>
-                <a:rPr kumimoji="1" lang="ja-JP" altLang="en-US" dirty="0"/>
-                <a:t>編集</a:t>
-              </a:r>
-            </a:p>
-          </p:txBody>
-        </p:sp>
-        <p:sp>
-          <p:nvSpPr>
-            <p:cNvPr id="32" name="四角形: 角を丸くする 31">
-              <a:extLst>
-                <a:ext uri="{FF2B5EF4-FFF2-40B4-BE49-F238E27FC236}">
-                  <a16:creationId xmlns:a16="http://schemas.microsoft.com/office/drawing/2014/main" xmlns="" id="{6466C381-D6CC-4AD7-AA5C-104140FDA422}"/>
-                </a:ext>
-              </a:extLst>
-            </p:cNvPr>
-            <p:cNvSpPr/>
-            <p:nvPr/>
-          </p:nvSpPr>
-          <p:spPr>
-            <a:xfrm>
-              <a:off x="7282073" y="5273040"/>
-              <a:ext cx="1023727" cy="299533"/>
-            </a:xfrm>
-            <a:prstGeom prst="roundRect">
-              <a:avLst/>
-            </a:prstGeom>
+          </a:ln>
+        </p:spPr>
+        <p:style>
+          <a:lnRef idx="2">
+            <a:schemeClr val="accent1">
+              <a:shade val="50000"/>
+            </a:schemeClr>
+          </a:lnRef>
+          <a:fillRef idx="1">
+            <a:schemeClr val="accent1"/>
+          </a:fillRef>
+          <a:effectRef idx="0">
+            <a:schemeClr val="accent1"/>
+          </a:effectRef>
+          <a:fontRef idx="minor">
+            <a:schemeClr val="lt1"/>
+          </a:fontRef>
+        </p:style>
+        <p:txBody>
+          <a:bodyPr rtlCol="0" anchor="ctr"/>
+          <a:lstStyle/>
+          <a:p>
+            <a:pPr algn="ctr"/>
+            <a:r>
+              <a:rPr kumimoji="1" lang="ja-JP" altLang="en-US" dirty="0"/>
+              <a:t>編集</a:t>
+            </a:r>
+          </a:p>
+        </p:txBody>
+      </p:sp>
+      <p:sp>
+        <p:nvSpPr>
+          <p:cNvPr id="32" name="四角形: 角を丸くする 31">
+            <a:extLst>
+              <a:ext uri="{FF2B5EF4-FFF2-40B4-BE49-F238E27FC236}">
+                <a16:creationId xmlns:a16="http://schemas.microsoft.com/office/drawing/2014/main" xmlns="" id="{6466C381-D6CC-4AD7-AA5C-104140FDA422}"/>
+              </a:ext>
+            </a:extLst>
+          </p:cNvPr>
+          <p:cNvSpPr/>
+          <p:nvPr/>
+        </p:nvSpPr>
+        <p:spPr>
+          <a:xfrm>
+            <a:off x="7433075" y="5273048"/>
+            <a:ext cx="1023727" cy="299533"/>
+          </a:xfrm>
+          <a:prstGeom prst="roundRect">
+            <a:avLst/>
+          </a:prstGeom>
+          <a:solidFill>
+            <a:srgbClr val="FF0000"/>
+          </a:solidFill>
+          <a:ln>
             <a:solidFill>
               <a:srgbClr val="FF0000"/>
             </a:solidFill>
-            <a:ln>
-              <a:solidFill>
-                <a:srgbClr val="FF0000"/>
-              </a:solidFill>
-            </a:ln>
-          </p:spPr>
-          <p:style>
-            <a:lnRef idx="2">
-              <a:schemeClr val="accent1">
-                <a:shade val="50000"/>
-              </a:schemeClr>
-            </a:lnRef>
-            <a:fillRef idx="1">
-              <a:schemeClr val="accent1"/>
-            </a:fillRef>
-            <a:effectRef idx="0">
-              <a:schemeClr val="accent1"/>
-            </a:effectRef>
-            <a:fontRef idx="minor">
-              <a:schemeClr val="lt1"/>
-            </a:fontRef>
-          </p:style>
-          <p:txBody>
-            <a:bodyPr rtlCol="0" anchor="ctr"/>
-            <a:lstStyle/>
-            <a:p>
-              <a:pPr algn="ctr"/>
-              <a:r>
-                <a:rPr kumimoji="1" lang="ja-JP" altLang="en-US" dirty="0"/>
-                <a:t>削除</a:t>
-              </a:r>
-            </a:p>
-          </p:txBody>
-        </p:sp>
-      </p:grpSp>
+          </a:ln>
+        </p:spPr>
+        <p:style>
+          <a:lnRef idx="2">
+            <a:schemeClr val="accent1">
+              <a:shade val="50000"/>
+            </a:schemeClr>
+          </a:lnRef>
+          <a:fillRef idx="1">
+            <a:schemeClr val="accent1"/>
+          </a:fillRef>
+          <a:effectRef idx="0">
+            <a:schemeClr val="accent1"/>
+          </a:effectRef>
+          <a:fontRef idx="minor">
+            <a:schemeClr val="lt1"/>
+          </a:fontRef>
+        </p:style>
+        <p:txBody>
+          <a:bodyPr rtlCol="0" anchor="ctr"/>
+          <a:lstStyle/>
+          <a:p>
+            <a:pPr algn="ctr"/>
+            <a:r>
+              <a:rPr kumimoji="1" lang="ja-JP" altLang="en-US" dirty="0"/>
+              <a:t>削除</a:t>
+            </a:r>
+          </a:p>
+        </p:txBody>
+      </p:sp>
       <p:grpSp>
         <p:nvGrpSpPr>
           <p:cNvPr id="40" name="グループ化 39">
@@ -8617,10 +8511,7437 @@
           </a:p>
         </p:txBody>
       </p:sp>
+      <p:sp>
+        <p:nvSpPr>
+          <p:cNvPr id="8" name="テキスト ボックス 7"/>
+          <p:cNvSpPr txBox="1"/>
+          <p:nvPr/>
+        </p:nvSpPr>
+        <p:spPr>
+          <a:xfrm>
+            <a:off x="2362199" y="5161995"/>
+            <a:ext cx="646331" cy="369332"/>
+          </a:xfrm>
+          <a:prstGeom prst="rect">
+            <a:avLst/>
+          </a:prstGeom>
+          <a:noFill/>
+        </p:spPr>
+        <p:txBody>
+          <a:bodyPr wrap="none" rtlCol="0">
+            <a:spAutoFit/>
+          </a:bodyPr>
+          <a:lstStyle/>
+          <a:p>
+            <a:r>
+              <a:rPr kumimoji="1" lang="ja-JP" altLang="en-US" dirty="0" smtClean="0"/>
+              <a:t>名前</a:t>
+            </a:r>
+            <a:endParaRPr kumimoji="1" lang="ja-JP" altLang="en-US" dirty="0"/>
+          </a:p>
+        </p:txBody>
+      </p:sp>
+      <p:sp>
+        <p:nvSpPr>
+          <p:cNvPr id="35" name="テキスト ボックス 34"/>
+          <p:cNvSpPr txBox="1"/>
+          <p:nvPr/>
+        </p:nvSpPr>
+        <p:spPr>
+          <a:xfrm>
+            <a:off x="2363870" y="5666326"/>
+            <a:ext cx="6345746" cy="1200329"/>
+          </a:xfrm>
+          <a:prstGeom prst="rect">
+            <a:avLst/>
+          </a:prstGeom>
+          <a:noFill/>
+        </p:spPr>
+        <p:txBody>
+          <a:bodyPr wrap="square" rtlCol="0">
+            <a:spAutoFit/>
+          </a:bodyPr>
+          <a:lstStyle/>
+          <a:p>
+            <a:r>
+              <a:rPr lang="ja-JP" altLang="en-US" dirty="0"/>
+              <a:t>あああああああああああああああああああああああああああああああああああああああああああああああああああああああああああああああああああああああああああああああ</a:t>
+            </a:r>
+            <a:r>
+              <a:rPr lang="ja-JP" altLang="en-US" dirty="0" smtClean="0"/>
+              <a:t>あああああああああああああああああああああああああ</a:t>
+            </a:r>
+            <a:endParaRPr kumimoji="1" lang="ja-JP" altLang="en-US" dirty="0"/>
+          </a:p>
+        </p:txBody>
+      </p:sp>
     </p:spTree>
     <p:extLst>
       <p:ext uri="{BB962C8B-B14F-4D97-AF65-F5344CB8AC3E}">
         <p14:creationId xmlns:p14="http://schemas.microsoft.com/office/powerpoint/2010/main" val="4126545101"/>
+      </p:ext>
+    </p:extLst>
+  </p:cSld>
+  <p:clrMapOvr>
+    <a:masterClrMapping/>
+  </p:clrMapOvr>
+</p:sld>
+</file>
+
+<file path=ppt/slides/slide4.xml><?xml version="1.0" encoding="utf-8"?>
+<p:sld xmlns:a="http://schemas.openxmlformats.org/drawingml/2006/main" xmlns:r="http://schemas.openxmlformats.org/officeDocument/2006/relationships" xmlns:p="http://schemas.openxmlformats.org/presentationml/2006/main">
+  <p:cSld>
+    <p:spTree>
+      <p:nvGrpSpPr>
+        <p:cNvPr id="1" name=""/>
+        <p:cNvGrpSpPr/>
+        <p:nvPr/>
+      </p:nvGrpSpPr>
+      <p:grpSpPr>
+        <a:xfrm>
+          <a:off x="0" y="0"/>
+          <a:ext cx="0" cy="0"/>
+          <a:chOff x="0" y="0"/>
+          <a:chExt cx="0" cy="0"/>
+        </a:xfrm>
+      </p:grpSpPr>
+      <p:sp>
+        <p:nvSpPr>
+          <p:cNvPr id="2" name="正方形/長方形 1">
+            <a:extLst>
+              <a:ext uri="{FF2B5EF4-FFF2-40B4-BE49-F238E27FC236}">
+                <a16:creationId xmlns:a16="http://schemas.microsoft.com/office/drawing/2014/main" xmlns="" id="{80F7F236-459B-4269-BB73-07E486A88F11}"/>
+              </a:ext>
+            </a:extLst>
+          </p:cNvPr>
+          <p:cNvSpPr/>
+          <p:nvPr/>
+        </p:nvSpPr>
+        <p:spPr>
+          <a:xfrm>
+            <a:off x="257262" y="184558"/>
+            <a:ext cx="11677475" cy="453005"/>
+          </a:xfrm>
+          <a:prstGeom prst="rect">
+            <a:avLst/>
+          </a:prstGeom>
+        </p:spPr>
+        <p:style>
+          <a:lnRef idx="2">
+            <a:schemeClr val="accent3">
+              <a:shade val="50000"/>
+            </a:schemeClr>
+          </a:lnRef>
+          <a:fillRef idx="1">
+            <a:schemeClr val="accent3"/>
+          </a:fillRef>
+          <a:effectRef idx="0">
+            <a:schemeClr val="accent3"/>
+          </a:effectRef>
+          <a:fontRef idx="minor">
+            <a:schemeClr val="lt1"/>
+          </a:fontRef>
+        </p:style>
+        <p:txBody>
+          <a:bodyPr rtlCol="0" anchor="ctr"/>
+          <a:lstStyle/>
+          <a:p>
+            <a:pPr algn="ctr"/>
+            <a:endParaRPr kumimoji="1" lang="ja-JP" altLang="en-US" dirty="0"/>
+          </a:p>
+        </p:txBody>
+      </p:sp>
+      <p:sp>
+        <p:nvSpPr>
+          <p:cNvPr id="3" name="矢印: 左 2">
+            <a:extLst>
+              <a:ext uri="{FF2B5EF4-FFF2-40B4-BE49-F238E27FC236}">
+                <a16:creationId xmlns:a16="http://schemas.microsoft.com/office/drawing/2014/main" xmlns="" id="{DF289C13-954F-4722-A73D-687D4959995C}"/>
+              </a:ext>
+            </a:extLst>
+          </p:cNvPr>
+          <p:cNvSpPr/>
+          <p:nvPr/>
+        </p:nvSpPr>
+        <p:spPr>
+          <a:xfrm>
+            <a:off x="438180" y="305359"/>
+            <a:ext cx="296048" cy="211402"/>
+          </a:xfrm>
+          <a:prstGeom prst="leftArrow">
+            <a:avLst/>
+          </a:prstGeom>
+        </p:spPr>
+        <p:style>
+          <a:lnRef idx="2">
+            <a:schemeClr val="accent1">
+              <a:shade val="50000"/>
+            </a:schemeClr>
+          </a:lnRef>
+          <a:fillRef idx="1">
+            <a:schemeClr val="accent1"/>
+          </a:fillRef>
+          <a:effectRef idx="0">
+            <a:schemeClr val="accent1"/>
+          </a:effectRef>
+          <a:fontRef idx="minor">
+            <a:schemeClr val="lt1"/>
+          </a:fontRef>
+        </p:style>
+        <p:txBody>
+          <a:bodyPr rtlCol="0" anchor="ctr"/>
+          <a:lstStyle/>
+          <a:p>
+            <a:pPr algn="ctr"/>
+            <a:endParaRPr kumimoji="1" lang="ja-JP" altLang="en-US"/>
+          </a:p>
+        </p:txBody>
+      </p:sp>
+      <p:sp>
+        <p:nvSpPr>
+          <p:cNvPr id="4" name="テキスト ボックス 3">
+            <a:extLst>
+              <a:ext uri="{FF2B5EF4-FFF2-40B4-BE49-F238E27FC236}">
+                <a16:creationId xmlns:a16="http://schemas.microsoft.com/office/drawing/2014/main" xmlns="" id="{DFB450F8-0455-429B-B3E1-4AC9EECC068E}"/>
+              </a:ext>
+            </a:extLst>
+          </p:cNvPr>
+          <p:cNvSpPr txBox="1"/>
+          <p:nvPr/>
+        </p:nvSpPr>
+        <p:spPr>
+          <a:xfrm>
+            <a:off x="1309879" y="244860"/>
+            <a:ext cx="1107996" cy="369332"/>
+          </a:xfrm>
+          <a:prstGeom prst="rect">
+            <a:avLst/>
+          </a:prstGeom>
+          <a:noFill/>
+        </p:spPr>
+        <p:txBody>
+          <a:bodyPr wrap="none" rtlCol="0">
+            <a:spAutoFit/>
+          </a:bodyPr>
+          <a:lstStyle/>
+          <a:p>
+            <a:r>
+              <a:rPr lang="ja-JP" altLang="en-US" dirty="0"/>
+              <a:t>作</a:t>
+            </a:r>
+            <a:r>
+              <a:rPr lang="ja-JP" altLang="en-US" dirty="0" smtClean="0"/>
+              <a:t>品名</a:t>
+            </a:r>
+            <a:r>
+              <a:rPr lang="ja-JP" altLang="en-US" dirty="0"/>
+              <a:t>Ａ</a:t>
+            </a:r>
+            <a:endParaRPr kumimoji="1" lang="ja-JP" altLang="en-US" dirty="0"/>
+          </a:p>
+        </p:txBody>
+      </p:sp>
+      <p:grpSp>
+        <p:nvGrpSpPr>
+          <p:cNvPr id="7" name="グループ化 6">
+            <a:extLst>
+              <a:ext uri="{FF2B5EF4-FFF2-40B4-BE49-F238E27FC236}">
+                <a16:creationId xmlns:a16="http://schemas.microsoft.com/office/drawing/2014/main" xmlns="" id="{8CD80B96-2D43-4BB9-B1D2-FD11378EB42C}"/>
+              </a:ext>
+            </a:extLst>
+          </p:cNvPr>
+          <p:cNvGrpSpPr/>
+          <p:nvPr/>
+        </p:nvGrpSpPr>
+        <p:grpSpPr>
+          <a:xfrm>
+            <a:off x="10671805" y="265433"/>
+            <a:ext cx="317978" cy="292473"/>
+            <a:chOff x="10900096" y="234890"/>
+            <a:chExt cx="335559" cy="366916"/>
+          </a:xfrm>
+        </p:grpSpPr>
+        <p:sp>
+          <p:nvSpPr>
+            <p:cNvPr id="5" name="矢印: 下 4">
+              <a:extLst>
+                <a:ext uri="{FF2B5EF4-FFF2-40B4-BE49-F238E27FC236}">
+                  <a16:creationId xmlns:a16="http://schemas.microsoft.com/office/drawing/2014/main" xmlns="" id="{9BD95318-3059-436C-B100-6459E9377D7A}"/>
+                </a:ext>
+              </a:extLst>
+            </p:cNvPr>
+            <p:cNvSpPr/>
+            <p:nvPr/>
+          </p:nvSpPr>
+          <p:spPr>
+            <a:xfrm>
+              <a:off x="10950430" y="234890"/>
+              <a:ext cx="234892" cy="285226"/>
+            </a:xfrm>
+            <a:prstGeom prst="downArrow">
+              <a:avLst/>
+            </a:prstGeom>
+          </p:spPr>
+          <p:style>
+            <a:lnRef idx="2">
+              <a:schemeClr val="accent1">
+                <a:shade val="50000"/>
+              </a:schemeClr>
+            </a:lnRef>
+            <a:fillRef idx="1">
+              <a:schemeClr val="accent1"/>
+            </a:fillRef>
+            <a:effectRef idx="0">
+              <a:schemeClr val="accent1"/>
+            </a:effectRef>
+            <a:fontRef idx="minor">
+              <a:schemeClr val="lt1"/>
+            </a:fontRef>
+          </p:style>
+          <p:txBody>
+            <a:bodyPr rtlCol="0" anchor="ctr"/>
+            <a:lstStyle/>
+            <a:p>
+              <a:pPr algn="ctr"/>
+              <a:endParaRPr kumimoji="1" lang="ja-JP" altLang="en-US"/>
+            </a:p>
+          </p:txBody>
+        </p:sp>
+        <p:sp>
+          <p:nvSpPr>
+            <p:cNvPr id="6" name="正方形/長方形 5">
+              <a:extLst>
+                <a:ext uri="{FF2B5EF4-FFF2-40B4-BE49-F238E27FC236}">
+                  <a16:creationId xmlns:a16="http://schemas.microsoft.com/office/drawing/2014/main" xmlns="" id="{4CD399A3-8081-49CC-AE92-355154BC649A}"/>
+                </a:ext>
+              </a:extLst>
+            </p:cNvPr>
+            <p:cNvSpPr/>
+            <p:nvPr/>
+          </p:nvSpPr>
+          <p:spPr>
+            <a:xfrm>
+              <a:off x="10900096" y="556087"/>
+              <a:ext cx="335559" cy="45719"/>
+            </a:xfrm>
+            <a:prstGeom prst="rect">
+              <a:avLst/>
+            </a:prstGeom>
+          </p:spPr>
+          <p:style>
+            <a:lnRef idx="2">
+              <a:schemeClr val="accent1">
+                <a:shade val="50000"/>
+              </a:schemeClr>
+            </a:lnRef>
+            <a:fillRef idx="1">
+              <a:schemeClr val="accent1"/>
+            </a:fillRef>
+            <a:effectRef idx="0">
+              <a:schemeClr val="accent1"/>
+            </a:effectRef>
+            <a:fontRef idx="minor">
+              <a:schemeClr val="lt1"/>
+            </a:fontRef>
+          </p:style>
+          <p:txBody>
+            <a:bodyPr rtlCol="0" anchor="ctr"/>
+            <a:lstStyle/>
+            <a:p>
+              <a:pPr algn="ctr"/>
+              <a:endParaRPr kumimoji="1" lang="ja-JP" altLang="en-US"/>
+            </a:p>
+          </p:txBody>
+        </p:sp>
+      </p:grpSp>
+      <p:pic>
+        <p:nvPicPr>
+          <p:cNvPr id="9" name="グラフィックス 8" descr="歯車 1 つ 単色塗りつぶし">
+            <a:extLst>
+              <a:ext uri="{FF2B5EF4-FFF2-40B4-BE49-F238E27FC236}">
+                <a16:creationId xmlns:a16="http://schemas.microsoft.com/office/drawing/2014/main" xmlns="" id="{4011A9EF-5FD7-475A-BDE9-B57AA83B9FFA}"/>
+              </a:ext>
+            </a:extLst>
+          </p:cNvPr>
+          <p:cNvPicPr>
+            <a:picLocks noChangeAspect="1"/>
+          </p:cNvPicPr>
+          <p:nvPr/>
+        </p:nvPicPr>
+        <p:blipFill>
+          <a:blip r:embed="rId2" cstate="print">
+            <a:extLst>
+              <a:ext uri="{28A0092B-C50C-407E-A947-70E740481C1C}">
+                <a14:useLocalDpi xmlns:a14="http://schemas.microsoft.com/office/drawing/2010/main" val="0"/>
+              </a:ext>
+              <a:ext uri="{96DAC541-7B7A-43D3-8B79-37D633B846F1}">
+                <asvg:svgBlip xmlns:asvg="http://schemas.microsoft.com/office/drawing/2016/SVG/main" xmlns="" r:embed="rId3"/>
+              </a:ext>
+            </a:extLst>
+          </a:blip>
+          <a:stretch>
+            <a:fillRect/>
+          </a:stretch>
+        </p:blipFill>
+        <p:spPr>
+          <a:xfrm>
+            <a:off x="11228231" y="181709"/>
+            <a:ext cx="478242" cy="439076"/>
+          </a:xfrm>
+          <a:prstGeom prst="rect">
+            <a:avLst/>
+          </a:prstGeom>
+        </p:spPr>
+      </p:pic>
+      <p:sp>
+        <p:nvSpPr>
+          <p:cNvPr id="11" name="正方形/長方形 10">
+            <a:extLst>
+              <a:ext uri="{FF2B5EF4-FFF2-40B4-BE49-F238E27FC236}">
+                <a16:creationId xmlns:a16="http://schemas.microsoft.com/office/drawing/2014/main" xmlns="" id="{079D639A-9AFF-4A49-A891-75D10BB4398E}"/>
+              </a:ext>
+            </a:extLst>
+          </p:cNvPr>
+          <p:cNvSpPr/>
+          <p:nvPr/>
+        </p:nvSpPr>
+        <p:spPr>
+          <a:xfrm>
+            <a:off x="1775129" y="722020"/>
+            <a:ext cx="8641739" cy="4421784"/>
+          </a:xfrm>
+          <a:prstGeom prst="rect">
+            <a:avLst/>
+          </a:prstGeom>
+          <a:solidFill>
+            <a:schemeClr val="bg2"/>
+          </a:solidFill>
+          <a:ln>
+            <a:solidFill>
+              <a:schemeClr val="bg2">
+                <a:lumMod val="90000"/>
+              </a:schemeClr>
+            </a:solidFill>
+          </a:ln>
+        </p:spPr>
+        <p:style>
+          <a:lnRef idx="2">
+            <a:schemeClr val="accent1">
+              <a:shade val="50000"/>
+            </a:schemeClr>
+          </a:lnRef>
+          <a:fillRef idx="1">
+            <a:schemeClr val="accent1"/>
+          </a:fillRef>
+          <a:effectRef idx="0">
+            <a:schemeClr val="accent1"/>
+          </a:effectRef>
+          <a:fontRef idx="minor">
+            <a:schemeClr val="lt1"/>
+          </a:fontRef>
+        </p:style>
+        <p:txBody>
+          <a:bodyPr rtlCol="0" anchor="ctr"/>
+          <a:lstStyle/>
+          <a:p>
+            <a:pPr algn="ctr"/>
+            <a:endParaRPr kumimoji="1" lang="ja-JP" altLang="en-US"/>
+          </a:p>
+        </p:txBody>
+      </p:sp>
+      <p:sp>
+        <p:nvSpPr>
+          <p:cNvPr id="12" name="四角形: 角を丸くする 11">
+            <a:extLst>
+              <a:ext uri="{FF2B5EF4-FFF2-40B4-BE49-F238E27FC236}">
+                <a16:creationId xmlns:a16="http://schemas.microsoft.com/office/drawing/2014/main" xmlns="" id="{896E90D1-D4DA-4933-BAEE-9503445377A0}"/>
+              </a:ext>
+            </a:extLst>
+          </p:cNvPr>
+          <p:cNvSpPr/>
+          <p:nvPr/>
+        </p:nvSpPr>
+        <p:spPr>
+          <a:xfrm>
+            <a:off x="71507" y="746620"/>
+            <a:ext cx="1686173" cy="453005"/>
+          </a:xfrm>
+          <a:prstGeom prst="roundRect">
+            <a:avLst/>
+          </a:prstGeom>
+          <a:solidFill>
+            <a:schemeClr val="bg1"/>
+          </a:solidFill>
+          <a:ln>
+            <a:solidFill>
+              <a:schemeClr val="accent1">
+                <a:lumMod val="75000"/>
+              </a:schemeClr>
+            </a:solidFill>
+          </a:ln>
+        </p:spPr>
+        <p:style>
+          <a:lnRef idx="2">
+            <a:schemeClr val="accent1">
+              <a:shade val="50000"/>
+            </a:schemeClr>
+          </a:lnRef>
+          <a:fillRef idx="1">
+            <a:schemeClr val="accent1"/>
+          </a:fillRef>
+          <a:effectRef idx="0">
+            <a:schemeClr val="accent1"/>
+          </a:effectRef>
+          <a:fontRef idx="minor">
+            <a:schemeClr val="lt1"/>
+          </a:fontRef>
+        </p:style>
+        <p:txBody>
+          <a:bodyPr rtlCol="0" anchor="ctr"/>
+          <a:lstStyle/>
+          <a:p>
+            <a:r>
+              <a:rPr lang="ja-JP" altLang="en-US" sz="1200" dirty="0">
+                <a:solidFill>
+                  <a:schemeClr val="tx1"/>
+                </a:solidFill>
+              </a:rPr>
+              <a:t>機動戦士ガンダム</a:t>
+            </a:r>
+            <a:endParaRPr kumimoji="1" lang="ja-JP" altLang="en-US" sz="1200" dirty="0">
+              <a:solidFill>
+                <a:schemeClr val="tx1"/>
+              </a:solidFill>
+            </a:endParaRPr>
+          </a:p>
+        </p:txBody>
+      </p:sp>
+      <p:sp>
+        <p:nvSpPr>
+          <p:cNvPr id="13" name="四角形: 角を丸くする 12">
+            <a:extLst>
+              <a:ext uri="{FF2B5EF4-FFF2-40B4-BE49-F238E27FC236}">
+                <a16:creationId xmlns:a16="http://schemas.microsoft.com/office/drawing/2014/main" xmlns="" id="{E65E05EC-77C4-4762-A1DF-B8647D5DBA7C}"/>
+              </a:ext>
+            </a:extLst>
+          </p:cNvPr>
+          <p:cNvSpPr/>
+          <p:nvPr/>
+        </p:nvSpPr>
+        <p:spPr>
+          <a:xfrm>
+            <a:off x="71507" y="1217800"/>
+            <a:ext cx="1686173" cy="453005"/>
+          </a:xfrm>
+          <a:prstGeom prst="roundRect">
+            <a:avLst/>
+          </a:prstGeom>
+          <a:solidFill>
+            <a:schemeClr val="bg1"/>
+          </a:solidFill>
+          <a:ln>
+            <a:solidFill>
+              <a:schemeClr val="bg1"/>
+            </a:solidFill>
+          </a:ln>
+        </p:spPr>
+        <p:style>
+          <a:lnRef idx="2">
+            <a:schemeClr val="accent1">
+              <a:shade val="50000"/>
+            </a:schemeClr>
+          </a:lnRef>
+          <a:fillRef idx="1">
+            <a:schemeClr val="accent1"/>
+          </a:fillRef>
+          <a:effectRef idx="0">
+            <a:schemeClr val="accent1"/>
+          </a:effectRef>
+          <a:fontRef idx="minor">
+            <a:schemeClr val="lt1"/>
+          </a:fontRef>
+        </p:style>
+        <p:txBody>
+          <a:bodyPr rtlCol="0" anchor="ctr"/>
+          <a:lstStyle/>
+          <a:p>
+            <a:r>
+              <a:rPr kumimoji="1" lang="ja-JP" altLang="en-US" sz="1200" dirty="0" smtClean="0">
+                <a:solidFill>
+                  <a:schemeClr val="tx1"/>
+                </a:solidFill>
+              </a:rPr>
+              <a:t>機動戦士ガンダム</a:t>
+            </a:r>
+            <a:r>
+              <a:rPr kumimoji="1" lang="en-US" altLang="ja-JP" sz="1200" dirty="0" smtClean="0">
+                <a:solidFill>
+                  <a:schemeClr val="tx1"/>
+                </a:solidFill>
+              </a:rPr>
+              <a:t>Z</a:t>
+            </a:r>
+            <a:endParaRPr kumimoji="1" lang="ja-JP" altLang="en-US" sz="1200" dirty="0">
+              <a:solidFill>
+                <a:schemeClr val="tx1"/>
+              </a:solidFill>
+            </a:endParaRPr>
+          </a:p>
+        </p:txBody>
+      </p:sp>
+      <p:sp>
+        <p:nvSpPr>
+          <p:cNvPr id="14" name="四角形: 角を丸くする 13">
+            <a:extLst>
+              <a:ext uri="{FF2B5EF4-FFF2-40B4-BE49-F238E27FC236}">
+                <a16:creationId xmlns:a16="http://schemas.microsoft.com/office/drawing/2014/main" xmlns="" id="{2F20CCE0-4081-4F65-AA8D-330C1D9F59D9}"/>
+              </a:ext>
+            </a:extLst>
+          </p:cNvPr>
+          <p:cNvSpPr/>
+          <p:nvPr/>
+        </p:nvSpPr>
+        <p:spPr>
+          <a:xfrm>
+            <a:off x="71506" y="1688980"/>
+            <a:ext cx="1686174" cy="453005"/>
+          </a:xfrm>
+          <a:prstGeom prst="roundRect">
+            <a:avLst/>
+          </a:prstGeom>
+          <a:solidFill>
+            <a:schemeClr val="bg1"/>
+          </a:solidFill>
+          <a:ln>
+            <a:solidFill>
+              <a:schemeClr val="bg1"/>
+            </a:solidFill>
+          </a:ln>
+        </p:spPr>
+        <p:style>
+          <a:lnRef idx="2">
+            <a:schemeClr val="accent1">
+              <a:shade val="50000"/>
+            </a:schemeClr>
+          </a:lnRef>
+          <a:fillRef idx="1">
+            <a:schemeClr val="accent1"/>
+          </a:fillRef>
+          <a:effectRef idx="0">
+            <a:schemeClr val="accent1"/>
+          </a:effectRef>
+          <a:fontRef idx="minor">
+            <a:schemeClr val="lt1"/>
+          </a:fontRef>
+        </p:style>
+        <p:txBody>
+          <a:bodyPr rtlCol="0" anchor="ctr"/>
+          <a:lstStyle/>
+          <a:p>
+            <a:r>
+              <a:rPr lang="ja-JP" altLang="en-US" sz="1200" dirty="0">
+                <a:solidFill>
+                  <a:schemeClr val="tx1"/>
+                </a:solidFill>
+              </a:rPr>
+              <a:t>機動戦士</a:t>
+            </a:r>
+            <a:r>
+              <a:rPr lang="ja-JP" altLang="en-US" sz="1200" dirty="0" smtClean="0">
+                <a:solidFill>
+                  <a:schemeClr val="tx1"/>
+                </a:solidFill>
+              </a:rPr>
+              <a:t>ガンダム</a:t>
+            </a:r>
+            <a:r>
+              <a:rPr lang="en-US" altLang="ja-JP" sz="1200" dirty="0" smtClean="0">
+                <a:solidFill>
+                  <a:schemeClr val="tx1"/>
+                </a:solidFill>
+              </a:rPr>
+              <a:t>ZZ</a:t>
+            </a:r>
+            <a:endParaRPr kumimoji="1" lang="ja-JP" altLang="en-US" sz="1200" dirty="0">
+              <a:solidFill>
+                <a:schemeClr val="tx1"/>
+              </a:solidFill>
+            </a:endParaRPr>
+          </a:p>
+        </p:txBody>
+      </p:sp>
+      <p:sp>
+        <p:nvSpPr>
+          <p:cNvPr id="15" name="正方形/長方形 14">
+            <a:extLst>
+              <a:ext uri="{FF2B5EF4-FFF2-40B4-BE49-F238E27FC236}">
+                <a16:creationId xmlns:a16="http://schemas.microsoft.com/office/drawing/2014/main" xmlns="" id="{369D80C2-828F-42BE-B9C8-0185F544A9F0}"/>
+              </a:ext>
+            </a:extLst>
+          </p:cNvPr>
+          <p:cNvSpPr/>
+          <p:nvPr/>
+        </p:nvSpPr>
+        <p:spPr>
+          <a:xfrm>
+            <a:off x="982812" y="5129048"/>
+            <a:ext cx="7847969" cy="1728952"/>
+          </a:xfrm>
+          <a:prstGeom prst="rect">
+            <a:avLst/>
+          </a:prstGeom>
+          <a:solidFill>
+            <a:schemeClr val="bg1"/>
+          </a:solidFill>
+          <a:ln>
+            <a:solidFill>
+              <a:schemeClr val="tx1"/>
+            </a:solidFill>
+          </a:ln>
+        </p:spPr>
+        <p:style>
+          <a:lnRef idx="2">
+            <a:schemeClr val="accent1">
+              <a:shade val="50000"/>
+            </a:schemeClr>
+          </a:lnRef>
+          <a:fillRef idx="1">
+            <a:schemeClr val="accent1"/>
+          </a:fillRef>
+          <a:effectRef idx="0">
+            <a:schemeClr val="accent1"/>
+          </a:effectRef>
+          <a:fontRef idx="minor">
+            <a:schemeClr val="lt1"/>
+          </a:fontRef>
+        </p:style>
+        <p:txBody>
+          <a:bodyPr rtlCol="0" anchor="ctr"/>
+          <a:lstStyle/>
+          <a:p>
+            <a:pPr algn="ctr"/>
+            <a:endParaRPr kumimoji="1" lang="ja-JP" altLang="en-US" dirty="0"/>
+          </a:p>
+        </p:txBody>
+      </p:sp>
+      <p:sp>
+        <p:nvSpPr>
+          <p:cNvPr id="20" name="正方形/長方形 19">
+            <a:extLst>
+              <a:ext uri="{FF2B5EF4-FFF2-40B4-BE49-F238E27FC236}">
+                <a16:creationId xmlns:a16="http://schemas.microsoft.com/office/drawing/2014/main" xmlns="" id="{3F4BE692-C5BF-4C38-B52D-B2F2CE1D082F}"/>
+              </a:ext>
+            </a:extLst>
+          </p:cNvPr>
+          <p:cNvSpPr/>
+          <p:nvPr/>
+        </p:nvSpPr>
+        <p:spPr>
+          <a:xfrm>
+            <a:off x="8830781" y="5126199"/>
+            <a:ext cx="3080296" cy="988741"/>
+          </a:xfrm>
+          <a:prstGeom prst="rect">
+            <a:avLst/>
+          </a:prstGeom>
+          <a:solidFill>
+            <a:schemeClr val="bg1"/>
+          </a:solidFill>
+          <a:ln>
+            <a:solidFill>
+              <a:schemeClr val="tx1"/>
+            </a:solidFill>
+          </a:ln>
+        </p:spPr>
+        <p:style>
+          <a:lnRef idx="2">
+            <a:schemeClr val="accent1">
+              <a:shade val="50000"/>
+            </a:schemeClr>
+          </a:lnRef>
+          <a:fillRef idx="1">
+            <a:schemeClr val="accent1"/>
+          </a:fillRef>
+          <a:effectRef idx="0">
+            <a:schemeClr val="accent1"/>
+          </a:effectRef>
+          <a:fontRef idx="minor">
+            <a:schemeClr val="lt1"/>
+          </a:fontRef>
+        </p:style>
+        <p:txBody>
+          <a:bodyPr rtlCol="0" anchor="ctr"/>
+          <a:lstStyle/>
+          <a:p>
+            <a:pPr algn="ctr"/>
+            <a:endParaRPr kumimoji="1" lang="ja-JP" altLang="en-US"/>
+          </a:p>
+        </p:txBody>
+      </p:sp>
+      <p:sp>
+        <p:nvSpPr>
+          <p:cNvPr id="21" name="四角形: 角を丸くする 20">
+            <a:extLst>
+              <a:ext uri="{FF2B5EF4-FFF2-40B4-BE49-F238E27FC236}">
+                <a16:creationId xmlns:a16="http://schemas.microsoft.com/office/drawing/2014/main" xmlns="" id="{F7694BF0-D6DF-40B8-9152-8511262862F2}"/>
+              </a:ext>
+            </a:extLst>
+          </p:cNvPr>
+          <p:cNvSpPr/>
+          <p:nvPr/>
+        </p:nvSpPr>
+        <p:spPr>
+          <a:xfrm>
+            <a:off x="8347933" y="278933"/>
+            <a:ext cx="881906" cy="269766"/>
+          </a:xfrm>
+          <a:prstGeom prst="roundRect">
+            <a:avLst/>
+          </a:prstGeom>
+        </p:spPr>
+        <p:style>
+          <a:lnRef idx="2">
+            <a:schemeClr val="accent1">
+              <a:shade val="50000"/>
+            </a:schemeClr>
+          </a:lnRef>
+          <a:fillRef idx="1">
+            <a:schemeClr val="accent1"/>
+          </a:fillRef>
+          <a:effectRef idx="0">
+            <a:schemeClr val="accent1"/>
+          </a:effectRef>
+          <a:fontRef idx="minor">
+            <a:schemeClr val="lt1"/>
+          </a:fontRef>
+        </p:style>
+        <p:txBody>
+          <a:bodyPr rtlCol="0" anchor="ctr"/>
+          <a:lstStyle/>
+          <a:p>
+            <a:pPr algn="ctr"/>
+            <a:r>
+              <a:rPr lang="en-US" altLang="ja-JP" dirty="0"/>
+              <a:t>Actor</a:t>
+            </a:r>
+            <a:endParaRPr kumimoji="1" lang="ja-JP" altLang="en-US" dirty="0"/>
+          </a:p>
+        </p:txBody>
+      </p:sp>
+      <p:sp>
+        <p:nvSpPr>
+          <p:cNvPr id="22" name="四角形: 角を丸くする 21">
+            <a:extLst>
+              <a:ext uri="{FF2B5EF4-FFF2-40B4-BE49-F238E27FC236}">
+                <a16:creationId xmlns:a16="http://schemas.microsoft.com/office/drawing/2014/main" xmlns="" id="{FE5B157B-2489-4BB3-97BD-B82EC04A9149}"/>
+              </a:ext>
+            </a:extLst>
+          </p:cNvPr>
+          <p:cNvSpPr/>
+          <p:nvPr/>
+        </p:nvSpPr>
+        <p:spPr>
+          <a:xfrm>
+            <a:off x="9423615" y="272018"/>
+            <a:ext cx="942306" cy="273852"/>
+          </a:xfrm>
+          <a:prstGeom prst="roundRect">
+            <a:avLst/>
+          </a:prstGeom>
+          <a:solidFill>
+            <a:schemeClr val="accent6"/>
+          </a:solidFill>
+          <a:ln>
+            <a:solidFill>
+              <a:schemeClr val="accent6">
+                <a:lumMod val="75000"/>
+              </a:schemeClr>
+            </a:solidFill>
+          </a:ln>
+        </p:spPr>
+        <p:style>
+          <a:lnRef idx="2">
+            <a:schemeClr val="accent1">
+              <a:shade val="50000"/>
+            </a:schemeClr>
+          </a:lnRef>
+          <a:fillRef idx="1">
+            <a:schemeClr val="accent1"/>
+          </a:fillRef>
+          <a:effectRef idx="0">
+            <a:schemeClr val="accent1"/>
+          </a:effectRef>
+          <a:fontRef idx="minor">
+            <a:schemeClr val="lt1"/>
+          </a:fontRef>
+        </p:style>
+        <p:txBody>
+          <a:bodyPr rtlCol="0" anchor="ctr"/>
+          <a:lstStyle/>
+          <a:p>
+            <a:pPr algn="ctr"/>
+            <a:r>
+              <a:rPr kumimoji="1" lang="en-US" altLang="ja-JP" dirty="0"/>
+              <a:t>Line</a:t>
+            </a:r>
+            <a:endParaRPr kumimoji="1" lang="ja-JP" altLang="en-US" dirty="0"/>
+          </a:p>
+        </p:txBody>
+      </p:sp>
+      <p:pic>
+        <p:nvPicPr>
+          <p:cNvPr id="26" name="図 25" descr="アイコン&#10;&#10;自動的に生成された説明">
+            <a:extLst>
+              <a:ext uri="{FF2B5EF4-FFF2-40B4-BE49-F238E27FC236}">
+                <a16:creationId xmlns:a16="http://schemas.microsoft.com/office/drawing/2014/main" xmlns="" id="{FA6DD198-495A-4005-94FB-940B4711546A}"/>
+              </a:ext>
+            </a:extLst>
+          </p:cNvPr>
+          <p:cNvPicPr>
+            <a:picLocks noChangeAspect="1"/>
+          </p:cNvPicPr>
+          <p:nvPr/>
+        </p:nvPicPr>
+        <p:blipFill>
+          <a:blip r:embed="rId4" cstate="print">
+            <a:extLst>
+              <a:ext uri="{28A0092B-C50C-407E-A947-70E740481C1C}">
+                <a14:useLocalDpi xmlns:a14="http://schemas.microsoft.com/office/drawing/2010/main" val="0"/>
+              </a:ext>
+            </a:extLst>
+          </a:blip>
+          <a:stretch>
+            <a:fillRect/>
+          </a:stretch>
+        </p:blipFill>
+        <p:spPr>
+          <a:xfrm>
+            <a:off x="1097690" y="5481660"/>
+            <a:ext cx="1023727" cy="1023727"/>
+          </a:xfrm>
+          <a:prstGeom prst="rect">
+            <a:avLst/>
+          </a:prstGeom>
+        </p:spPr>
+      </p:pic>
+      <p:cxnSp>
+        <p:nvCxnSpPr>
+          <p:cNvPr id="28" name="直線コネクタ 27">
+            <a:extLst>
+              <a:ext uri="{FF2B5EF4-FFF2-40B4-BE49-F238E27FC236}">
+                <a16:creationId xmlns:a16="http://schemas.microsoft.com/office/drawing/2014/main" xmlns="" id="{3AF897E8-B1A7-4282-A6E6-589B0A1DE071}"/>
+              </a:ext>
+            </a:extLst>
+          </p:cNvPr>
+          <p:cNvCxnSpPr>
+            <a:cxnSpLocks/>
+          </p:cNvCxnSpPr>
+          <p:nvPr/>
+        </p:nvCxnSpPr>
+        <p:spPr>
+          <a:xfrm>
+            <a:off x="2362200" y="5481660"/>
+            <a:ext cx="2293690" cy="0"/>
+          </a:xfrm>
+          <a:prstGeom prst="line">
+            <a:avLst/>
+          </a:prstGeom>
+        </p:spPr>
+        <p:style>
+          <a:lnRef idx="1">
+            <a:schemeClr val="dk1"/>
+          </a:lnRef>
+          <a:fillRef idx="0">
+            <a:schemeClr val="dk1"/>
+          </a:fillRef>
+          <a:effectRef idx="0">
+            <a:schemeClr val="dk1"/>
+          </a:effectRef>
+          <a:fontRef idx="minor">
+            <a:schemeClr val="tx1"/>
+          </a:fontRef>
+        </p:style>
+      </p:cxnSp>
+      <p:sp>
+        <p:nvSpPr>
+          <p:cNvPr id="29" name="正方形/長方形 28">
+            <a:extLst>
+              <a:ext uri="{FF2B5EF4-FFF2-40B4-BE49-F238E27FC236}">
+                <a16:creationId xmlns:a16="http://schemas.microsoft.com/office/drawing/2014/main" xmlns="" id="{183054C3-D4FD-4476-888C-B02BF2EDB4D9}"/>
+              </a:ext>
+            </a:extLst>
+          </p:cNvPr>
+          <p:cNvSpPr/>
+          <p:nvPr/>
+        </p:nvSpPr>
+        <p:spPr>
+          <a:xfrm>
+            <a:off x="2362199" y="5644613"/>
+            <a:ext cx="6347417" cy="1141355"/>
+          </a:xfrm>
+          <a:prstGeom prst="rect">
+            <a:avLst/>
+          </a:prstGeom>
+          <a:solidFill>
+            <a:schemeClr val="bg1"/>
+          </a:solidFill>
+          <a:ln>
+            <a:solidFill>
+              <a:schemeClr val="tx1"/>
+            </a:solidFill>
+          </a:ln>
+        </p:spPr>
+        <p:style>
+          <a:lnRef idx="2">
+            <a:schemeClr val="accent1">
+              <a:shade val="50000"/>
+            </a:schemeClr>
+          </a:lnRef>
+          <a:fillRef idx="1">
+            <a:schemeClr val="accent1"/>
+          </a:fillRef>
+          <a:effectRef idx="0">
+            <a:schemeClr val="accent1"/>
+          </a:effectRef>
+          <a:fontRef idx="minor">
+            <a:schemeClr val="lt1"/>
+          </a:fontRef>
+        </p:style>
+        <p:txBody>
+          <a:bodyPr rtlCol="0" anchor="ctr"/>
+          <a:lstStyle/>
+          <a:p>
+            <a:pPr algn="ctr"/>
+            <a:endParaRPr kumimoji="1" lang="ja-JP" altLang="en-US"/>
+          </a:p>
+        </p:txBody>
+      </p:sp>
+      <p:sp>
+        <p:nvSpPr>
+          <p:cNvPr id="31" name="四角形: 角を丸くする 30">
+            <a:extLst>
+              <a:ext uri="{FF2B5EF4-FFF2-40B4-BE49-F238E27FC236}">
+                <a16:creationId xmlns:a16="http://schemas.microsoft.com/office/drawing/2014/main" xmlns="" id="{E687C57B-3009-462A-B5C7-E663CDBF3614}"/>
+              </a:ext>
+            </a:extLst>
+          </p:cNvPr>
+          <p:cNvSpPr/>
+          <p:nvPr/>
+        </p:nvSpPr>
+        <p:spPr>
+          <a:xfrm>
+            <a:off x="6193247" y="5273048"/>
+            <a:ext cx="1023727" cy="299533"/>
+          </a:xfrm>
+          <a:prstGeom prst="roundRect">
+            <a:avLst/>
+          </a:prstGeom>
+          <a:solidFill>
+            <a:schemeClr val="accent6"/>
+          </a:solidFill>
+          <a:ln>
+            <a:solidFill>
+              <a:schemeClr val="accent6"/>
+            </a:solidFill>
+          </a:ln>
+        </p:spPr>
+        <p:style>
+          <a:lnRef idx="2">
+            <a:schemeClr val="accent1">
+              <a:shade val="50000"/>
+            </a:schemeClr>
+          </a:lnRef>
+          <a:fillRef idx="1">
+            <a:schemeClr val="accent1"/>
+          </a:fillRef>
+          <a:effectRef idx="0">
+            <a:schemeClr val="accent1"/>
+          </a:effectRef>
+          <a:fontRef idx="minor">
+            <a:schemeClr val="lt1"/>
+          </a:fontRef>
+        </p:style>
+        <p:txBody>
+          <a:bodyPr rtlCol="0" anchor="ctr"/>
+          <a:lstStyle/>
+          <a:p>
+            <a:pPr algn="ctr"/>
+            <a:r>
+              <a:rPr kumimoji="1" lang="ja-JP" altLang="en-US" dirty="0"/>
+              <a:t>編集</a:t>
+            </a:r>
+          </a:p>
+        </p:txBody>
+      </p:sp>
+      <p:sp>
+        <p:nvSpPr>
+          <p:cNvPr id="32" name="四角形: 角を丸くする 31">
+            <a:extLst>
+              <a:ext uri="{FF2B5EF4-FFF2-40B4-BE49-F238E27FC236}">
+                <a16:creationId xmlns:a16="http://schemas.microsoft.com/office/drawing/2014/main" xmlns="" id="{6466C381-D6CC-4AD7-AA5C-104140FDA422}"/>
+              </a:ext>
+            </a:extLst>
+          </p:cNvPr>
+          <p:cNvSpPr/>
+          <p:nvPr/>
+        </p:nvSpPr>
+        <p:spPr>
+          <a:xfrm>
+            <a:off x="7433075" y="5273048"/>
+            <a:ext cx="1023727" cy="299533"/>
+          </a:xfrm>
+          <a:prstGeom prst="roundRect">
+            <a:avLst/>
+          </a:prstGeom>
+          <a:solidFill>
+            <a:srgbClr val="FF0000"/>
+          </a:solidFill>
+          <a:ln>
+            <a:solidFill>
+              <a:srgbClr val="FF0000"/>
+            </a:solidFill>
+          </a:ln>
+        </p:spPr>
+        <p:style>
+          <a:lnRef idx="2">
+            <a:schemeClr val="accent1">
+              <a:shade val="50000"/>
+            </a:schemeClr>
+          </a:lnRef>
+          <a:fillRef idx="1">
+            <a:schemeClr val="accent1"/>
+          </a:fillRef>
+          <a:effectRef idx="0">
+            <a:schemeClr val="accent1"/>
+          </a:effectRef>
+          <a:fontRef idx="minor">
+            <a:schemeClr val="lt1"/>
+          </a:fontRef>
+        </p:style>
+        <p:txBody>
+          <a:bodyPr rtlCol="0" anchor="ctr"/>
+          <a:lstStyle/>
+          <a:p>
+            <a:pPr algn="ctr"/>
+            <a:r>
+              <a:rPr kumimoji="1" lang="ja-JP" altLang="en-US" dirty="0"/>
+              <a:t>削除</a:t>
+            </a:r>
+          </a:p>
+        </p:txBody>
+      </p:sp>
+      <p:grpSp>
+        <p:nvGrpSpPr>
+          <p:cNvPr id="40" name="グループ化 39">
+            <a:extLst>
+              <a:ext uri="{FF2B5EF4-FFF2-40B4-BE49-F238E27FC236}">
+                <a16:creationId xmlns:a16="http://schemas.microsoft.com/office/drawing/2014/main" xmlns="" id="{A096291A-4CDC-4700-B70F-29EADAE33846}"/>
+              </a:ext>
+            </a:extLst>
+          </p:cNvPr>
+          <p:cNvGrpSpPr/>
+          <p:nvPr/>
+        </p:nvGrpSpPr>
+        <p:grpSpPr>
+          <a:xfrm>
+            <a:off x="8850368" y="6125503"/>
+            <a:ext cx="2443713" cy="521463"/>
+            <a:chOff x="8503920" y="6336537"/>
+            <a:chExt cx="2443713" cy="521463"/>
+          </a:xfrm>
+        </p:grpSpPr>
+        <p:sp>
+          <p:nvSpPr>
+            <p:cNvPr id="33" name="四角形: 角を丸くする 32">
+              <a:extLst>
+                <a:ext uri="{FF2B5EF4-FFF2-40B4-BE49-F238E27FC236}">
+                  <a16:creationId xmlns:a16="http://schemas.microsoft.com/office/drawing/2014/main" xmlns="" id="{09B24E2D-E00C-44CF-A943-BA5F37AA7768}"/>
+                </a:ext>
+              </a:extLst>
+            </p:cNvPr>
+            <p:cNvSpPr/>
+            <p:nvPr/>
+          </p:nvSpPr>
+          <p:spPr>
+            <a:xfrm>
+              <a:off x="8503920" y="6336537"/>
+              <a:ext cx="758942" cy="521463"/>
+            </a:xfrm>
+            <a:prstGeom prst="roundRect">
+              <a:avLst/>
+            </a:prstGeom>
+            <a:solidFill>
+              <a:schemeClr val="bg1"/>
+            </a:solidFill>
+            <a:ln>
+              <a:solidFill>
+                <a:schemeClr val="accent1"/>
+              </a:solidFill>
+            </a:ln>
+          </p:spPr>
+          <p:style>
+            <a:lnRef idx="2">
+              <a:schemeClr val="accent1">
+                <a:shade val="50000"/>
+              </a:schemeClr>
+            </a:lnRef>
+            <a:fillRef idx="1">
+              <a:schemeClr val="accent1"/>
+            </a:fillRef>
+            <a:effectRef idx="0">
+              <a:schemeClr val="accent1"/>
+            </a:effectRef>
+            <a:fontRef idx="minor">
+              <a:schemeClr val="lt1"/>
+            </a:fontRef>
+          </p:style>
+          <p:txBody>
+            <a:bodyPr rtlCol="0" anchor="ctr"/>
+            <a:lstStyle/>
+            <a:p>
+              <a:pPr algn="ctr"/>
+              <a:r>
+                <a:rPr kumimoji="1" lang="ja-JP" altLang="en-US" sz="1400" dirty="0">
+                  <a:solidFill>
+                    <a:schemeClr val="tx1"/>
+                  </a:solidFill>
+                </a:rPr>
+                <a:t>人物</a:t>
+              </a:r>
+            </a:p>
+          </p:txBody>
+        </p:sp>
+        <p:sp>
+          <p:nvSpPr>
+            <p:cNvPr id="38" name="四角形: 角を丸くする 37">
+              <a:extLst>
+                <a:ext uri="{FF2B5EF4-FFF2-40B4-BE49-F238E27FC236}">
+                  <a16:creationId xmlns:a16="http://schemas.microsoft.com/office/drawing/2014/main" xmlns="" id="{27B37FD0-32AB-4E61-B9E6-1D3D9002C0B2}"/>
+                </a:ext>
+              </a:extLst>
+            </p:cNvPr>
+            <p:cNvSpPr/>
+            <p:nvPr/>
+          </p:nvSpPr>
+          <p:spPr>
+            <a:xfrm>
+              <a:off x="9278103" y="6350466"/>
+              <a:ext cx="758942" cy="503340"/>
+            </a:xfrm>
+            <a:prstGeom prst="roundRect">
+              <a:avLst/>
+            </a:prstGeom>
+            <a:solidFill>
+              <a:schemeClr val="bg1"/>
+            </a:solidFill>
+            <a:ln>
+              <a:solidFill>
+                <a:schemeClr val="bg1"/>
+              </a:solidFill>
+            </a:ln>
+          </p:spPr>
+          <p:style>
+            <a:lnRef idx="2">
+              <a:schemeClr val="accent1">
+                <a:shade val="50000"/>
+              </a:schemeClr>
+            </a:lnRef>
+            <a:fillRef idx="1">
+              <a:schemeClr val="accent1"/>
+            </a:fillRef>
+            <a:effectRef idx="0">
+              <a:schemeClr val="accent1"/>
+            </a:effectRef>
+            <a:fontRef idx="minor">
+              <a:schemeClr val="lt1"/>
+            </a:fontRef>
+          </p:style>
+          <p:txBody>
+            <a:bodyPr rtlCol="0" anchor="ctr"/>
+            <a:lstStyle/>
+            <a:p>
+              <a:pPr algn="ctr"/>
+              <a:r>
+                <a:rPr lang="ja-JP" altLang="en-US" sz="1400" dirty="0">
+                  <a:solidFill>
+                    <a:schemeClr val="tx1"/>
+                  </a:solidFill>
+                </a:rPr>
+                <a:t>関係</a:t>
+              </a:r>
+              <a:endParaRPr kumimoji="1" lang="ja-JP" altLang="en-US" sz="1400" dirty="0">
+                <a:solidFill>
+                  <a:schemeClr val="tx1"/>
+                </a:solidFill>
+              </a:endParaRPr>
+            </a:p>
+          </p:txBody>
+        </p:sp>
+        <p:sp>
+          <p:nvSpPr>
+            <p:cNvPr id="39" name="四角形: 角を丸くする 38">
+              <a:extLst>
+                <a:ext uri="{FF2B5EF4-FFF2-40B4-BE49-F238E27FC236}">
+                  <a16:creationId xmlns:a16="http://schemas.microsoft.com/office/drawing/2014/main" xmlns="" id="{17AFF7B3-D7D7-4C8C-AAF4-072A88B3C1C7}"/>
+                </a:ext>
+              </a:extLst>
+            </p:cNvPr>
+            <p:cNvSpPr/>
+            <p:nvPr/>
+          </p:nvSpPr>
+          <p:spPr>
+            <a:xfrm>
+              <a:off x="10003489" y="6347617"/>
+              <a:ext cx="944144" cy="503340"/>
+            </a:xfrm>
+            <a:prstGeom prst="roundRect">
+              <a:avLst/>
+            </a:prstGeom>
+            <a:solidFill>
+              <a:schemeClr val="bg1"/>
+            </a:solidFill>
+            <a:ln>
+              <a:solidFill>
+                <a:schemeClr val="bg1"/>
+              </a:solidFill>
+            </a:ln>
+          </p:spPr>
+          <p:style>
+            <a:lnRef idx="2">
+              <a:schemeClr val="accent1">
+                <a:shade val="50000"/>
+              </a:schemeClr>
+            </a:lnRef>
+            <a:fillRef idx="1">
+              <a:schemeClr val="accent1"/>
+            </a:fillRef>
+            <a:effectRef idx="0">
+              <a:schemeClr val="accent1"/>
+            </a:effectRef>
+            <a:fontRef idx="minor">
+              <a:schemeClr val="lt1"/>
+            </a:fontRef>
+          </p:style>
+          <p:txBody>
+            <a:bodyPr rtlCol="0" anchor="ctr"/>
+            <a:lstStyle/>
+            <a:p>
+              <a:pPr algn="ctr"/>
+              <a:r>
+                <a:rPr lang="ja-JP" altLang="en-US" sz="1400" dirty="0">
+                  <a:solidFill>
+                    <a:schemeClr val="tx1"/>
+                  </a:solidFill>
+                </a:rPr>
+                <a:t>グループ</a:t>
+              </a:r>
+              <a:endParaRPr kumimoji="1" lang="ja-JP" altLang="en-US" sz="1400" dirty="0">
+                <a:solidFill>
+                  <a:schemeClr val="tx1"/>
+                </a:solidFill>
+              </a:endParaRPr>
+            </a:p>
+          </p:txBody>
+        </p:sp>
+      </p:grpSp>
+      <p:sp>
+        <p:nvSpPr>
+          <p:cNvPr id="43" name="正方形/長方形 42">
+            <a:extLst>
+              <a:ext uri="{FF2B5EF4-FFF2-40B4-BE49-F238E27FC236}">
+                <a16:creationId xmlns:a16="http://schemas.microsoft.com/office/drawing/2014/main" xmlns="" id="{8AA3CD8B-99BE-4E46-9AC2-05386674A02A}"/>
+              </a:ext>
+            </a:extLst>
+          </p:cNvPr>
+          <p:cNvSpPr/>
+          <p:nvPr/>
+        </p:nvSpPr>
+        <p:spPr>
+          <a:xfrm>
+            <a:off x="9238415" y="5610740"/>
+            <a:ext cx="1917376" cy="320996"/>
+          </a:xfrm>
+          <a:prstGeom prst="rect">
+            <a:avLst/>
+          </a:prstGeom>
+          <a:solidFill>
+            <a:schemeClr val="bg1"/>
+          </a:solidFill>
+          <a:ln>
+            <a:solidFill>
+              <a:schemeClr val="tx1"/>
+            </a:solidFill>
+          </a:ln>
+        </p:spPr>
+        <p:style>
+          <a:lnRef idx="2">
+            <a:schemeClr val="accent1">
+              <a:shade val="50000"/>
+            </a:schemeClr>
+          </a:lnRef>
+          <a:fillRef idx="1">
+            <a:schemeClr val="accent1"/>
+          </a:fillRef>
+          <a:effectRef idx="0">
+            <a:schemeClr val="accent1"/>
+          </a:effectRef>
+          <a:fontRef idx="minor">
+            <a:schemeClr val="lt1"/>
+          </a:fontRef>
+        </p:style>
+        <p:txBody>
+          <a:bodyPr rtlCol="0" anchor="ctr"/>
+          <a:lstStyle/>
+          <a:p>
+            <a:pPr algn="ctr"/>
+            <a:endParaRPr kumimoji="1" lang="ja-JP" altLang="en-US"/>
+          </a:p>
+        </p:txBody>
+      </p:sp>
+      <p:sp>
+        <p:nvSpPr>
+          <p:cNvPr id="44" name="正方形/長方形 43">
+            <a:extLst>
+              <a:ext uri="{FF2B5EF4-FFF2-40B4-BE49-F238E27FC236}">
+                <a16:creationId xmlns:a16="http://schemas.microsoft.com/office/drawing/2014/main" xmlns="" id="{C8FD532A-CD26-41CA-AE58-9D67996B4376}"/>
+              </a:ext>
+            </a:extLst>
+          </p:cNvPr>
+          <p:cNvSpPr/>
+          <p:nvPr/>
+        </p:nvSpPr>
+        <p:spPr>
+          <a:xfrm>
+            <a:off x="11174502" y="5608092"/>
+            <a:ext cx="323993" cy="320996"/>
+          </a:xfrm>
+          <a:prstGeom prst="rect">
+            <a:avLst/>
+          </a:prstGeom>
+          <a:solidFill>
+            <a:schemeClr val="bg2"/>
+          </a:solidFill>
+          <a:ln>
+            <a:solidFill>
+              <a:schemeClr val="bg2"/>
+            </a:solidFill>
+          </a:ln>
+        </p:spPr>
+        <p:style>
+          <a:lnRef idx="2">
+            <a:schemeClr val="accent1">
+              <a:shade val="50000"/>
+            </a:schemeClr>
+          </a:lnRef>
+          <a:fillRef idx="1">
+            <a:schemeClr val="accent1"/>
+          </a:fillRef>
+          <a:effectRef idx="0">
+            <a:schemeClr val="accent1"/>
+          </a:effectRef>
+          <a:fontRef idx="minor">
+            <a:schemeClr val="lt1"/>
+          </a:fontRef>
+        </p:style>
+        <p:txBody>
+          <a:bodyPr rtlCol="0" anchor="ctr"/>
+          <a:lstStyle/>
+          <a:p>
+            <a:pPr algn="ctr"/>
+            <a:endParaRPr kumimoji="1" lang="ja-JP" altLang="en-US"/>
+          </a:p>
+        </p:txBody>
+      </p:sp>
+      <p:pic>
+        <p:nvPicPr>
+          <p:cNvPr id="46" name="グラフィックス 45" descr="拡大鏡 単色塗りつぶし">
+            <a:extLst>
+              <a:ext uri="{FF2B5EF4-FFF2-40B4-BE49-F238E27FC236}">
+                <a16:creationId xmlns:a16="http://schemas.microsoft.com/office/drawing/2014/main" xmlns="" id="{D27E0C87-6E4F-4033-B382-536D585F9299}"/>
+              </a:ext>
+            </a:extLst>
+          </p:cNvPr>
+          <p:cNvPicPr>
+            <a:picLocks noChangeAspect="1"/>
+          </p:cNvPicPr>
+          <p:nvPr/>
+        </p:nvPicPr>
+        <p:blipFill>
+          <a:blip r:embed="rId5" cstate="print">
+            <a:extLst>
+              <a:ext uri="{28A0092B-C50C-407E-A947-70E740481C1C}">
+                <a14:useLocalDpi xmlns:a14="http://schemas.microsoft.com/office/drawing/2010/main" val="0"/>
+              </a:ext>
+              <a:ext uri="{96DAC541-7B7A-43D3-8B79-37D633B846F1}">
+                <asvg:svgBlip xmlns:asvg="http://schemas.microsoft.com/office/drawing/2016/SVG/main" xmlns="" r:embed="rId6"/>
+              </a:ext>
+            </a:extLst>
+          </a:blip>
+          <a:stretch>
+            <a:fillRect/>
+          </a:stretch>
+        </p:blipFill>
+        <p:spPr>
+          <a:xfrm>
+            <a:off x="11171061" y="5614304"/>
+            <a:ext cx="323993" cy="313868"/>
+          </a:xfrm>
+          <a:prstGeom prst="rect">
+            <a:avLst/>
+          </a:prstGeom>
+        </p:spPr>
+      </p:pic>
+      <p:sp>
+        <p:nvSpPr>
+          <p:cNvPr id="48" name="テキスト ボックス 47">
+            <a:extLst>
+              <a:ext uri="{FF2B5EF4-FFF2-40B4-BE49-F238E27FC236}">
+                <a16:creationId xmlns:a16="http://schemas.microsoft.com/office/drawing/2014/main" xmlns="" id="{28893D37-253F-499B-AA50-275312219D0D}"/>
+              </a:ext>
+            </a:extLst>
+          </p:cNvPr>
+          <p:cNvSpPr txBox="1"/>
+          <p:nvPr/>
+        </p:nvSpPr>
+        <p:spPr>
+          <a:xfrm>
+            <a:off x="9156973" y="5234027"/>
+            <a:ext cx="595035" cy="338554"/>
+          </a:xfrm>
+          <a:prstGeom prst="rect">
+            <a:avLst/>
+          </a:prstGeom>
+          <a:noFill/>
+        </p:spPr>
+        <p:txBody>
+          <a:bodyPr wrap="none" rtlCol="0">
+            <a:spAutoFit/>
+          </a:bodyPr>
+          <a:lstStyle/>
+          <a:p>
+            <a:r>
+              <a:rPr kumimoji="1" lang="ja-JP" altLang="en-US" sz="1600" dirty="0"/>
+              <a:t>検索</a:t>
+            </a:r>
+          </a:p>
+        </p:txBody>
+      </p:sp>
+      <p:sp>
+        <p:nvSpPr>
+          <p:cNvPr id="49" name="二等辺三角形 48">
+            <a:extLst>
+              <a:ext uri="{FF2B5EF4-FFF2-40B4-BE49-F238E27FC236}">
+                <a16:creationId xmlns:a16="http://schemas.microsoft.com/office/drawing/2014/main" xmlns="" id="{F57DEA4F-068C-4B40-804B-B149D3691092}"/>
+              </a:ext>
+            </a:extLst>
+          </p:cNvPr>
+          <p:cNvSpPr/>
+          <p:nvPr/>
+        </p:nvSpPr>
+        <p:spPr>
+          <a:xfrm rot="10800000">
+            <a:off x="11656339" y="358655"/>
+            <a:ext cx="85194" cy="100578"/>
+          </a:xfrm>
+          <a:prstGeom prst="triangle">
+            <a:avLst/>
+          </a:prstGeom>
+        </p:spPr>
+        <p:style>
+          <a:lnRef idx="2">
+            <a:schemeClr val="accent1">
+              <a:shade val="50000"/>
+            </a:schemeClr>
+          </a:lnRef>
+          <a:fillRef idx="1">
+            <a:schemeClr val="accent1"/>
+          </a:fillRef>
+          <a:effectRef idx="0">
+            <a:schemeClr val="accent1"/>
+          </a:effectRef>
+          <a:fontRef idx="minor">
+            <a:schemeClr val="lt1"/>
+          </a:fontRef>
+        </p:style>
+        <p:txBody>
+          <a:bodyPr rtlCol="0" anchor="ctr"/>
+          <a:lstStyle/>
+          <a:p>
+            <a:pPr algn="ctr"/>
+            <a:endParaRPr kumimoji="1" lang="ja-JP" altLang="en-US"/>
+          </a:p>
+        </p:txBody>
+      </p:sp>
+      <p:sp>
+        <p:nvSpPr>
+          <p:cNvPr id="8" name="テキスト ボックス 7"/>
+          <p:cNvSpPr txBox="1"/>
+          <p:nvPr/>
+        </p:nvSpPr>
+        <p:spPr>
+          <a:xfrm>
+            <a:off x="2362199" y="5161995"/>
+            <a:ext cx="646331" cy="369332"/>
+          </a:xfrm>
+          <a:prstGeom prst="rect">
+            <a:avLst/>
+          </a:prstGeom>
+          <a:noFill/>
+        </p:spPr>
+        <p:txBody>
+          <a:bodyPr wrap="none" rtlCol="0">
+            <a:spAutoFit/>
+          </a:bodyPr>
+          <a:lstStyle/>
+          <a:p>
+            <a:r>
+              <a:rPr kumimoji="1" lang="ja-JP" altLang="en-US" dirty="0" smtClean="0"/>
+              <a:t>名前</a:t>
+            </a:r>
+            <a:endParaRPr kumimoji="1" lang="ja-JP" altLang="en-US" dirty="0"/>
+          </a:p>
+        </p:txBody>
+      </p:sp>
+      <p:sp>
+        <p:nvSpPr>
+          <p:cNvPr id="35" name="テキスト ボックス 34"/>
+          <p:cNvSpPr txBox="1"/>
+          <p:nvPr/>
+        </p:nvSpPr>
+        <p:spPr>
+          <a:xfrm>
+            <a:off x="2363870" y="5666326"/>
+            <a:ext cx="6345746" cy="1200329"/>
+          </a:xfrm>
+          <a:prstGeom prst="rect">
+            <a:avLst/>
+          </a:prstGeom>
+          <a:noFill/>
+        </p:spPr>
+        <p:txBody>
+          <a:bodyPr wrap="square" rtlCol="0">
+            <a:spAutoFit/>
+          </a:bodyPr>
+          <a:lstStyle/>
+          <a:p>
+            <a:r>
+              <a:rPr lang="ja-JP" altLang="en-US" dirty="0"/>
+              <a:t>あああああああああああああああああああああああああああああああああああああああああああああああああああああああああああああああああああああああああああああああ</a:t>
+            </a:r>
+            <a:r>
+              <a:rPr lang="ja-JP" altLang="en-US" dirty="0" smtClean="0"/>
+              <a:t>あああああああああああああああああああああああああ</a:t>
+            </a:r>
+            <a:endParaRPr kumimoji="1" lang="ja-JP" altLang="en-US" dirty="0"/>
+          </a:p>
+        </p:txBody>
+      </p:sp>
+      <p:sp>
+        <p:nvSpPr>
+          <p:cNvPr id="10" name="円/楕円 9"/>
+          <p:cNvSpPr/>
+          <p:nvPr/>
+        </p:nvSpPr>
+        <p:spPr>
+          <a:xfrm>
+            <a:off x="3931920" y="3484880"/>
+            <a:ext cx="833120" cy="833120"/>
+          </a:xfrm>
+          <a:prstGeom prst="ellipse">
+            <a:avLst/>
+          </a:prstGeom>
+        </p:spPr>
+        <p:style>
+          <a:lnRef idx="2">
+            <a:schemeClr val="accent1">
+              <a:shade val="50000"/>
+            </a:schemeClr>
+          </a:lnRef>
+          <a:fillRef idx="1">
+            <a:schemeClr val="accent1"/>
+          </a:fillRef>
+          <a:effectRef idx="0">
+            <a:schemeClr val="accent1"/>
+          </a:effectRef>
+          <a:fontRef idx="minor">
+            <a:schemeClr val="lt1"/>
+          </a:fontRef>
+        </p:style>
+        <p:txBody>
+          <a:bodyPr rtlCol="0" anchor="ctr"/>
+          <a:lstStyle/>
+          <a:p>
+            <a:pPr algn="ctr"/>
+            <a:endParaRPr kumimoji="1" lang="ja-JP" altLang="en-US"/>
+          </a:p>
+        </p:txBody>
+      </p:sp>
+      <p:sp>
+        <p:nvSpPr>
+          <p:cNvPr id="34" name="円/楕円 33"/>
+          <p:cNvSpPr/>
+          <p:nvPr/>
+        </p:nvSpPr>
+        <p:spPr>
+          <a:xfrm>
+            <a:off x="7305040" y="1759224"/>
+            <a:ext cx="833120" cy="833120"/>
+          </a:xfrm>
+          <a:prstGeom prst="ellipse">
+            <a:avLst/>
+          </a:prstGeom>
+          <a:solidFill>
+            <a:schemeClr val="accent2"/>
+          </a:solidFill>
+          <a:ln>
+            <a:solidFill>
+              <a:schemeClr val="accent2"/>
+            </a:solidFill>
+          </a:ln>
+        </p:spPr>
+        <p:style>
+          <a:lnRef idx="2">
+            <a:schemeClr val="accent1">
+              <a:shade val="50000"/>
+            </a:schemeClr>
+          </a:lnRef>
+          <a:fillRef idx="1">
+            <a:schemeClr val="accent1"/>
+          </a:fillRef>
+          <a:effectRef idx="0">
+            <a:schemeClr val="accent1"/>
+          </a:effectRef>
+          <a:fontRef idx="minor">
+            <a:schemeClr val="lt1"/>
+          </a:fontRef>
+        </p:style>
+        <p:txBody>
+          <a:bodyPr rtlCol="0" anchor="ctr"/>
+          <a:lstStyle/>
+          <a:p>
+            <a:pPr algn="ctr"/>
+            <a:endParaRPr kumimoji="1" lang="ja-JP" altLang="en-US"/>
+          </a:p>
+        </p:txBody>
+      </p:sp>
+      <p:cxnSp>
+        <p:nvCxnSpPr>
+          <p:cNvPr id="23" name="直線矢印コネクタ 22"/>
+          <p:cNvCxnSpPr>
+            <a:stCxn id="10" idx="6"/>
+          </p:cNvCxnSpPr>
+          <p:nvPr/>
+        </p:nvCxnSpPr>
+        <p:spPr>
+          <a:xfrm flipV="1">
+            <a:off x="4765040" y="2513116"/>
+            <a:ext cx="2668035" cy="1388324"/>
+          </a:xfrm>
+          <a:prstGeom prst="straightConnector1">
+            <a:avLst/>
+          </a:prstGeom>
+          <a:ln>
+            <a:solidFill>
+              <a:schemeClr val="accent3">
+                <a:lumMod val="50000"/>
+              </a:schemeClr>
+            </a:solidFill>
+            <a:headEnd type="triangle"/>
+            <a:tailEnd type="triangle"/>
+          </a:ln>
+        </p:spPr>
+        <p:style>
+          <a:lnRef idx="1">
+            <a:schemeClr val="accent1"/>
+          </a:lnRef>
+          <a:fillRef idx="0">
+            <a:schemeClr val="accent1"/>
+          </a:fillRef>
+          <a:effectRef idx="0">
+            <a:schemeClr val="accent1"/>
+          </a:effectRef>
+          <a:fontRef idx="minor">
+            <a:schemeClr val="tx1"/>
+          </a:fontRef>
+        </p:style>
+      </p:cxnSp>
+      <p:pic>
+        <p:nvPicPr>
+          <p:cNvPr id="42" name="図 41" descr="アイコン&#10;&#10;自動的に生成された説明">
+            <a:extLst>
+              <a:ext uri="{FF2B5EF4-FFF2-40B4-BE49-F238E27FC236}">
+                <a16:creationId xmlns:a16="http://schemas.microsoft.com/office/drawing/2014/main" xmlns="" id="{FA6DD198-495A-4005-94FB-940B4711546A}"/>
+              </a:ext>
+            </a:extLst>
+          </p:cNvPr>
+          <p:cNvPicPr>
+            <a:picLocks noChangeAspect="1"/>
+          </p:cNvPicPr>
+          <p:nvPr/>
+        </p:nvPicPr>
+        <p:blipFill>
+          <a:blip r:embed="rId4" cstate="print">
+            <a:extLst>
+              <a:ext uri="{28A0092B-C50C-407E-A947-70E740481C1C}">
+                <a14:useLocalDpi xmlns:a14="http://schemas.microsoft.com/office/drawing/2010/main" val="0"/>
+              </a:ext>
+            </a:extLst>
+          </a:blip>
+          <a:stretch>
+            <a:fillRect/>
+          </a:stretch>
+        </p:blipFill>
+        <p:spPr>
+          <a:xfrm>
+            <a:off x="4136274" y="3321928"/>
+            <a:ext cx="424412" cy="424412"/>
+          </a:xfrm>
+          <a:prstGeom prst="rect">
+            <a:avLst/>
+          </a:prstGeom>
+        </p:spPr>
+      </p:pic>
+      <p:pic>
+        <p:nvPicPr>
+          <p:cNvPr id="45" name="図 44" descr="アイコン&#10;&#10;自動的に生成された説明">
+            <a:extLst>
+              <a:ext uri="{FF2B5EF4-FFF2-40B4-BE49-F238E27FC236}">
+                <a16:creationId xmlns:a16="http://schemas.microsoft.com/office/drawing/2014/main" xmlns="" id="{FA6DD198-495A-4005-94FB-940B4711546A}"/>
+              </a:ext>
+            </a:extLst>
+          </p:cNvPr>
+          <p:cNvPicPr>
+            <a:picLocks noChangeAspect="1"/>
+          </p:cNvPicPr>
+          <p:nvPr/>
+        </p:nvPicPr>
+        <p:blipFill>
+          <a:blip r:embed="rId4" cstate="print">
+            <a:extLst>
+              <a:ext uri="{28A0092B-C50C-407E-A947-70E740481C1C}">
+                <a14:useLocalDpi xmlns:a14="http://schemas.microsoft.com/office/drawing/2010/main" val="0"/>
+              </a:ext>
+            </a:extLst>
+          </a:blip>
+          <a:stretch>
+            <a:fillRect/>
+          </a:stretch>
+        </p:blipFill>
+        <p:spPr>
+          <a:xfrm>
+            <a:off x="7509394" y="1562373"/>
+            <a:ext cx="424412" cy="424412"/>
+          </a:xfrm>
+          <a:prstGeom prst="rect">
+            <a:avLst/>
+          </a:prstGeom>
+        </p:spPr>
+      </p:pic>
+      <p:sp>
+        <p:nvSpPr>
+          <p:cNvPr id="27" name="テキスト ボックス 26"/>
+          <p:cNvSpPr txBox="1"/>
+          <p:nvPr/>
+        </p:nvSpPr>
+        <p:spPr>
+          <a:xfrm>
+            <a:off x="3798800" y="3891465"/>
+            <a:ext cx="1107996" cy="276999"/>
+          </a:xfrm>
+          <a:prstGeom prst="rect">
+            <a:avLst/>
+          </a:prstGeom>
+          <a:noFill/>
+        </p:spPr>
+        <p:txBody>
+          <a:bodyPr wrap="none" rtlCol="0">
+            <a:spAutoFit/>
+          </a:bodyPr>
+          <a:lstStyle/>
+          <a:p>
+            <a:r>
+              <a:rPr kumimoji="1" lang="ja-JP" altLang="en-US" sz="1200" dirty="0" smtClean="0"/>
+              <a:t>アムロ・レイ</a:t>
+            </a:r>
+            <a:endParaRPr kumimoji="1" lang="ja-JP" altLang="en-US" sz="1200" dirty="0"/>
+          </a:p>
+        </p:txBody>
+      </p:sp>
+      <p:sp>
+        <p:nvSpPr>
+          <p:cNvPr id="47" name="テキスト ボックス 46"/>
+          <p:cNvSpPr txBox="1"/>
+          <p:nvPr/>
+        </p:nvSpPr>
+        <p:spPr>
+          <a:xfrm>
+            <a:off x="7002558" y="2157361"/>
+            <a:ext cx="1454244" cy="261610"/>
+          </a:xfrm>
+          <a:prstGeom prst="rect">
+            <a:avLst/>
+          </a:prstGeom>
+          <a:noFill/>
+        </p:spPr>
+        <p:txBody>
+          <a:bodyPr wrap="none" rtlCol="0">
+            <a:spAutoFit/>
+          </a:bodyPr>
+          <a:lstStyle/>
+          <a:p>
+            <a:r>
+              <a:rPr kumimoji="1" lang="ja-JP" altLang="en-US" sz="1100" dirty="0" smtClean="0"/>
+              <a:t>シャア・アズナブル</a:t>
+            </a:r>
+            <a:endParaRPr kumimoji="1" lang="ja-JP" altLang="en-US" sz="1100" dirty="0"/>
+          </a:p>
+        </p:txBody>
+      </p:sp>
+    </p:spTree>
+    <p:extLst>
+      <p:ext uri="{BB962C8B-B14F-4D97-AF65-F5344CB8AC3E}">
+        <p14:creationId xmlns:p14="http://schemas.microsoft.com/office/powerpoint/2010/main" val="3364110547"/>
+      </p:ext>
+    </p:extLst>
+  </p:cSld>
+  <p:clrMapOvr>
+    <a:masterClrMapping/>
+  </p:clrMapOvr>
+</p:sld>
+</file>
+
+<file path=ppt/slides/slide5.xml><?xml version="1.0" encoding="utf-8"?>
+<p:sld xmlns:a="http://schemas.openxmlformats.org/drawingml/2006/main" xmlns:r="http://schemas.openxmlformats.org/officeDocument/2006/relationships" xmlns:p="http://schemas.openxmlformats.org/presentationml/2006/main">
+  <p:cSld>
+    <p:spTree>
+      <p:nvGrpSpPr>
+        <p:cNvPr id="1" name=""/>
+        <p:cNvGrpSpPr/>
+        <p:nvPr/>
+      </p:nvGrpSpPr>
+      <p:grpSpPr>
+        <a:xfrm>
+          <a:off x="0" y="0"/>
+          <a:ext cx="0" cy="0"/>
+          <a:chOff x="0" y="0"/>
+          <a:chExt cx="0" cy="0"/>
+        </a:xfrm>
+      </p:grpSpPr>
+      <p:sp>
+        <p:nvSpPr>
+          <p:cNvPr id="2" name="正方形/長方形 1">
+            <a:extLst>
+              <a:ext uri="{FF2B5EF4-FFF2-40B4-BE49-F238E27FC236}">
+                <a16:creationId xmlns:a16="http://schemas.microsoft.com/office/drawing/2014/main" xmlns="" id="{80F7F236-459B-4269-BB73-07E486A88F11}"/>
+              </a:ext>
+            </a:extLst>
+          </p:cNvPr>
+          <p:cNvSpPr/>
+          <p:nvPr/>
+        </p:nvSpPr>
+        <p:spPr>
+          <a:xfrm>
+            <a:off x="257262" y="184558"/>
+            <a:ext cx="11677475" cy="453005"/>
+          </a:xfrm>
+          <a:prstGeom prst="rect">
+            <a:avLst/>
+          </a:prstGeom>
+        </p:spPr>
+        <p:style>
+          <a:lnRef idx="2">
+            <a:schemeClr val="accent3">
+              <a:shade val="50000"/>
+            </a:schemeClr>
+          </a:lnRef>
+          <a:fillRef idx="1">
+            <a:schemeClr val="accent3"/>
+          </a:fillRef>
+          <a:effectRef idx="0">
+            <a:schemeClr val="accent3"/>
+          </a:effectRef>
+          <a:fontRef idx="minor">
+            <a:schemeClr val="lt1"/>
+          </a:fontRef>
+        </p:style>
+        <p:txBody>
+          <a:bodyPr rtlCol="0" anchor="ctr"/>
+          <a:lstStyle/>
+          <a:p>
+            <a:pPr algn="ctr"/>
+            <a:endParaRPr kumimoji="1" lang="ja-JP" altLang="en-US" dirty="0"/>
+          </a:p>
+        </p:txBody>
+      </p:sp>
+      <p:sp>
+        <p:nvSpPr>
+          <p:cNvPr id="3" name="矢印: 左 2">
+            <a:extLst>
+              <a:ext uri="{FF2B5EF4-FFF2-40B4-BE49-F238E27FC236}">
+                <a16:creationId xmlns:a16="http://schemas.microsoft.com/office/drawing/2014/main" xmlns="" id="{DF289C13-954F-4722-A73D-687D4959995C}"/>
+              </a:ext>
+            </a:extLst>
+          </p:cNvPr>
+          <p:cNvSpPr/>
+          <p:nvPr/>
+        </p:nvSpPr>
+        <p:spPr>
+          <a:xfrm>
+            <a:off x="438180" y="305359"/>
+            <a:ext cx="296048" cy="211402"/>
+          </a:xfrm>
+          <a:prstGeom prst="leftArrow">
+            <a:avLst/>
+          </a:prstGeom>
+        </p:spPr>
+        <p:style>
+          <a:lnRef idx="2">
+            <a:schemeClr val="accent1">
+              <a:shade val="50000"/>
+            </a:schemeClr>
+          </a:lnRef>
+          <a:fillRef idx="1">
+            <a:schemeClr val="accent1"/>
+          </a:fillRef>
+          <a:effectRef idx="0">
+            <a:schemeClr val="accent1"/>
+          </a:effectRef>
+          <a:fontRef idx="minor">
+            <a:schemeClr val="lt1"/>
+          </a:fontRef>
+        </p:style>
+        <p:txBody>
+          <a:bodyPr rtlCol="0" anchor="ctr"/>
+          <a:lstStyle/>
+          <a:p>
+            <a:pPr algn="ctr"/>
+            <a:endParaRPr kumimoji="1" lang="ja-JP" altLang="en-US"/>
+          </a:p>
+        </p:txBody>
+      </p:sp>
+      <p:sp>
+        <p:nvSpPr>
+          <p:cNvPr id="4" name="テキスト ボックス 3">
+            <a:extLst>
+              <a:ext uri="{FF2B5EF4-FFF2-40B4-BE49-F238E27FC236}">
+                <a16:creationId xmlns:a16="http://schemas.microsoft.com/office/drawing/2014/main" xmlns="" id="{DFB450F8-0455-429B-B3E1-4AC9EECC068E}"/>
+              </a:ext>
+            </a:extLst>
+          </p:cNvPr>
+          <p:cNvSpPr txBox="1"/>
+          <p:nvPr/>
+        </p:nvSpPr>
+        <p:spPr>
+          <a:xfrm>
+            <a:off x="1309879" y="244860"/>
+            <a:ext cx="1107996" cy="369332"/>
+          </a:xfrm>
+          <a:prstGeom prst="rect">
+            <a:avLst/>
+          </a:prstGeom>
+          <a:noFill/>
+        </p:spPr>
+        <p:txBody>
+          <a:bodyPr wrap="none" rtlCol="0">
+            <a:spAutoFit/>
+          </a:bodyPr>
+          <a:lstStyle/>
+          <a:p>
+            <a:r>
+              <a:rPr lang="ja-JP" altLang="en-US" dirty="0"/>
+              <a:t>作</a:t>
+            </a:r>
+            <a:r>
+              <a:rPr lang="ja-JP" altLang="en-US" dirty="0" smtClean="0"/>
+              <a:t>品名</a:t>
+            </a:r>
+            <a:r>
+              <a:rPr lang="ja-JP" altLang="en-US" dirty="0"/>
+              <a:t>Ａ</a:t>
+            </a:r>
+            <a:endParaRPr kumimoji="1" lang="ja-JP" altLang="en-US" dirty="0"/>
+          </a:p>
+        </p:txBody>
+      </p:sp>
+      <p:grpSp>
+        <p:nvGrpSpPr>
+          <p:cNvPr id="7" name="グループ化 6">
+            <a:extLst>
+              <a:ext uri="{FF2B5EF4-FFF2-40B4-BE49-F238E27FC236}">
+                <a16:creationId xmlns:a16="http://schemas.microsoft.com/office/drawing/2014/main" xmlns="" id="{8CD80B96-2D43-4BB9-B1D2-FD11378EB42C}"/>
+              </a:ext>
+            </a:extLst>
+          </p:cNvPr>
+          <p:cNvGrpSpPr/>
+          <p:nvPr/>
+        </p:nvGrpSpPr>
+        <p:grpSpPr>
+          <a:xfrm>
+            <a:off x="10671805" y="265433"/>
+            <a:ext cx="317978" cy="292473"/>
+            <a:chOff x="10900096" y="234890"/>
+            <a:chExt cx="335559" cy="366916"/>
+          </a:xfrm>
+        </p:grpSpPr>
+        <p:sp>
+          <p:nvSpPr>
+            <p:cNvPr id="5" name="矢印: 下 4">
+              <a:extLst>
+                <a:ext uri="{FF2B5EF4-FFF2-40B4-BE49-F238E27FC236}">
+                  <a16:creationId xmlns:a16="http://schemas.microsoft.com/office/drawing/2014/main" xmlns="" id="{9BD95318-3059-436C-B100-6459E9377D7A}"/>
+                </a:ext>
+              </a:extLst>
+            </p:cNvPr>
+            <p:cNvSpPr/>
+            <p:nvPr/>
+          </p:nvSpPr>
+          <p:spPr>
+            <a:xfrm>
+              <a:off x="10950430" y="234890"/>
+              <a:ext cx="234892" cy="285226"/>
+            </a:xfrm>
+            <a:prstGeom prst="downArrow">
+              <a:avLst/>
+            </a:prstGeom>
+          </p:spPr>
+          <p:style>
+            <a:lnRef idx="2">
+              <a:schemeClr val="accent1">
+                <a:shade val="50000"/>
+              </a:schemeClr>
+            </a:lnRef>
+            <a:fillRef idx="1">
+              <a:schemeClr val="accent1"/>
+            </a:fillRef>
+            <a:effectRef idx="0">
+              <a:schemeClr val="accent1"/>
+            </a:effectRef>
+            <a:fontRef idx="minor">
+              <a:schemeClr val="lt1"/>
+            </a:fontRef>
+          </p:style>
+          <p:txBody>
+            <a:bodyPr rtlCol="0" anchor="ctr"/>
+            <a:lstStyle/>
+            <a:p>
+              <a:pPr algn="ctr"/>
+              <a:endParaRPr kumimoji="1" lang="ja-JP" altLang="en-US"/>
+            </a:p>
+          </p:txBody>
+        </p:sp>
+        <p:sp>
+          <p:nvSpPr>
+            <p:cNvPr id="6" name="正方形/長方形 5">
+              <a:extLst>
+                <a:ext uri="{FF2B5EF4-FFF2-40B4-BE49-F238E27FC236}">
+                  <a16:creationId xmlns:a16="http://schemas.microsoft.com/office/drawing/2014/main" xmlns="" id="{4CD399A3-8081-49CC-AE92-355154BC649A}"/>
+                </a:ext>
+              </a:extLst>
+            </p:cNvPr>
+            <p:cNvSpPr/>
+            <p:nvPr/>
+          </p:nvSpPr>
+          <p:spPr>
+            <a:xfrm>
+              <a:off x="10900096" y="556087"/>
+              <a:ext cx="335559" cy="45719"/>
+            </a:xfrm>
+            <a:prstGeom prst="rect">
+              <a:avLst/>
+            </a:prstGeom>
+          </p:spPr>
+          <p:style>
+            <a:lnRef idx="2">
+              <a:schemeClr val="accent1">
+                <a:shade val="50000"/>
+              </a:schemeClr>
+            </a:lnRef>
+            <a:fillRef idx="1">
+              <a:schemeClr val="accent1"/>
+            </a:fillRef>
+            <a:effectRef idx="0">
+              <a:schemeClr val="accent1"/>
+            </a:effectRef>
+            <a:fontRef idx="minor">
+              <a:schemeClr val="lt1"/>
+            </a:fontRef>
+          </p:style>
+          <p:txBody>
+            <a:bodyPr rtlCol="0" anchor="ctr"/>
+            <a:lstStyle/>
+            <a:p>
+              <a:pPr algn="ctr"/>
+              <a:endParaRPr kumimoji="1" lang="ja-JP" altLang="en-US"/>
+            </a:p>
+          </p:txBody>
+        </p:sp>
+      </p:grpSp>
+      <p:pic>
+        <p:nvPicPr>
+          <p:cNvPr id="9" name="グラフィックス 8" descr="歯車 1 つ 単色塗りつぶし">
+            <a:extLst>
+              <a:ext uri="{FF2B5EF4-FFF2-40B4-BE49-F238E27FC236}">
+                <a16:creationId xmlns:a16="http://schemas.microsoft.com/office/drawing/2014/main" xmlns="" id="{4011A9EF-5FD7-475A-BDE9-B57AA83B9FFA}"/>
+              </a:ext>
+            </a:extLst>
+          </p:cNvPr>
+          <p:cNvPicPr>
+            <a:picLocks noChangeAspect="1"/>
+          </p:cNvPicPr>
+          <p:nvPr/>
+        </p:nvPicPr>
+        <p:blipFill>
+          <a:blip r:embed="rId2" cstate="print">
+            <a:extLst>
+              <a:ext uri="{28A0092B-C50C-407E-A947-70E740481C1C}">
+                <a14:useLocalDpi xmlns:a14="http://schemas.microsoft.com/office/drawing/2010/main" val="0"/>
+              </a:ext>
+              <a:ext uri="{96DAC541-7B7A-43D3-8B79-37D633B846F1}">
+                <asvg:svgBlip xmlns:asvg="http://schemas.microsoft.com/office/drawing/2016/SVG/main" xmlns="" r:embed="rId3"/>
+              </a:ext>
+            </a:extLst>
+          </a:blip>
+          <a:stretch>
+            <a:fillRect/>
+          </a:stretch>
+        </p:blipFill>
+        <p:spPr>
+          <a:xfrm>
+            <a:off x="11228231" y="181709"/>
+            <a:ext cx="478242" cy="439076"/>
+          </a:xfrm>
+          <a:prstGeom prst="rect">
+            <a:avLst/>
+          </a:prstGeom>
+        </p:spPr>
+      </p:pic>
+      <p:sp>
+        <p:nvSpPr>
+          <p:cNvPr id="11" name="正方形/長方形 10">
+            <a:extLst>
+              <a:ext uri="{FF2B5EF4-FFF2-40B4-BE49-F238E27FC236}">
+                <a16:creationId xmlns:a16="http://schemas.microsoft.com/office/drawing/2014/main" xmlns="" id="{079D639A-9AFF-4A49-A891-75D10BB4398E}"/>
+              </a:ext>
+            </a:extLst>
+          </p:cNvPr>
+          <p:cNvSpPr/>
+          <p:nvPr/>
+        </p:nvSpPr>
+        <p:spPr>
+          <a:xfrm>
+            <a:off x="1775129" y="722020"/>
+            <a:ext cx="8641739" cy="4421784"/>
+          </a:xfrm>
+          <a:prstGeom prst="rect">
+            <a:avLst/>
+          </a:prstGeom>
+          <a:solidFill>
+            <a:schemeClr val="bg2"/>
+          </a:solidFill>
+          <a:ln>
+            <a:solidFill>
+              <a:schemeClr val="bg2">
+                <a:lumMod val="90000"/>
+              </a:schemeClr>
+            </a:solidFill>
+          </a:ln>
+        </p:spPr>
+        <p:style>
+          <a:lnRef idx="2">
+            <a:schemeClr val="accent1">
+              <a:shade val="50000"/>
+            </a:schemeClr>
+          </a:lnRef>
+          <a:fillRef idx="1">
+            <a:schemeClr val="accent1"/>
+          </a:fillRef>
+          <a:effectRef idx="0">
+            <a:schemeClr val="accent1"/>
+          </a:effectRef>
+          <a:fontRef idx="minor">
+            <a:schemeClr val="lt1"/>
+          </a:fontRef>
+        </p:style>
+        <p:txBody>
+          <a:bodyPr rtlCol="0" anchor="ctr"/>
+          <a:lstStyle/>
+          <a:p>
+            <a:pPr algn="ctr"/>
+            <a:endParaRPr kumimoji="1" lang="ja-JP" altLang="en-US"/>
+          </a:p>
+        </p:txBody>
+      </p:sp>
+      <p:sp>
+        <p:nvSpPr>
+          <p:cNvPr id="12" name="四角形: 角を丸くする 11">
+            <a:extLst>
+              <a:ext uri="{FF2B5EF4-FFF2-40B4-BE49-F238E27FC236}">
+                <a16:creationId xmlns:a16="http://schemas.microsoft.com/office/drawing/2014/main" xmlns="" id="{896E90D1-D4DA-4933-BAEE-9503445377A0}"/>
+              </a:ext>
+            </a:extLst>
+          </p:cNvPr>
+          <p:cNvSpPr/>
+          <p:nvPr/>
+        </p:nvSpPr>
+        <p:spPr>
+          <a:xfrm>
+            <a:off x="71507" y="746620"/>
+            <a:ext cx="1686173" cy="453005"/>
+          </a:xfrm>
+          <a:prstGeom prst="roundRect">
+            <a:avLst/>
+          </a:prstGeom>
+          <a:solidFill>
+            <a:schemeClr val="bg1"/>
+          </a:solidFill>
+          <a:ln>
+            <a:noFill/>
+          </a:ln>
+        </p:spPr>
+        <p:style>
+          <a:lnRef idx="2">
+            <a:schemeClr val="accent1">
+              <a:shade val="50000"/>
+            </a:schemeClr>
+          </a:lnRef>
+          <a:fillRef idx="1">
+            <a:schemeClr val="accent1"/>
+          </a:fillRef>
+          <a:effectRef idx="0">
+            <a:schemeClr val="accent1"/>
+          </a:effectRef>
+          <a:fontRef idx="minor">
+            <a:schemeClr val="lt1"/>
+          </a:fontRef>
+        </p:style>
+        <p:txBody>
+          <a:bodyPr rtlCol="0" anchor="ctr"/>
+          <a:lstStyle/>
+          <a:p>
+            <a:r>
+              <a:rPr lang="ja-JP" altLang="en-US" sz="1200" dirty="0">
+                <a:solidFill>
+                  <a:schemeClr val="tx1"/>
+                </a:solidFill>
+              </a:rPr>
+              <a:t>機動戦士ガンダム</a:t>
+            </a:r>
+            <a:endParaRPr kumimoji="1" lang="ja-JP" altLang="en-US" sz="1200" dirty="0">
+              <a:solidFill>
+                <a:schemeClr val="tx1"/>
+              </a:solidFill>
+            </a:endParaRPr>
+          </a:p>
+        </p:txBody>
+      </p:sp>
+      <p:sp>
+        <p:nvSpPr>
+          <p:cNvPr id="13" name="四角形: 角を丸くする 12">
+            <a:extLst>
+              <a:ext uri="{FF2B5EF4-FFF2-40B4-BE49-F238E27FC236}">
+                <a16:creationId xmlns:a16="http://schemas.microsoft.com/office/drawing/2014/main" xmlns="" id="{E65E05EC-77C4-4762-A1DF-B8647D5DBA7C}"/>
+              </a:ext>
+            </a:extLst>
+          </p:cNvPr>
+          <p:cNvSpPr/>
+          <p:nvPr/>
+        </p:nvSpPr>
+        <p:spPr>
+          <a:xfrm>
+            <a:off x="71507" y="1217800"/>
+            <a:ext cx="1686173" cy="453005"/>
+          </a:xfrm>
+          <a:prstGeom prst="roundRect">
+            <a:avLst/>
+          </a:prstGeom>
+          <a:solidFill>
+            <a:schemeClr val="bg1"/>
+          </a:solidFill>
+          <a:ln>
+            <a:solidFill>
+              <a:schemeClr val="accent1"/>
+            </a:solidFill>
+          </a:ln>
+        </p:spPr>
+        <p:style>
+          <a:lnRef idx="2">
+            <a:schemeClr val="accent1">
+              <a:shade val="50000"/>
+            </a:schemeClr>
+          </a:lnRef>
+          <a:fillRef idx="1">
+            <a:schemeClr val="accent1"/>
+          </a:fillRef>
+          <a:effectRef idx="0">
+            <a:schemeClr val="accent1"/>
+          </a:effectRef>
+          <a:fontRef idx="minor">
+            <a:schemeClr val="lt1"/>
+          </a:fontRef>
+        </p:style>
+        <p:txBody>
+          <a:bodyPr rtlCol="0" anchor="ctr"/>
+          <a:lstStyle/>
+          <a:p>
+            <a:r>
+              <a:rPr kumimoji="1" lang="ja-JP" altLang="en-US" sz="1200" dirty="0" smtClean="0">
+                <a:solidFill>
+                  <a:schemeClr val="tx1"/>
+                </a:solidFill>
+              </a:rPr>
+              <a:t>機動戦士ガンダム</a:t>
+            </a:r>
+            <a:r>
+              <a:rPr kumimoji="1" lang="en-US" altLang="ja-JP" sz="1200" dirty="0" smtClean="0">
+                <a:solidFill>
+                  <a:schemeClr val="tx1"/>
+                </a:solidFill>
+              </a:rPr>
+              <a:t>Z</a:t>
+            </a:r>
+            <a:endParaRPr kumimoji="1" lang="ja-JP" altLang="en-US" sz="1200" dirty="0">
+              <a:solidFill>
+                <a:schemeClr val="tx1"/>
+              </a:solidFill>
+            </a:endParaRPr>
+          </a:p>
+        </p:txBody>
+      </p:sp>
+      <p:sp>
+        <p:nvSpPr>
+          <p:cNvPr id="14" name="四角形: 角を丸くする 13">
+            <a:extLst>
+              <a:ext uri="{FF2B5EF4-FFF2-40B4-BE49-F238E27FC236}">
+                <a16:creationId xmlns:a16="http://schemas.microsoft.com/office/drawing/2014/main" xmlns="" id="{2F20CCE0-4081-4F65-AA8D-330C1D9F59D9}"/>
+              </a:ext>
+            </a:extLst>
+          </p:cNvPr>
+          <p:cNvSpPr/>
+          <p:nvPr/>
+        </p:nvSpPr>
+        <p:spPr>
+          <a:xfrm>
+            <a:off x="71506" y="1688980"/>
+            <a:ext cx="1686174" cy="453005"/>
+          </a:xfrm>
+          <a:prstGeom prst="roundRect">
+            <a:avLst/>
+          </a:prstGeom>
+          <a:solidFill>
+            <a:schemeClr val="bg1"/>
+          </a:solidFill>
+          <a:ln>
+            <a:solidFill>
+              <a:schemeClr val="bg1"/>
+            </a:solidFill>
+          </a:ln>
+        </p:spPr>
+        <p:style>
+          <a:lnRef idx="2">
+            <a:schemeClr val="accent1">
+              <a:shade val="50000"/>
+            </a:schemeClr>
+          </a:lnRef>
+          <a:fillRef idx="1">
+            <a:schemeClr val="accent1"/>
+          </a:fillRef>
+          <a:effectRef idx="0">
+            <a:schemeClr val="accent1"/>
+          </a:effectRef>
+          <a:fontRef idx="minor">
+            <a:schemeClr val="lt1"/>
+          </a:fontRef>
+        </p:style>
+        <p:txBody>
+          <a:bodyPr rtlCol="0" anchor="ctr"/>
+          <a:lstStyle/>
+          <a:p>
+            <a:r>
+              <a:rPr lang="ja-JP" altLang="en-US" sz="1200" dirty="0">
+                <a:solidFill>
+                  <a:schemeClr val="tx1"/>
+                </a:solidFill>
+              </a:rPr>
+              <a:t>機動戦士</a:t>
+            </a:r>
+            <a:r>
+              <a:rPr lang="ja-JP" altLang="en-US" sz="1200" dirty="0" smtClean="0">
+                <a:solidFill>
+                  <a:schemeClr val="tx1"/>
+                </a:solidFill>
+              </a:rPr>
+              <a:t>ガンダム</a:t>
+            </a:r>
+            <a:r>
+              <a:rPr lang="en-US" altLang="ja-JP" sz="1200" dirty="0" smtClean="0">
+                <a:solidFill>
+                  <a:schemeClr val="tx1"/>
+                </a:solidFill>
+              </a:rPr>
+              <a:t>ZZ</a:t>
+            </a:r>
+            <a:endParaRPr kumimoji="1" lang="ja-JP" altLang="en-US" sz="1200" dirty="0">
+              <a:solidFill>
+                <a:schemeClr val="tx1"/>
+              </a:solidFill>
+            </a:endParaRPr>
+          </a:p>
+        </p:txBody>
+      </p:sp>
+      <p:sp>
+        <p:nvSpPr>
+          <p:cNvPr id="15" name="正方形/長方形 14">
+            <a:extLst>
+              <a:ext uri="{FF2B5EF4-FFF2-40B4-BE49-F238E27FC236}">
+                <a16:creationId xmlns:a16="http://schemas.microsoft.com/office/drawing/2014/main" xmlns="" id="{369D80C2-828F-42BE-B9C8-0185F544A9F0}"/>
+              </a:ext>
+            </a:extLst>
+          </p:cNvPr>
+          <p:cNvSpPr/>
+          <p:nvPr/>
+        </p:nvSpPr>
+        <p:spPr>
+          <a:xfrm>
+            <a:off x="982812" y="5129048"/>
+            <a:ext cx="7847969" cy="1728952"/>
+          </a:xfrm>
+          <a:prstGeom prst="rect">
+            <a:avLst/>
+          </a:prstGeom>
+          <a:solidFill>
+            <a:schemeClr val="bg1"/>
+          </a:solidFill>
+          <a:ln>
+            <a:solidFill>
+              <a:schemeClr val="tx1"/>
+            </a:solidFill>
+          </a:ln>
+        </p:spPr>
+        <p:style>
+          <a:lnRef idx="2">
+            <a:schemeClr val="accent1">
+              <a:shade val="50000"/>
+            </a:schemeClr>
+          </a:lnRef>
+          <a:fillRef idx="1">
+            <a:schemeClr val="accent1"/>
+          </a:fillRef>
+          <a:effectRef idx="0">
+            <a:schemeClr val="accent1"/>
+          </a:effectRef>
+          <a:fontRef idx="minor">
+            <a:schemeClr val="lt1"/>
+          </a:fontRef>
+        </p:style>
+        <p:txBody>
+          <a:bodyPr rtlCol="0" anchor="ctr"/>
+          <a:lstStyle/>
+          <a:p>
+            <a:pPr algn="ctr"/>
+            <a:endParaRPr kumimoji="1" lang="ja-JP" altLang="en-US" dirty="0"/>
+          </a:p>
+        </p:txBody>
+      </p:sp>
+      <p:sp>
+        <p:nvSpPr>
+          <p:cNvPr id="20" name="正方形/長方形 19">
+            <a:extLst>
+              <a:ext uri="{FF2B5EF4-FFF2-40B4-BE49-F238E27FC236}">
+                <a16:creationId xmlns:a16="http://schemas.microsoft.com/office/drawing/2014/main" xmlns="" id="{3F4BE692-C5BF-4C38-B52D-B2F2CE1D082F}"/>
+              </a:ext>
+            </a:extLst>
+          </p:cNvPr>
+          <p:cNvSpPr/>
+          <p:nvPr/>
+        </p:nvSpPr>
+        <p:spPr>
+          <a:xfrm>
+            <a:off x="8830781" y="5126199"/>
+            <a:ext cx="3080296" cy="988741"/>
+          </a:xfrm>
+          <a:prstGeom prst="rect">
+            <a:avLst/>
+          </a:prstGeom>
+          <a:solidFill>
+            <a:schemeClr val="bg1"/>
+          </a:solidFill>
+          <a:ln>
+            <a:solidFill>
+              <a:schemeClr val="tx1"/>
+            </a:solidFill>
+          </a:ln>
+        </p:spPr>
+        <p:style>
+          <a:lnRef idx="2">
+            <a:schemeClr val="accent1">
+              <a:shade val="50000"/>
+            </a:schemeClr>
+          </a:lnRef>
+          <a:fillRef idx="1">
+            <a:schemeClr val="accent1"/>
+          </a:fillRef>
+          <a:effectRef idx="0">
+            <a:schemeClr val="accent1"/>
+          </a:effectRef>
+          <a:fontRef idx="minor">
+            <a:schemeClr val="lt1"/>
+          </a:fontRef>
+        </p:style>
+        <p:txBody>
+          <a:bodyPr rtlCol="0" anchor="ctr"/>
+          <a:lstStyle/>
+          <a:p>
+            <a:pPr algn="ctr"/>
+            <a:endParaRPr kumimoji="1" lang="ja-JP" altLang="en-US"/>
+          </a:p>
+        </p:txBody>
+      </p:sp>
+      <p:sp>
+        <p:nvSpPr>
+          <p:cNvPr id="21" name="四角形: 角を丸くする 20">
+            <a:extLst>
+              <a:ext uri="{FF2B5EF4-FFF2-40B4-BE49-F238E27FC236}">
+                <a16:creationId xmlns:a16="http://schemas.microsoft.com/office/drawing/2014/main" xmlns="" id="{F7694BF0-D6DF-40B8-9152-8511262862F2}"/>
+              </a:ext>
+            </a:extLst>
+          </p:cNvPr>
+          <p:cNvSpPr/>
+          <p:nvPr/>
+        </p:nvSpPr>
+        <p:spPr>
+          <a:xfrm>
+            <a:off x="8347933" y="278933"/>
+            <a:ext cx="881906" cy="269766"/>
+          </a:xfrm>
+          <a:prstGeom prst="roundRect">
+            <a:avLst/>
+          </a:prstGeom>
+        </p:spPr>
+        <p:style>
+          <a:lnRef idx="2">
+            <a:schemeClr val="accent1">
+              <a:shade val="50000"/>
+            </a:schemeClr>
+          </a:lnRef>
+          <a:fillRef idx="1">
+            <a:schemeClr val="accent1"/>
+          </a:fillRef>
+          <a:effectRef idx="0">
+            <a:schemeClr val="accent1"/>
+          </a:effectRef>
+          <a:fontRef idx="minor">
+            <a:schemeClr val="lt1"/>
+          </a:fontRef>
+        </p:style>
+        <p:txBody>
+          <a:bodyPr rtlCol="0" anchor="ctr"/>
+          <a:lstStyle/>
+          <a:p>
+            <a:pPr algn="ctr"/>
+            <a:r>
+              <a:rPr lang="en-US" altLang="ja-JP" dirty="0"/>
+              <a:t>Actor</a:t>
+            </a:r>
+            <a:endParaRPr kumimoji="1" lang="ja-JP" altLang="en-US" dirty="0"/>
+          </a:p>
+        </p:txBody>
+      </p:sp>
+      <p:sp>
+        <p:nvSpPr>
+          <p:cNvPr id="22" name="四角形: 角を丸くする 21">
+            <a:extLst>
+              <a:ext uri="{FF2B5EF4-FFF2-40B4-BE49-F238E27FC236}">
+                <a16:creationId xmlns:a16="http://schemas.microsoft.com/office/drawing/2014/main" xmlns="" id="{FE5B157B-2489-4BB3-97BD-B82EC04A9149}"/>
+              </a:ext>
+            </a:extLst>
+          </p:cNvPr>
+          <p:cNvSpPr/>
+          <p:nvPr/>
+        </p:nvSpPr>
+        <p:spPr>
+          <a:xfrm>
+            <a:off x="9423615" y="272018"/>
+            <a:ext cx="942306" cy="273852"/>
+          </a:xfrm>
+          <a:prstGeom prst="roundRect">
+            <a:avLst/>
+          </a:prstGeom>
+          <a:solidFill>
+            <a:schemeClr val="accent6"/>
+          </a:solidFill>
+          <a:ln>
+            <a:solidFill>
+              <a:schemeClr val="accent6">
+                <a:lumMod val="75000"/>
+              </a:schemeClr>
+            </a:solidFill>
+          </a:ln>
+        </p:spPr>
+        <p:style>
+          <a:lnRef idx="2">
+            <a:schemeClr val="accent1">
+              <a:shade val="50000"/>
+            </a:schemeClr>
+          </a:lnRef>
+          <a:fillRef idx="1">
+            <a:schemeClr val="accent1"/>
+          </a:fillRef>
+          <a:effectRef idx="0">
+            <a:schemeClr val="accent1"/>
+          </a:effectRef>
+          <a:fontRef idx="minor">
+            <a:schemeClr val="lt1"/>
+          </a:fontRef>
+        </p:style>
+        <p:txBody>
+          <a:bodyPr rtlCol="0" anchor="ctr"/>
+          <a:lstStyle/>
+          <a:p>
+            <a:pPr algn="ctr"/>
+            <a:r>
+              <a:rPr kumimoji="1" lang="en-US" altLang="ja-JP" dirty="0"/>
+              <a:t>Line</a:t>
+            </a:r>
+            <a:endParaRPr kumimoji="1" lang="ja-JP" altLang="en-US" dirty="0"/>
+          </a:p>
+        </p:txBody>
+      </p:sp>
+      <p:pic>
+        <p:nvPicPr>
+          <p:cNvPr id="26" name="図 25" descr="アイコン&#10;&#10;自動的に生成された説明">
+            <a:extLst>
+              <a:ext uri="{FF2B5EF4-FFF2-40B4-BE49-F238E27FC236}">
+                <a16:creationId xmlns:a16="http://schemas.microsoft.com/office/drawing/2014/main" xmlns="" id="{FA6DD198-495A-4005-94FB-940B4711546A}"/>
+              </a:ext>
+            </a:extLst>
+          </p:cNvPr>
+          <p:cNvPicPr>
+            <a:picLocks noChangeAspect="1"/>
+          </p:cNvPicPr>
+          <p:nvPr/>
+        </p:nvPicPr>
+        <p:blipFill>
+          <a:blip r:embed="rId4" cstate="print">
+            <a:extLst>
+              <a:ext uri="{28A0092B-C50C-407E-A947-70E740481C1C}">
+                <a14:useLocalDpi xmlns:a14="http://schemas.microsoft.com/office/drawing/2010/main" val="0"/>
+              </a:ext>
+            </a:extLst>
+          </a:blip>
+          <a:stretch>
+            <a:fillRect/>
+          </a:stretch>
+        </p:blipFill>
+        <p:spPr>
+          <a:xfrm>
+            <a:off x="1097690" y="5481660"/>
+            <a:ext cx="1023727" cy="1023727"/>
+          </a:xfrm>
+          <a:prstGeom prst="rect">
+            <a:avLst/>
+          </a:prstGeom>
+        </p:spPr>
+      </p:pic>
+      <p:cxnSp>
+        <p:nvCxnSpPr>
+          <p:cNvPr id="28" name="直線コネクタ 27">
+            <a:extLst>
+              <a:ext uri="{FF2B5EF4-FFF2-40B4-BE49-F238E27FC236}">
+                <a16:creationId xmlns:a16="http://schemas.microsoft.com/office/drawing/2014/main" xmlns="" id="{3AF897E8-B1A7-4282-A6E6-589B0A1DE071}"/>
+              </a:ext>
+            </a:extLst>
+          </p:cNvPr>
+          <p:cNvCxnSpPr>
+            <a:cxnSpLocks/>
+          </p:cNvCxnSpPr>
+          <p:nvPr/>
+        </p:nvCxnSpPr>
+        <p:spPr>
+          <a:xfrm>
+            <a:off x="2362200" y="5481660"/>
+            <a:ext cx="2293690" cy="0"/>
+          </a:xfrm>
+          <a:prstGeom prst="line">
+            <a:avLst/>
+          </a:prstGeom>
+        </p:spPr>
+        <p:style>
+          <a:lnRef idx="1">
+            <a:schemeClr val="dk1"/>
+          </a:lnRef>
+          <a:fillRef idx="0">
+            <a:schemeClr val="dk1"/>
+          </a:fillRef>
+          <a:effectRef idx="0">
+            <a:schemeClr val="dk1"/>
+          </a:effectRef>
+          <a:fontRef idx="minor">
+            <a:schemeClr val="tx1"/>
+          </a:fontRef>
+        </p:style>
+      </p:cxnSp>
+      <p:sp>
+        <p:nvSpPr>
+          <p:cNvPr id="29" name="正方形/長方形 28">
+            <a:extLst>
+              <a:ext uri="{FF2B5EF4-FFF2-40B4-BE49-F238E27FC236}">
+                <a16:creationId xmlns:a16="http://schemas.microsoft.com/office/drawing/2014/main" xmlns="" id="{183054C3-D4FD-4476-888C-B02BF2EDB4D9}"/>
+              </a:ext>
+            </a:extLst>
+          </p:cNvPr>
+          <p:cNvSpPr/>
+          <p:nvPr/>
+        </p:nvSpPr>
+        <p:spPr>
+          <a:xfrm>
+            <a:off x="2362199" y="5644613"/>
+            <a:ext cx="6347417" cy="1141355"/>
+          </a:xfrm>
+          <a:prstGeom prst="rect">
+            <a:avLst/>
+          </a:prstGeom>
+          <a:solidFill>
+            <a:schemeClr val="bg1"/>
+          </a:solidFill>
+          <a:ln>
+            <a:solidFill>
+              <a:schemeClr val="tx1"/>
+            </a:solidFill>
+          </a:ln>
+        </p:spPr>
+        <p:style>
+          <a:lnRef idx="2">
+            <a:schemeClr val="accent1">
+              <a:shade val="50000"/>
+            </a:schemeClr>
+          </a:lnRef>
+          <a:fillRef idx="1">
+            <a:schemeClr val="accent1"/>
+          </a:fillRef>
+          <a:effectRef idx="0">
+            <a:schemeClr val="accent1"/>
+          </a:effectRef>
+          <a:fontRef idx="minor">
+            <a:schemeClr val="lt1"/>
+          </a:fontRef>
+        </p:style>
+        <p:txBody>
+          <a:bodyPr rtlCol="0" anchor="ctr"/>
+          <a:lstStyle/>
+          <a:p>
+            <a:pPr algn="ctr"/>
+            <a:endParaRPr kumimoji="1" lang="ja-JP" altLang="en-US"/>
+          </a:p>
+        </p:txBody>
+      </p:sp>
+      <p:sp>
+        <p:nvSpPr>
+          <p:cNvPr id="31" name="四角形: 角を丸くする 30">
+            <a:extLst>
+              <a:ext uri="{FF2B5EF4-FFF2-40B4-BE49-F238E27FC236}">
+                <a16:creationId xmlns:a16="http://schemas.microsoft.com/office/drawing/2014/main" xmlns="" id="{E687C57B-3009-462A-B5C7-E663CDBF3614}"/>
+              </a:ext>
+            </a:extLst>
+          </p:cNvPr>
+          <p:cNvSpPr/>
+          <p:nvPr/>
+        </p:nvSpPr>
+        <p:spPr>
+          <a:xfrm>
+            <a:off x="6193247" y="5273048"/>
+            <a:ext cx="1023727" cy="299533"/>
+          </a:xfrm>
+          <a:prstGeom prst="roundRect">
+            <a:avLst/>
+          </a:prstGeom>
+          <a:solidFill>
+            <a:schemeClr val="accent6"/>
+          </a:solidFill>
+          <a:ln>
+            <a:solidFill>
+              <a:schemeClr val="accent6"/>
+            </a:solidFill>
+          </a:ln>
+        </p:spPr>
+        <p:style>
+          <a:lnRef idx="2">
+            <a:schemeClr val="accent1">
+              <a:shade val="50000"/>
+            </a:schemeClr>
+          </a:lnRef>
+          <a:fillRef idx="1">
+            <a:schemeClr val="accent1"/>
+          </a:fillRef>
+          <a:effectRef idx="0">
+            <a:schemeClr val="accent1"/>
+          </a:effectRef>
+          <a:fontRef idx="minor">
+            <a:schemeClr val="lt1"/>
+          </a:fontRef>
+        </p:style>
+        <p:txBody>
+          <a:bodyPr rtlCol="0" anchor="ctr"/>
+          <a:lstStyle/>
+          <a:p>
+            <a:pPr algn="ctr"/>
+            <a:r>
+              <a:rPr kumimoji="1" lang="ja-JP" altLang="en-US" dirty="0"/>
+              <a:t>編集</a:t>
+            </a:r>
+          </a:p>
+        </p:txBody>
+      </p:sp>
+      <p:sp>
+        <p:nvSpPr>
+          <p:cNvPr id="32" name="四角形: 角を丸くする 31">
+            <a:extLst>
+              <a:ext uri="{FF2B5EF4-FFF2-40B4-BE49-F238E27FC236}">
+                <a16:creationId xmlns:a16="http://schemas.microsoft.com/office/drawing/2014/main" xmlns="" id="{6466C381-D6CC-4AD7-AA5C-104140FDA422}"/>
+              </a:ext>
+            </a:extLst>
+          </p:cNvPr>
+          <p:cNvSpPr/>
+          <p:nvPr/>
+        </p:nvSpPr>
+        <p:spPr>
+          <a:xfrm>
+            <a:off x="7433075" y="5273048"/>
+            <a:ext cx="1023727" cy="299533"/>
+          </a:xfrm>
+          <a:prstGeom prst="roundRect">
+            <a:avLst/>
+          </a:prstGeom>
+          <a:solidFill>
+            <a:srgbClr val="FF0000"/>
+          </a:solidFill>
+          <a:ln>
+            <a:solidFill>
+              <a:srgbClr val="FF0000"/>
+            </a:solidFill>
+          </a:ln>
+        </p:spPr>
+        <p:style>
+          <a:lnRef idx="2">
+            <a:schemeClr val="accent1">
+              <a:shade val="50000"/>
+            </a:schemeClr>
+          </a:lnRef>
+          <a:fillRef idx="1">
+            <a:schemeClr val="accent1"/>
+          </a:fillRef>
+          <a:effectRef idx="0">
+            <a:schemeClr val="accent1"/>
+          </a:effectRef>
+          <a:fontRef idx="minor">
+            <a:schemeClr val="lt1"/>
+          </a:fontRef>
+        </p:style>
+        <p:txBody>
+          <a:bodyPr rtlCol="0" anchor="ctr"/>
+          <a:lstStyle/>
+          <a:p>
+            <a:pPr algn="ctr"/>
+            <a:r>
+              <a:rPr kumimoji="1" lang="ja-JP" altLang="en-US" dirty="0"/>
+              <a:t>削除</a:t>
+            </a:r>
+          </a:p>
+        </p:txBody>
+      </p:sp>
+      <p:grpSp>
+        <p:nvGrpSpPr>
+          <p:cNvPr id="40" name="グループ化 39">
+            <a:extLst>
+              <a:ext uri="{FF2B5EF4-FFF2-40B4-BE49-F238E27FC236}">
+                <a16:creationId xmlns:a16="http://schemas.microsoft.com/office/drawing/2014/main" xmlns="" id="{A096291A-4CDC-4700-B70F-29EADAE33846}"/>
+              </a:ext>
+            </a:extLst>
+          </p:cNvPr>
+          <p:cNvGrpSpPr/>
+          <p:nvPr/>
+        </p:nvGrpSpPr>
+        <p:grpSpPr>
+          <a:xfrm>
+            <a:off x="8850368" y="6125503"/>
+            <a:ext cx="2443713" cy="521463"/>
+            <a:chOff x="8503920" y="6336537"/>
+            <a:chExt cx="2443713" cy="521463"/>
+          </a:xfrm>
+        </p:grpSpPr>
+        <p:sp>
+          <p:nvSpPr>
+            <p:cNvPr id="33" name="四角形: 角を丸くする 32">
+              <a:extLst>
+                <a:ext uri="{FF2B5EF4-FFF2-40B4-BE49-F238E27FC236}">
+                  <a16:creationId xmlns:a16="http://schemas.microsoft.com/office/drawing/2014/main" xmlns="" id="{09B24E2D-E00C-44CF-A943-BA5F37AA7768}"/>
+                </a:ext>
+              </a:extLst>
+            </p:cNvPr>
+            <p:cNvSpPr/>
+            <p:nvPr/>
+          </p:nvSpPr>
+          <p:spPr>
+            <a:xfrm>
+              <a:off x="8503920" y="6336537"/>
+              <a:ext cx="758942" cy="521463"/>
+            </a:xfrm>
+            <a:prstGeom prst="roundRect">
+              <a:avLst/>
+            </a:prstGeom>
+            <a:solidFill>
+              <a:schemeClr val="bg1"/>
+            </a:solidFill>
+            <a:ln>
+              <a:solidFill>
+                <a:schemeClr val="accent1"/>
+              </a:solidFill>
+            </a:ln>
+          </p:spPr>
+          <p:style>
+            <a:lnRef idx="2">
+              <a:schemeClr val="accent1">
+                <a:shade val="50000"/>
+              </a:schemeClr>
+            </a:lnRef>
+            <a:fillRef idx="1">
+              <a:schemeClr val="accent1"/>
+            </a:fillRef>
+            <a:effectRef idx="0">
+              <a:schemeClr val="accent1"/>
+            </a:effectRef>
+            <a:fontRef idx="minor">
+              <a:schemeClr val="lt1"/>
+            </a:fontRef>
+          </p:style>
+          <p:txBody>
+            <a:bodyPr rtlCol="0" anchor="ctr"/>
+            <a:lstStyle/>
+            <a:p>
+              <a:pPr algn="ctr"/>
+              <a:r>
+                <a:rPr kumimoji="1" lang="ja-JP" altLang="en-US" sz="1400" dirty="0">
+                  <a:solidFill>
+                    <a:schemeClr val="tx1"/>
+                  </a:solidFill>
+                </a:rPr>
+                <a:t>人物</a:t>
+              </a:r>
+            </a:p>
+          </p:txBody>
+        </p:sp>
+        <p:sp>
+          <p:nvSpPr>
+            <p:cNvPr id="38" name="四角形: 角を丸くする 37">
+              <a:extLst>
+                <a:ext uri="{FF2B5EF4-FFF2-40B4-BE49-F238E27FC236}">
+                  <a16:creationId xmlns:a16="http://schemas.microsoft.com/office/drawing/2014/main" xmlns="" id="{27B37FD0-32AB-4E61-B9E6-1D3D9002C0B2}"/>
+                </a:ext>
+              </a:extLst>
+            </p:cNvPr>
+            <p:cNvSpPr/>
+            <p:nvPr/>
+          </p:nvSpPr>
+          <p:spPr>
+            <a:xfrm>
+              <a:off x="9278103" y="6350466"/>
+              <a:ext cx="758942" cy="503340"/>
+            </a:xfrm>
+            <a:prstGeom prst="roundRect">
+              <a:avLst/>
+            </a:prstGeom>
+            <a:solidFill>
+              <a:schemeClr val="bg1"/>
+            </a:solidFill>
+            <a:ln>
+              <a:solidFill>
+                <a:schemeClr val="bg1"/>
+              </a:solidFill>
+            </a:ln>
+          </p:spPr>
+          <p:style>
+            <a:lnRef idx="2">
+              <a:schemeClr val="accent1">
+                <a:shade val="50000"/>
+              </a:schemeClr>
+            </a:lnRef>
+            <a:fillRef idx="1">
+              <a:schemeClr val="accent1"/>
+            </a:fillRef>
+            <a:effectRef idx="0">
+              <a:schemeClr val="accent1"/>
+            </a:effectRef>
+            <a:fontRef idx="minor">
+              <a:schemeClr val="lt1"/>
+            </a:fontRef>
+          </p:style>
+          <p:txBody>
+            <a:bodyPr rtlCol="0" anchor="ctr"/>
+            <a:lstStyle/>
+            <a:p>
+              <a:pPr algn="ctr"/>
+              <a:r>
+                <a:rPr lang="ja-JP" altLang="en-US" sz="1400" dirty="0">
+                  <a:solidFill>
+                    <a:schemeClr val="tx1"/>
+                  </a:solidFill>
+                </a:rPr>
+                <a:t>関係</a:t>
+              </a:r>
+              <a:endParaRPr kumimoji="1" lang="ja-JP" altLang="en-US" sz="1400" dirty="0">
+                <a:solidFill>
+                  <a:schemeClr val="tx1"/>
+                </a:solidFill>
+              </a:endParaRPr>
+            </a:p>
+          </p:txBody>
+        </p:sp>
+        <p:sp>
+          <p:nvSpPr>
+            <p:cNvPr id="39" name="四角形: 角を丸くする 38">
+              <a:extLst>
+                <a:ext uri="{FF2B5EF4-FFF2-40B4-BE49-F238E27FC236}">
+                  <a16:creationId xmlns:a16="http://schemas.microsoft.com/office/drawing/2014/main" xmlns="" id="{17AFF7B3-D7D7-4C8C-AAF4-072A88B3C1C7}"/>
+                </a:ext>
+              </a:extLst>
+            </p:cNvPr>
+            <p:cNvSpPr/>
+            <p:nvPr/>
+          </p:nvSpPr>
+          <p:spPr>
+            <a:xfrm>
+              <a:off x="10003489" y="6347617"/>
+              <a:ext cx="944144" cy="503340"/>
+            </a:xfrm>
+            <a:prstGeom prst="roundRect">
+              <a:avLst/>
+            </a:prstGeom>
+            <a:solidFill>
+              <a:schemeClr val="bg1"/>
+            </a:solidFill>
+            <a:ln>
+              <a:solidFill>
+                <a:schemeClr val="bg1"/>
+              </a:solidFill>
+            </a:ln>
+          </p:spPr>
+          <p:style>
+            <a:lnRef idx="2">
+              <a:schemeClr val="accent1">
+                <a:shade val="50000"/>
+              </a:schemeClr>
+            </a:lnRef>
+            <a:fillRef idx="1">
+              <a:schemeClr val="accent1"/>
+            </a:fillRef>
+            <a:effectRef idx="0">
+              <a:schemeClr val="accent1"/>
+            </a:effectRef>
+            <a:fontRef idx="minor">
+              <a:schemeClr val="lt1"/>
+            </a:fontRef>
+          </p:style>
+          <p:txBody>
+            <a:bodyPr rtlCol="0" anchor="ctr"/>
+            <a:lstStyle/>
+            <a:p>
+              <a:pPr algn="ctr"/>
+              <a:r>
+                <a:rPr lang="ja-JP" altLang="en-US" sz="1400" dirty="0">
+                  <a:solidFill>
+                    <a:schemeClr val="tx1"/>
+                  </a:solidFill>
+                </a:rPr>
+                <a:t>グループ</a:t>
+              </a:r>
+              <a:endParaRPr kumimoji="1" lang="ja-JP" altLang="en-US" sz="1400" dirty="0">
+                <a:solidFill>
+                  <a:schemeClr val="tx1"/>
+                </a:solidFill>
+              </a:endParaRPr>
+            </a:p>
+          </p:txBody>
+        </p:sp>
+      </p:grpSp>
+      <p:sp>
+        <p:nvSpPr>
+          <p:cNvPr id="43" name="正方形/長方形 42">
+            <a:extLst>
+              <a:ext uri="{FF2B5EF4-FFF2-40B4-BE49-F238E27FC236}">
+                <a16:creationId xmlns:a16="http://schemas.microsoft.com/office/drawing/2014/main" xmlns="" id="{8AA3CD8B-99BE-4E46-9AC2-05386674A02A}"/>
+              </a:ext>
+            </a:extLst>
+          </p:cNvPr>
+          <p:cNvSpPr/>
+          <p:nvPr/>
+        </p:nvSpPr>
+        <p:spPr>
+          <a:xfrm>
+            <a:off x="9238415" y="5610740"/>
+            <a:ext cx="1917376" cy="320996"/>
+          </a:xfrm>
+          <a:prstGeom prst="rect">
+            <a:avLst/>
+          </a:prstGeom>
+          <a:solidFill>
+            <a:schemeClr val="bg1"/>
+          </a:solidFill>
+          <a:ln>
+            <a:solidFill>
+              <a:schemeClr val="tx1"/>
+            </a:solidFill>
+          </a:ln>
+        </p:spPr>
+        <p:style>
+          <a:lnRef idx="2">
+            <a:schemeClr val="accent1">
+              <a:shade val="50000"/>
+            </a:schemeClr>
+          </a:lnRef>
+          <a:fillRef idx="1">
+            <a:schemeClr val="accent1"/>
+          </a:fillRef>
+          <a:effectRef idx="0">
+            <a:schemeClr val="accent1"/>
+          </a:effectRef>
+          <a:fontRef idx="minor">
+            <a:schemeClr val="lt1"/>
+          </a:fontRef>
+        </p:style>
+        <p:txBody>
+          <a:bodyPr rtlCol="0" anchor="ctr"/>
+          <a:lstStyle/>
+          <a:p>
+            <a:pPr algn="ctr"/>
+            <a:endParaRPr kumimoji="1" lang="ja-JP" altLang="en-US"/>
+          </a:p>
+        </p:txBody>
+      </p:sp>
+      <p:sp>
+        <p:nvSpPr>
+          <p:cNvPr id="44" name="正方形/長方形 43">
+            <a:extLst>
+              <a:ext uri="{FF2B5EF4-FFF2-40B4-BE49-F238E27FC236}">
+                <a16:creationId xmlns:a16="http://schemas.microsoft.com/office/drawing/2014/main" xmlns="" id="{C8FD532A-CD26-41CA-AE58-9D67996B4376}"/>
+              </a:ext>
+            </a:extLst>
+          </p:cNvPr>
+          <p:cNvSpPr/>
+          <p:nvPr/>
+        </p:nvSpPr>
+        <p:spPr>
+          <a:xfrm>
+            <a:off x="11174502" y="5608092"/>
+            <a:ext cx="323993" cy="320996"/>
+          </a:xfrm>
+          <a:prstGeom prst="rect">
+            <a:avLst/>
+          </a:prstGeom>
+          <a:solidFill>
+            <a:schemeClr val="bg2"/>
+          </a:solidFill>
+          <a:ln>
+            <a:solidFill>
+              <a:schemeClr val="bg2"/>
+            </a:solidFill>
+          </a:ln>
+        </p:spPr>
+        <p:style>
+          <a:lnRef idx="2">
+            <a:schemeClr val="accent1">
+              <a:shade val="50000"/>
+            </a:schemeClr>
+          </a:lnRef>
+          <a:fillRef idx="1">
+            <a:schemeClr val="accent1"/>
+          </a:fillRef>
+          <a:effectRef idx="0">
+            <a:schemeClr val="accent1"/>
+          </a:effectRef>
+          <a:fontRef idx="minor">
+            <a:schemeClr val="lt1"/>
+          </a:fontRef>
+        </p:style>
+        <p:txBody>
+          <a:bodyPr rtlCol="0" anchor="ctr"/>
+          <a:lstStyle/>
+          <a:p>
+            <a:pPr algn="ctr"/>
+            <a:endParaRPr kumimoji="1" lang="ja-JP" altLang="en-US"/>
+          </a:p>
+        </p:txBody>
+      </p:sp>
+      <p:pic>
+        <p:nvPicPr>
+          <p:cNvPr id="46" name="グラフィックス 45" descr="拡大鏡 単色塗りつぶし">
+            <a:extLst>
+              <a:ext uri="{FF2B5EF4-FFF2-40B4-BE49-F238E27FC236}">
+                <a16:creationId xmlns:a16="http://schemas.microsoft.com/office/drawing/2014/main" xmlns="" id="{D27E0C87-6E4F-4033-B382-536D585F9299}"/>
+              </a:ext>
+            </a:extLst>
+          </p:cNvPr>
+          <p:cNvPicPr>
+            <a:picLocks noChangeAspect="1"/>
+          </p:cNvPicPr>
+          <p:nvPr/>
+        </p:nvPicPr>
+        <p:blipFill>
+          <a:blip r:embed="rId5" cstate="print">
+            <a:extLst>
+              <a:ext uri="{28A0092B-C50C-407E-A947-70E740481C1C}">
+                <a14:useLocalDpi xmlns:a14="http://schemas.microsoft.com/office/drawing/2010/main" val="0"/>
+              </a:ext>
+              <a:ext uri="{96DAC541-7B7A-43D3-8B79-37D633B846F1}">
+                <asvg:svgBlip xmlns:asvg="http://schemas.microsoft.com/office/drawing/2016/SVG/main" xmlns="" r:embed="rId6"/>
+              </a:ext>
+            </a:extLst>
+          </a:blip>
+          <a:stretch>
+            <a:fillRect/>
+          </a:stretch>
+        </p:blipFill>
+        <p:spPr>
+          <a:xfrm>
+            <a:off x="11171061" y="5614304"/>
+            <a:ext cx="323993" cy="313868"/>
+          </a:xfrm>
+          <a:prstGeom prst="rect">
+            <a:avLst/>
+          </a:prstGeom>
+        </p:spPr>
+      </p:pic>
+      <p:sp>
+        <p:nvSpPr>
+          <p:cNvPr id="48" name="テキスト ボックス 47">
+            <a:extLst>
+              <a:ext uri="{FF2B5EF4-FFF2-40B4-BE49-F238E27FC236}">
+                <a16:creationId xmlns:a16="http://schemas.microsoft.com/office/drawing/2014/main" xmlns="" id="{28893D37-253F-499B-AA50-275312219D0D}"/>
+              </a:ext>
+            </a:extLst>
+          </p:cNvPr>
+          <p:cNvSpPr txBox="1"/>
+          <p:nvPr/>
+        </p:nvSpPr>
+        <p:spPr>
+          <a:xfrm>
+            <a:off x="9156973" y="5234027"/>
+            <a:ext cx="595035" cy="338554"/>
+          </a:xfrm>
+          <a:prstGeom prst="rect">
+            <a:avLst/>
+          </a:prstGeom>
+          <a:noFill/>
+        </p:spPr>
+        <p:txBody>
+          <a:bodyPr wrap="none" rtlCol="0">
+            <a:spAutoFit/>
+          </a:bodyPr>
+          <a:lstStyle/>
+          <a:p>
+            <a:r>
+              <a:rPr kumimoji="1" lang="ja-JP" altLang="en-US" sz="1600" dirty="0"/>
+              <a:t>検索</a:t>
+            </a:r>
+          </a:p>
+        </p:txBody>
+      </p:sp>
+      <p:sp>
+        <p:nvSpPr>
+          <p:cNvPr id="49" name="二等辺三角形 48">
+            <a:extLst>
+              <a:ext uri="{FF2B5EF4-FFF2-40B4-BE49-F238E27FC236}">
+                <a16:creationId xmlns:a16="http://schemas.microsoft.com/office/drawing/2014/main" xmlns="" id="{F57DEA4F-068C-4B40-804B-B149D3691092}"/>
+              </a:ext>
+            </a:extLst>
+          </p:cNvPr>
+          <p:cNvSpPr/>
+          <p:nvPr/>
+        </p:nvSpPr>
+        <p:spPr>
+          <a:xfrm rot="10800000">
+            <a:off x="11656339" y="358655"/>
+            <a:ext cx="85194" cy="100578"/>
+          </a:xfrm>
+          <a:prstGeom prst="triangle">
+            <a:avLst/>
+          </a:prstGeom>
+        </p:spPr>
+        <p:style>
+          <a:lnRef idx="2">
+            <a:schemeClr val="accent1">
+              <a:shade val="50000"/>
+            </a:schemeClr>
+          </a:lnRef>
+          <a:fillRef idx="1">
+            <a:schemeClr val="accent1"/>
+          </a:fillRef>
+          <a:effectRef idx="0">
+            <a:schemeClr val="accent1"/>
+          </a:effectRef>
+          <a:fontRef idx="minor">
+            <a:schemeClr val="lt1"/>
+          </a:fontRef>
+        </p:style>
+        <p:txBody>
+          <a:bodyPr rtlCol="0" anchor="ctr"/>
+          <a:lstStyle/>
+          <a:p>
+            <a:pPr algn="ctr"/>
+            <a:endParaRPr kumimoji="1" lang="ja-JP" altLang="en-US"/>
+          </a:p>
+        </p:txBody>
+      </p:sp>
+      <p:sp>
+        <p:nvSpPr>
+          <p:cNvPr id="8" name="テキスト ボックス 7"/>
+          <p:cNvSpPr txBox="1"/>
+          <p:nvPr/>
+        </p:nvSpPr>
+        <p:spPr>
+          <a:xfrm>
+            <a:off x="2362199" y="5161995"/>
+            <a:ext cx="646331" cy="369332"/>
+          </a:xfrm>
+          <a:prstGeom prst="rect">
+            <a:avLst/>
+          </a:prstGeom>
+          <a:noFill/>
+        </p:spPr>
+        <p:txBody>
+          <a:bodyPr wrap="none" rtlCol="0">
+            <a:spAutoFit/>
+          </a:bodyPr>
+          <a:lstStyle/>
+          <a:p>
+            <a:r>
+              <a:rPr kumimoji="1" lang="ja-JP" altLang="en-US" dirty="0" smtClean="0"/>
+              <a:t>名前</a:t>
+            </a:r>
+            <a:endParaRPr kumimoji="1" lang="ja-JP" altLang="en-US" dirty="0"/>
+          </a:p>
+        </p:txBody>
+      </p:sp>
+      <p:sp>
+        <p:nvSpPr>
+          <p:cNvPr id="35" name="テキスト ボックス 34"/>
+          <p:cNvSpPr txBox="1"/>
+          <p:nvPr/>
+        </p:nvSpPr>
+        <p:spPr>
+          <a:xfrm>
+            <a:off x="2363870" y="5666326"/>
+            <a:ext cx="6345746" cy="1200329"/>
+          </a:xfrm>
+          <a:prstGeom prst="rect">
+            <a:avLst/>
+          </a:prstGeom>
+          <a:noFill/>
+        </p:spPr>
+        <p:txBody>
+          <a:bodyPr wrap="square" rtlCol="0">
+            <a:spAutoFit/>
+          </a:bodyPr>
+          <a:lstStyle/>
+          <a:p>
+            <a:r>
+              <a:rPr lang="ja-JP" altLang="en-US" dirty="0"/>
+              <a:t>あああああああああああああああああああああああああああああああああああああああああああああああああああああああああああああああああああああああああああああああ</a:t>
+            </a:r>
+            <a:r>
+              <a:rPr lang="ja-JP" altLang="en-US" dirty="0" smtClean="0"/>
+              <a:t>あああああああああああああああああああああああああ</a:t>
+            </a:r>
+            <a:endParaRPr kumimoji="1" lang="ja-JP" altLang="en-US" dirty="0"/>
+          </a:p>
+        </p:txBody>
+      </p:sp>
+      <p:sp>
+        <p:nvSpPr>
+          <p:cNvPr id="10" name="円/楕円 9"/>
+          <p:cNvSpPr/>
+          <p:nvPr/>
+        </p:nvSpPr>
+        <p:spPr>
+          <a:xfrm>
+            <a:off x="3931920" y="3484880"/>
+            <a:ext cx="833120" cy="833120"/>
+          </a:xfrm>
+          <a:prstGeom prst="ellipse">
+            <a:avLst/>
+          </a:prstGeom>
+        </p:spPr>
+        <p:style>
+          <a:lnRef idx="2">
+            <a:schemeClr val="accent1">
+              <a:shade val="50000"/>
+            </a:schemeClr>
+          </a:lnRef>
+          <a:fillRef idx="1">
+            <a:schemeClr val="accent1"/>
+          </a:fillRef>
+          <a:effectRef idx="0">
+            <a:schemeClr val="accent1"/>
+          </a:effectRef>
+          <a:fontRef idx="minor">
+            <a:schemeClr val="lt1"/>
+          </a:fontRef>
+        </p:style>
+        <p:txBody>
+          <a:bodyPr rtlCol="0" anchor="ctr"/>
+          <a:lstStyle/>
+          <a:p>
+            <a:pPr algn="ctr"/>
+            <a:endParaRPr kumimoji="1" lang="ja-JP" altLang="en-US"/>
+          </a:p>
+        </p:txBody>
+      </p:sp>
+      <p:sp>
+        <p:nvSpPr>
+          <p:cNvPr id="34" name="円/楕円 33"/>
+          <p:cNvSpPr/>
+          <p:nvPr/>
+        </p:nvSpPr>
+        <p:spPr>
+          <a:xfrm>
+            <a:off x="7305040" y="1759224"/>
+            <a:ext cx="833120" cy="833120"/>
+          </a:xfrm>
+          <a:prstGeom prst="ellipse">
+            <a:avLst/>
+          </a:prstGeom>
+          <a:solidFill>
+            <a:schemeClr val="accent2"/>
+          </a:solidFill>
+          <a:ln>
+            <a:solidFill>
+              <a:schemeClr val="accent2"/>
+            </a:solidFill>
+          </a:ln>
+        </p:spPr>
+        <p:style>
+          <a:lnRef idx="2">
+            <a:schemeClr val="accent1">
+              <a:shade val="50000"/>
+            </a:schemeClr>
+          </a:lnRef>
+          <a:fillRef idx="1">
+            <a:schemeClr val="accent1"/>
+          </a:fillRef>
+          <a:effectRef idx="0">
+            <a:schemeClr val="accent1"/>
+          </a:effectRef>
+          <a:fontRef idx="minor">
+            <a:schemeClr val="lt1"/>
+          </a:fontRef>
+        </p:style>
+        <p:txBody>
+          <a:bodyPr rtlCol="0" anchor="ctr"/>
+          <a:lstStyle/>
+          <a:p>
+            <a:pPr algn="ctr"/>
+            <a:endParaRPr kumimoji="1" lang="ja-JP" altLang="en-US"/>
+          </a:p>
+        </p:txBody>
+      </p:sp>
+      <p:cxnSp>
+        <p:nvCxnSpPr>
+          <p:cNvPr id="23" name="直線矢印コネクタ 22"/>
+          <p:cNvCxnSpPr>
+            <a:stCxn id="10" idx="6"/>
+          </p:cNvCxnSpPr>
+          <p:nvPr/>
+        </p:nvCxnSpPr>
+        <p:spPr>
+          <a:xfrm flipV="1">
+            <a:off x="4765040" y="2513116"/>
+            <a:ext cx="2668035" cy="1388324"/>
+          </a:xfrm>
+          <a:prstGeom prst="straightConnector1">
+            <a:avLst/>
+          </a:prstGeom>
+          <a:ln>
+            <a:solidFill>
+              <a:schemeClr val="accent3">
+                <a:lumMod val="50000"/>
+              </a:schemeClr>
+            </a:solidFill>
+            <a:headEnd type="triangle"/>
+            <a:tailEnd type="triangle"/>
+          </a:ln>
+        </p:spPr>
+        <p:style>
+          <a:lnRef idx="1">
+            <a:schemeClr val="accent1"/>
+          </a:lnRef>
+          <a:fillRef idx="0">
+            <a:schemeClr val="accent1"/>
+          </a:fillRef>
+          <a:effectRef idx="0">
+            <a:schemeClr val="accent1"/>
+          </a:effectRef>
+          <a:fontRef idx="minor">
+            <a:schemeClr val="tx1"/>
+          </a:fontRef>
+        </p:style>
+      </p:cxnSp>
+      <p:pic>
+        <p:nvPicPr>
+          <p:cNvPr id="42" name="図 41" descr="アイコン&#10;&#10;自動的に生成された説明">
+            <a:extLst>
+              <a:ext uri="{FF2B5EF4-FFF2-40B4-BE49-F238E27FC236}">
+                <a16:creationId xmlns:a16="http://schemas.microsoft.com/office/drawing/2014/main" xmlns="" id="{FA6DD198-495A-4005-94FB-940B4711546A}"/>
+              </a:ext>
+            </a:extLst>
+          </p:cNvPr>
+          <p:cNvPicPr>
+            <a:picLocks noChangeAspect="1"/>
+          </p:cNvPicPr>
+          <p:nvPr/>
+        </p:nvPicPr>
+        <p:blipFill>
+          <a:blip r:embed="rId4" cstate="print">
+            <a:extLst>
+              <a:ext uri="{28A0092B-C50C-407E-A947-70E740481C1C}">
+                <a14:useLocalDpi xmlns:a14="http://schemas.microsoft.com/office/drawing/2010/main" val="0"/>
+              </a:ext>
+            </a:extLst>
+          </a:blip>
+          <a:stretch>
+            <a:fillRect/>
+          </a:stretch>
+        </p:blipFill>
+        <p:spPr>
+          <a:xfrm>
+            <a:off x="4136274" y="3321928"/>
+            <a:ext cx="424412" cy="424412"/>
+          </a:xfrm>
+          <a:prstGeom prst="rect">
+            <a:avLst/>
+          </a:prstGeom>
+        </p:spPr>
+      </p:pic>
+      <p:pic>
+        <p:nvPicPr>
+          <p:cNvPr id="45" name="図 44" descr="アイコン&#10;&#10;自動的に生成された説明">
+            <a:extLst>
+              <a:ext uri="{FF2B5EF4-FFF2-40B4-BE49-F238E27FC236}">
+                <a16:creationId xmlns:a16="http://schemas.microsoft.com/office/drawing/2014/main" xmlns="" id="{FA6DD198-495A-4005-94FB-940B4711546A}"/>
+              </a:ext>
+            </a:extLst>
+          </p:cNvPr>
+          <p:cNvPicPr>
+            <a:picLocks noChangeAspect="1"/>
+          </p:cNvPicPr>
+          <p:nvPr/>
+        </p:nvPicPr>
+        <p:blipFill>
+          <a:blip r:embed="rId4" cstate="print">
+            <a:extLst>
+              <a:ext uri="{28A0092B-C50C-407E-A947-70E740481C1C}">
+                <a14:useLocalDpi xmlns:a14="http://schemas.microsoft.com/office/drawing/2010/main" val="0"/>
+              </a:ext>
+            </a:extLst>
+          </a:blip>
+          <a:stretch>
+            <a:fillRect/>
+          </a:stretch>
+        </p:blipFill>
+        <p:spPr>
+          <a:xfrm>
+            <a:off x="7509394" y="1562373"/>
+            <a:ext cx="424412" cy="424412"/>
+          </a:xfrm>
+          <a:prstGeom prst="rect">
+            <a:avLst/>
+          </a:prstGeom>
+        </p:spPr>
+      </p:pic>
+      <p:sp>
+        <p:nvSpPr>
+          <p:cNvPr id="27" name="テキスト ボックス 26"/>
+          <p:cNvSpPr txBox="1"/>
+          <p:nvPr/>
+        </p:nvSpPr>
+        <p:spPr>
+          <a:xfrm>
+            <a:off x="3798800" y="3891465"/>
+            <a:ext cx="1107996" cy="276999"/>
+          </a:xfrm>
+          <a:prstGeom prst="rect">
+            <a:avLst/>
+          </a:prstGeom>
+          <a:noFill/>
+        </p:spPr>
+        <p:txBody>
+          <a:bodyPr wrap="none" rtlCol="0">
+            <a:spAutoFit/>
+          </a:bodyPr>
+          <a:lstStyle/>
+          <a:p>
+            <a:r>
+              <a:rPr kumimoji="1" lang="ja-JP" altLang="en-US" sz="1200" dirty="0" smtClean="0"/>
+              <a:t>アムロ・レイ</a:t>
+            </a:r>
+            <a:endParaRPr kumimoji="1" lang="ja-JP" altLang="en-US" sz="1200" dirty="0"/>
+          </a:p>
+        </p:txBody>
+      </p:sp>
+      <p:sp>
+        <p:nvSpPr>
+          <p:cNvPr id="47" name="テキスト ボックス 46"/>
+          <p:cNvSpPr txBox="1"/>
+          <p:nvPr/>
+        </p:nvSpPr>
+        <p:spPr>
+          <a:xfrm>
+            <a:off x="7002558" y="2157361"/>
+            <a:ext cx="1454244" cy="261610"/>
+          </a:xfrm>
+          <a:prstGeom prst="rect">
+            <a:avLst/>
+          </a:prstGeom>
+          <a:noFill/>
+        </p:spPr>
+        <p:txBody>
+          <a:bodyPr wrap="none" rtlCol="0">
+            <a:spAutoFit/>
+          </a:bodyPr>
+          <a:lstStyle/>
+          <a:p>
+            <a:r>
+              <a:rPr kumimoji="1" lang="ja-JP" altLang="en-US" sz="1100" dirty="0" smtClean="0"/>
+              <a:t>シャア・アズナブル</a:t>
+            </a:r>
+            <a:endParaRPr kumimoji="1" lang="ja-JP" altLang="en-US" sz="1100" dirty="0"/>
+          </a:p>
+        </p:txBody>
+      </p:sp>
+      <p:sp>
+        <p:nvSpPr>
+          <p:cNvPr id="41" name="円/楕円 40"/>
+          <p:cNvSpPr/>
+          <p:nvPr/>
+        </p:nvSpPr>
+        <p:spPr>
+          <a:xfrm>
+            <a:off x="4490236" y="1319792"/>
+            <a:ext cx="833120" cy="833120"/>
+          </a:xfrm>
+          <a:prstGeom prst="ellipse">
+            <a:avLst/>
+          </a:prstGeom>
+          <a:solidFill>
+            <a:schemeClr val="accent6"/>
+          </a:solidFill>
+          <a:ln>
+            <a:solidFill>
+              <a:schemeClr val="accent6"/>
+            </a:solidFill>
+          </a:ln>
+        </p:spPr>
+        <p:style>
+          <a:lnRef idx="2">
+            <a:schemeClr val="accent1">
+              <a:shade val="50000"/>
+            </a:schemeClr>
+          </a:lnRef>
+          <a:fillRef idx="1">
+            <a:schemeClr val="accent1"/>
+          </a:fillRef>
+          <a:effectRef idx="0">
+            <a:schemeClr val="accent1"/>
+          </a:effectRef>
+          <a:fontRef idx="minor">
+            <a:schemeClr val="lt1"/>
+          </a:fontRef>
+        </p:style>
+        <p:txBody>
+          <a:bodyPr rtlCol="0" anchor="ctr"/>
+          <a:lstStyle/>
+          <a:p>
+            <a:pPr algn="ctr"/>
+            <a:endParaRPr kumimoji="1" lang="ja-JP" altLang="en-US"/>
+          </a:p>
+        </p:txBody>
+      </p:sp>
+      <p:pic>
+        <p:nvPicPr>
+          <p:cNvPr id="50" name="図 49" descr="アイコン&#10;&#10;自動的に生成された説明">
+            <a:extLst>
+              <a:ext uri="{FF2B5EF4-FFF2-40B4-BE49-F238E27FC236}">
+                <a16:creationId xmlns:a16="http://schemas.microsoft.com/office/drawing/2014/main" xmlns="" id="{FA6DD198-495A-4005-94FB-940B4711546A}"/>
+              </a:ext>
+            </a:extLst>
+          </p:cNvPr>
+          <p:cNvPicPr>
+            <a:picLocks noChangeAspect="1"/>
+          </p:cNvPicPr>
+          <p:nvPr/>
+        </p:nvPicPr>
+        <p:blipFill>
+          <a:blip r:embed="rId4" cstate="print">
+            <a:extLst>
+              <a:ext uri="{28A0092B-C50C-407E-A947-70E740481C1C}">
+                <a14:useLocalDpi xmlns:a14="http://schemas.microsoft.com/office/drawing/2010/main" val="0"/>
+              </a:ext>
+            </a:extLst>
+          </a:blip>
+          <a:stretch>
+            <a:fillRect/>
+          </a:stretch>
+        </p:blipFill>
+        <p:spPr>
+          <a:xfrm>
+            <a:off x="4694590" y="1156840"/>
+            <a:ext cx="424412" cy="424412"/>
+          </a:xfrm>
+          <a:prstGeom prst="rect">
+            <a:avLst/>
+          </a:prstGeom>
+        </p:spPr>
+      </p:pic>
+      <p:sp>
+        <p:nvSpPr>
+          <p:cNvPr id="51" name="テキスト ボックス 50"/>
+          <p:cNvSpPr txBox="1"/>
+          <p:nvPr/>
+        </p:nvSpPr>
+        <p:spPr>
+          <a:xfrm>
+            <a:off x="4200216" y="1746698"/>
+            <a:ext cx="1415772" cy="276999"/>
+          </a:xfrm>
+          <a:prstGeom prst="rect">
+            <a:avLst/>
+          </a:prstGeom>
+          <a:noFill/>
+        </p:spPr>
+        <p:txBody>
+          <a:bodyPr wrap="none" rtlCol="0">
+            <a:spAutoFit/>
+          </a:bodyPr>
+          <a:lstStyle/>
+          <a:p>
+            <a:r>
+              <a:rPr kumimoji="1" lang="ja-JP" altLang="en-US" sz="1200" dirty="0" smtClean="0"/>
+              <a:t>カミーユ・ビダン</a:t>
+            </a:r>
+            <a:endParaRPr kumimoji="1" lang="ja-JP" altLang="en-US" sz="1200" dirty="0"/>
+          </a:p>
+        </p:txBody>
+      </p:sp>
+      <p:cxnSp>
+        <p:nvCxnSpPr>
+          <p:cNvPr id="52" name="直線矢印コネクタ 51"/>
+          <p:cNvCxnSpPr>
+            <a:stCxn id="41" idx="6"/>
+            <a:endCxn id="34" idx="2"/>
+          </p:cNvCxnSpPr>
+          <p:nvPr/>
+        </p:nvCxnSpPr>
+        <p:spPr>
+          <a:xfrm>
+            <a:off x="5323356" y="1736352"/>
+            <a:ext cx="1981684" cy="439432"/>
+          </a:xfrm>
+          <a:prstGeom prst="straightConnector1">
+            <a:avLst/>
+          </a:prstGeom>
+          <a:ln>
+            <a:solidFill>
+              <a:schemeClr val="accent3">
+                <a:lumMod val="50000"/>
+              </a:schemeClr>
+            </a:solidFill>
+            <a:headEnd type="triangle"/>
+            <a:tailEnd type="triangle"/>
+          </a:ln>
+        </p:spPr>
+        <p:style>
+          <a:lnRef idx="1">
+            <a:schemeClr val="accent1"/>
+          </a:lnRef>
+          <a:fillRef idx="0">
+            <a:schemeClr val="accent1"/>
+          </a:fillRef>
+          <a:effectRef idx="0">
+            <a:schemeClr val="accent1"/>
+          </a:effectRef>
+          <a:fontRef idx="minor">
+            <a:schemeClr val="tx1"/>
+          </a:fontRef>
+        </p:style>
+      </p:cxnSp>
+      <p:cxnSp>
+        <p:nvCxnSpPr>
+          <p:cNvPr id="53" name="直線矢印コネクタ 52"/>
+          <p:cNvCxnSpPr>
+            <a:stCxn id="41" idx="4"/>
+            <a:endCxn id="10" idx="7"/>
+          </p:cNvCxnSpPr>
+          <p:nvPr/>
+        </p:nvCxnSpPr>
+        <p:spPr>
+          <a:xfrm flipH="1">
+            <a:off x="4643032" y="2152912"/>
+            <a:ext cx="263764" cy="1453976"/>
+          </a:xfrm>
+          <a:prstGeom prst="straightConnector1">
+            <a:avLst/>
+          </a:prstGeom>
+          <a:ln>
+            <a:solidFill>
+              <a:schemeClr val="accent3">
+                <a:lumMod val="50000"/>
+              </a:schemeClr>
+            </a:solidFill>
+            <a:headEnd type="triangle"/>
+            <a:tailEnd type="triangle"/>
+          </a:ln>
+        </p:spPr>
+        <p:style>
+          <a:lnRef idx="1">
+            <a:schemeClr val="accent1"/>
+          </a:lnRef>
+          <a:fillRef idx="0">
+            <a:schemeClr val="accent1"/>
+          </a:fillRef>
+          <a:effectRef idx="0">
+            <a:schemeClr val="accent1"/>
+          </a:effectRef>
+          <a:fontRef idx="minor">
+            <a:schemeClr val="tx1"/>
+          </a:fontRef>
+        </p:style>
+      </p:cxnSp>
+    </p:spTree>
+    <p:extLst>
+      <p:ext uri="{BB962C8B-B14F-4D97-AF65-F5344CB8AC3E}">
+        <p14:creationId xmlns:p14="http://schemas.microsoft.com/office/powerpoint/2010/main" val="2641257931"/>
+      </p:ext>
+    </p:extLst>
+  </p:cSld>
+  <p:clrMapOvr>
+    <a:masterClrMapping/>
+  </p:clrMapOvr>
+</p:sld>
+</file>
+
+<file path=ppt/slides/slide6.xml><?xml version="1.0" encoding="utf-8"?>
+<p:sld xmlns:a="http://schemas.openxmlformats.org/drawingml/2006/main" xmlns:r="http://schemas.openxmlformats.org/officeDocument/2006/relationships" xmlns:p="http://schemas.openxmlformats.org/presentationml/2006/main">
+  <p:cSld>
+    <p:spTree>
+      <p:nvGrpSpPr>
+        <p:cNvPr id="1" name=""/>
+        <p:cNvGrpSpPr/>
+        <p:nvPr/>
+      </p:nvGrpSpPr>
+      <p:grpSpPr>
+        <a:xfrm>
+          <a:off x="0" y="0"/>
+          <a:ext cx="0" cy="0"/>
+          <a:chOff x="0" y="0"/>
+          <a:chExt cx="0" cy="0"/>
+        </a:xfrm>
+      </p:grpSpPr>
+      <p:sp>
+        <p:nvSpPr>
+          <p:cNvPr id="2" name="正方形/長方形 1">
+            <a:extLst>
+              <a:ext uri="{FF2B5EF4-FFF2-40B4-BE49-F238E27FC236}">
+                <a16:creationId xmlns:a16="http://schemas.microsoft.com/office/drawing/2014/main" xmlns="" id="{80F7F236-459B-4269-BB73-07E486A88F11}"/>
+              </a:ext>
+            </a:extLst>
+          </p:cNvPr>
+          <p:cNvSpPr/>
+          <p:nvPr/>
+        </p:nvSpPr>
+        <p:spPr>
+          <a:xfrm>
+            <a:off x="257262" y="184558"/>
+            <a:ext cx="11677475" cy="453005"/>
+          </a:xfrm>
+          <a:prstGeom prst="rect">
+            <a:avLst/>
+          </a:prstGeom>
+        </p:spPr>
+        <p:style>
+          <a:lnRef idx="2">
+            <a:schemeClr val="accent3">
+              <a:shade val="50000"/>
+            </a:schemeClr>
+          </a:lnRef>
+          <a:fillRef idx="1">
+            <a:schemeClr val="accent3"/>
+          </a:fillRef>
+          <a:effectRef idx="0">
+            <a:schemeClr val="accent3"/>
+          </a:effectRef>
+          <a:fontRef idx="minor">
+            <a:schemeClr val="lt1"/>
+          </a:fontRef>
+        </p:style>
+        <p:txBody>
+          <a:bodyPr rtlCol="0" anchor="ctr"/>
+          <a:lstStyle/>
+          <a:p>
+            <a:pPr algn="ctr"/>
+            <a:endParaRPr kumimoji="1" lang="ja-JP" altLang="en-US" dirty="0"/>
+          </a:p>
+        </p:txBody>
+      </p:sp>
+      <p:sp>
+        <p:nvSpPr>
+          <p:cNvPr id="3" name="矢印: 左 2">
+            <a:extLst>
+              <a:ext uri="{FF2B5EF4-FFF2-40B4-BE49-F238E27FC236}">
+                <a16:creationId xmlns:a16="http://schemas.microsoft.com/office/drawing/2014/main" xmlns="" id="{DF289C13-954F-4722-A73D-687D4959995C}"/>
+              </a:ext>
+            </a:extLst>
+          </p:cNvPr>
+          <p:cNvSpPr/>
+          <p:nvPr/>
+        </p:nvSpPr>
+        <p:spPr>
+          <a:xfrm>
+            <a:off x="438180" y="305359"/>
+            <a:ext cx="296048" cy="211402"/>
+          </a:xfrm>
+          <a:prstGeom prst="leftArrow">
+            <a:avLst/>
+          </a:prstGeom>
+        </p:spPr>
+        <p:style>
+          <a:lnRef idx="2">
+            <a:schemeClr val="accent1">
+              <a:shade val="50000"/>
+            </a:schemeClr>
+          </a:lnRef>
+          <a:fillRef idx="1">
+            <a:schemeClr val="accent1"/>
+          </a:fillRef>
+          <a:effectRef idx="0">
+            <a:schemeClr val="accent1"/>
+          </a:effectRef>
+          <a:fontRef idx="minor">
+            <a:schemeClr val="lt1"/>
+          </a:fontRef>
+        </p:style>
+        <p:txBody>
+          <a:bodyPr rtlCol="0" anchor="ctr"/>
+          <a:lstStyle/>
+          <a:p>
+            <a:pPr algn="ctr"/>
+            <a:endParaRPr kumimoji="1" lang="ja-JP" altLang="en-US"/>
+          </a:p>
+        </p:txBody>
+      </p:sp>
+      <p:sp>
+        <p:nvSpPr>
+          <p:cNvPr id="4" name="テキスト ボックス 3">
+            <a:extLst>
+              <a:ext uri="{FF2B5EF4-FFF2-40B4-BE49-F238E27FC236}">
+                <a16:creationId xmlns:a16="http://schemas.microsoft.com/office/drawing/2014/main" xmlns="" id="{DFB450F8-0455-429B-B3E1-4AC9EECC068E}"/>
+              </a:ext>
+            </a:extLst>
+          </p:cNvPr>
+          <p:cNvSpPr txBox="1"/>
+          <p:nvPr/>
+        </p:nvSpPr>
+        <p:spPr>
+          <a:xfrm>
+            <a:off x="1309879" y="244860"/>
+            <a:ext cx="1107996" cy="369332"/>
+          </a:xfrm>
+          <a:prstGeom prst="rect">
+            <a:avLst/>
+          </a:prstGeom>
+          <a:noFill/>
+        </p:spPr>
+        <p:txBody>
+          <a:bodyPr wrap="none" rtlCol="0">
+            <a:spAutoFit/>
+          </a:bodyPr>
+          <a:lstStyle/>
+          <a:p>
+            <a:r>
+              <a:rPr lang="ja-JP" altLang="en-US" dirty="0"/>
+              <a:t>作</a:t>
+            </a:r>
+            <a:r>
+              <a:rPr lang="ja-JP" altLang="en-US" dirty="0" smtClean="0"/>
+              <a:t>品名</a:t>
+            </a:r>
+            <a:r>
+              <a:rPr lang="ja-JP" altLang="en-US" dirty="0"/>
+              <a:t>Ａ</a:t>
+            </a:r>
+            <a:endParaRPr kumimoji="1" lang="ja-JP" altLang="en-US" dirty="0"/>
+          </a:p>
+        </p:txBody>
+      </p:sp>
+      <p:grpSp>
+        <p:nvGrpSpPr>
+          <p:cNvPr id="7" name="グループ化 6">
+            <a:extLst>
+              <a:ext uri="{FF2B5EF4-FFF2-40B4-BE49-F238E27FC236}">
+                <a16:creationId xmlns:a16="http://schemas.microsoft.com/office/drawing/2014/main" xmlns="" id="{8CD80B96-2D43-4BB9-B1D2-FD11378EB42C}"/>
+              </a:ext>
+            </a:extLst>
+          </p:cNvPr>
+          <p:cNvGrpSpPr/>
+          <p:nvPr/>
+        </p:nvGrpSpPr>
+        <p:grpSpPr>
+          <a:xfrm>
+            <a:off x="10671805" y="265433"/>
+            <a:ext cx="317978" cy="292473"/>
+            <a:chOff x="10900096" y="234890"/>
+            <a:chExt cx="335559" cy="366916"/>
+          </a:xfrm>
+        </p:grpSpPr>
+        <p:sp>
+          <p:nvSpPr>
+            <p:cNvPr id="5" name="矢印: 下 4">
+              <a:extLst>
+                <a:ext uri="{FF2B5EF4-FFF2-40B4-BE49-F238E27FC236}">
+                  <a16:creationId xmlns:a16="http://schemas.microsoft.com/office/drawing/2014/main" xmlns="" id="{9BD95318-3059-436C-B100-6459E9377D7A}"/>
+                </a:ext>
+              </a:extLst>
+            </p:cNvPr>
+            <p:cNvSpPr/>
+            <p:nvPr/>
+          </p:nvSpPr>
+          <p:spPr>
+            <a:xfrm>
+              <a:off x="10950430" y="234890"/>
+              <a:ext cx="234892" cy="285226"/>
+            </a:xfrm>
+            <a:prstGeom prst="downArrow">
+              <a:avLst/>
+            </a:prstGeom>
+          </p:spPr>
+          <p:style>
+            <a:lnRef idx="2">
+              <a:schemeClr val="accent1">
+                <a:shade val="50000"/>
+              </a:schemeClr>
+            </a:lnRef>
+            <a:fillRef idx="1">
+              <a:schemeClr val="accent1"/>
+            </a:fillRef>
+            <a:effectRef idx="0">
+              <a:schemeClr val="accent1"/>
+            </a:effectRef>
+            <a:fontRef idx="minor">
+              <a:schemeClr val="lt1"/>
+            </a:fontRef>
+          </p:style>
+          <p:txBody>
+            <a:bodyPr rtlCol="0" anchor="ctr"/>
+            <a:lstStyle/>
+            <a:p>
+              <a:pPr algn="ctr"/>
+              <a:endParaRPr kumimoji="1" lang="ja-JP" altLang="en-US"/>
+            </a:p>
+          </p:txBody>
+        </p:sp>
+        <p:sp>
+          <p:nvSpPr>
+            <p:cNvPr id="6" name="正方形/長方形 5">
+              <a:extLst>
+                <a:ext uri="{FF2B5EF4-FFF2-40B4-BE49-F238E27FC236}">
+                  <a16:creationId xmlns:a16="http://schemas.microsoft.com/office/drawing/2014/main" xmlns="" id="{4CD399A3-8081-49CC-AE92-355154BC649A}"/>
+                </a:ext>
+              </a:extLst>
+            </p:cNvPr>
+            <p:cNvSpPr/>
+            <p:nvPr/>
+          </p:nvSpPr>
+          <p:spPr>
+            <a:xfrm>
+              <a:off x="10900096" y="556087"/>
+              <a:ext cx="335559" cy="45719"/>
+            </a:xfrm>
+            <a:prstGeom prst="rect">
+              <a:avLst/>
+            </a:prstGeom>
+          </p:spPr>
+          <p:style>
+            <a:lnRef idx="2">
+              <a:schemeClr val="accent1">
+                <a:shade val="50000"/>
+              </a:schemeClr>
+            </a:lnRef>
+            <a:fillRef idx="1">
+              <a:schemeClr val="accent1"/>
+            </a:fillRef>
+            <a:effectRef idx="0">
+              <a:schemeClr val="accent1"/>
+            </a:effectRef>
+            <a:fontRef idx="minor">
+              <a:schemeClr val="lt1"/>
+            </a:fontRef>
+          </p:style>
+          <p:txBody>
+            <a:bodyPr rtlCol="0" anchor="ctr"/>
+            <a:lstStyle/>
+            <a:p>
+              <a:pPr algn="ctr"/>
+              <a:endParaRPr kumimoji="1" lang="ja-JP" altLang="en-US"/>
+            </a:p>
+          </p:txBody>
+        </p:sp>
+      </p:grpSp>
+      <p:pic>
+        <p:nvPicPr>
+          <p:cNvPr id="9" name="グラフィックス 8" descr="歯車 1 つ 単色塗りつぶし">
+            <a:extLst>
+              <a:ext uri="{FF2B5EF4-FFF2-40B4-BE49-F238E27FC236}">
+                <a16:creationId xmlns:a16="http://schemas.microsoft.com/office/drawing/2014/main" xmlns="" id="{4011A9EF-5FD7-475A-BDE9-B57AA83B9FFA}"/>
+              </a:ext>
+            </a:extLst>
+          </p:cNvPr>
+          <p:cNvPicPr>
+            <a:picLocks noChangeAspect="1"/>
+          </p:cNvPicPr>
+          <p:nvPr/>
+        </p:nvPicPr>
+        <p:blipFill>
+          <a:blip r:embed="rId2" cstate="print">
+            <a:extLst>
+              <a:ext uri="{28A0092B-C50C-407E-A947-70E740481C1C}">
+                <a14:useLocalDpi xmlns:a14="http://schemas.microsoft.com/office/drawing/2010/main" val="0"/>
+              </a:ext>
+              <a:ext uri="{96DAC541-7B7A-43D3-8B79-37D633B846F1}">
+                <asvg:svgBlip xmlns:asvg="http://schemas.microsoft.com/office/drawing/2016/SVG/main" xmlns="" r:embed="rId3"/>
+              </a:ext>
+            </a:extLst>
+          </a:blip>
+          <a:stretch>
+            <a:fillRect/>
+          </a:stretch>
+        </p:blipFill>
+        <p:spPr>
+          <a:xfrm>
+            <a:off x="11228231" y="181709"/>
+            <a:ext cx="478242" cy="439076"/>
+          </a:xfrm>
+          <a:prstGeom prst="rect">
+            <a:avLst/>
+          </a:prstGeom>
+        </p:spPr>
+      </p:pic>
+      <p:sp>
+        <p:nvSpPr>
+          <p:cNvPr id="11" name="正方形/長方形 10">
+            <a:extLst>
+              <a:ext uri="{FF2B5EF4-FFF2-40B4-BE49-F238E27FC236}">
+                <a16:creationId xmlns:a16="http://schemas.microsoft.com/office/drawing/2014/main" xmlns="" id="{079D639A-9AFF-4A49-A891-75D10BB4398E}"/>
+              </a:ext>
+            </a:extLst>
+          </p:cNvPr>
+          <p:cNvSpPr/>
+          <p:nvPr/>
+        </p:nvSpPr>
+        <p:spPr>
+          <a:xfrm>
+            <a:off x="1775129" y="722020"/>
+            <a:ext cx="8641739" cy="4421784"/>
+          </a:xfrm>
+          <a:prstGeom prst="rect">
+            <a:avLst/>
+          </a:prstGeom>
+          <a:solidFill>
+            <a:schemeClr val="bg2"/>
+          </a:solidFill>
+          <a:ln>
+            <a:solidFill>
+              <a:schemeClr val="bg2">
+                <a:lumMod val="90000"/>
+              </a:schemeClr>
+            </a:solidFill>
+          </a:ln>
+        </p:spPr>
+        <p:style>
+          <a:lnRef idx="2">
+            <a:schemeClr val="accent1">
+              <a:shade val="50000"/>
+            </a:schemeClr>
+          </a:lnRef>
+          <a:fillRef idx="1">
+            <a:schemeClr val="accent1"/>
+          </a:fillRef>
+          <a:effectRef idx="0">
+            <a:schemeClr val="accent1"/>
+          </a:effectRef>
+          <a:fontRef idx="minor">
+            <a:schemeClr val="lt1"/>
+          </a:fontRef>
+        </p:style>
+        <p:txBody>
+          <a:bodyPr rtlCol="0" anchor="ctr"/>
+          <a:lstStyle/>
+          <a:p>
+            <a:pPr algn="ctr"/>
+            <a:endParaRPr kumimoji="1" lang="ja-JP" altLang="en-US"/>
+          </a:p>
+        </p:txBody>
+      </p:sp>
+      <p:sp>
+        <p:nvSpPr>
+          <p:cNvPr id="12" name="四角形: 角を丸くする 11">
+            <a:extLst>
+              <a:ext uri="{FF2B5EF4-FFF2-40B4-BE49-F238E27FC236}">
+                <a16:creationId xmlns:a16="http://schemas.microsoft.com/office/drawing/2014/main" xmlns="" id="{896E90D1-D4DA-4933-BAEE-9503445377A0}"/>
+              </a:ext>
+            </a:extLst>
+          </p:cNvPr>
+          <p:cNvSpPr/>
+          <p:nvPr/>
+        </p:nvSpPr>
+        <p:spPr>
+          <a:xfrm>
+            <a:off x="71507" y="746620"/>
+            <a:ext cx="1686173" cy="453005"/>
+          </a:xfrm>
+          <a:prstGeom prst="roundRect">
+            <a:avLst/>
+          </a:prstGeom>
+          <a:solidFill>
+            <a:schemeClr val="bg1"/>
+          </a:solidFill>
+          <a:ln>
+            <a:solidFill>
+              <a:schemeClr val="accent1">
+                <a:lumMod val="75000"/>
+              </a:schemeClr>
+            </a:solidFill>
+          </a:ln>
+        </p:spPr>
+        <p:style>
+          <a:lnRef idx="2">
+            <a:schemeClr val="accent1">
+              <a:shade val="50000"/>
+            </a:schemeClr>
+          </a:lnRef>
+          <a:fillRef idx="1">
+            <a:schemeClr val="accent1"/>
+          </a:fillRef>
+          <a:effectRef idx="0">
+            <a:schemeClr val="accent1"/>
+          </a:effectRef>
+          <a:fontRef idx="minor">
+            <a:schemeClr val="lt1"/>
+          </a:fontRef>
+        </p:style>
+        <p:txBody>
+          <a:bodyPr rtlCol="0" anchor="ctr"/>
+          <a:lstStyle/>
+          <a:p>
+            <a:r>
+              <a:rPr lang="ja-JP" altLang="en-US" sz="1200" dirty="0">
+                <a:solidFill>
+                  <a:schemeClr val="tx1"/>
+                </a:solidFill>
+              </a:rPr>
+              <a:t>機動戦士ガンダム</a:t>
+            </a:r>
+            <a:endParaRPr kumimoji="1" lang="ja-JP" altLang="en-US" sz="1200" dirty="0">
+              <a:solidFill>
+                <a:schemeClr val="tx1"/>
+              </a:solidFill>
+            </a:endParaRPr>
+          </a:p>
+        </p:txBody>
+      </p:sp>
+      <p:sp>
+        <p:nvSpPr>
+          <p:cNvPr id="13" name="四角形: 角を丸くする 12">
+            <a:extLst>
+              <a:ext uri="{FF2B5EF4-FFF2-40B4-BE49-F238E27FC236}">
+                <a16:creationId xmlns:a16="http://schemas.microsoft.com/office/drawing/2014/main" xmlns="" id="{E65E05EC-77C4-4762-A1DF-B8647D5DBA7C}"/>
+              </a:ext>
+            </a:extLst>
+          </p:cNvPr>
+          <p:cNvSpPr/>
+          <p:nvPr/>
+        </p:nvSpPr>
+        <p:spPr>
+          <a:xfrm>
+            <a:off x="71507" y="1217800"/>
+            <a:ext cx="1686173" cy="453005"/>
+          </a:xfrm>
+          <a:prstGeom prst="roundRect">
+            <a:avLst/>
+          </a:prstGeom>
+          <a:solidFill>
+            <a:schemeClr val="bg1"/>
+          </a:solidFill>
+          <a:ln>
+            <a:solidFill>
+              <a:schemeClr val="bg1"/>
+            </a:solidFill>
+          </a:ln>
+        </p:spPr>
+        <p:style>
+          <a:lnRef idx="2">
+            <a:schemeClr val="accent1">
+              <a:shade val="50000"/>
+            </a:schemeClr>
+          </a:lnRef>
+          <a:fillRef idx="1">
+            <a:schemeClr val="accent1"/>
+          </a:fillRef>
+          <a:effectRef idx="0">
+            <a:schemeClr val="accent1"/>
+          </a:effectRef>
+          <a:fontRef idx="minor">
+            <a:schemeClr val="lt1"/>
+          </a:fontRef>
+        </p:style>
+        <p:txBody>
+          <a:bodyPr rtlCol="0" anchor="ctr"/>
+          <a:lstStyle/>
+          <a:p>
+            <a:r>
+              <a:rPr kumimoji="1" lang="ja-JP" altLang="en-US" sz="1200" dirty="0" smtClean="0">
+                <a:solidFill>
+                  <a:schemeClr val="tx1"/>
+                </a:solidFill>
+              </a:rPr>
+              <a:t>機動戦士ガンダム</a:t>
+            </a:r>
+            <a:r>
+              <a:rPr kumimoji="1" lang="en-US" altLang="ja-JP" sz="1200" dirty="0" smtClean="0">
+                <a:solidFill>
+                  <a:schemeClr val="tx1"/>
+                </a:solidFill>
+              </a:rPr>
+              <a:t>Z</a:t>
+            </a:r>
+            <a:endParaRPr kumimoji="1" lang="ja-JP" altLang="en-US" sz="1200" dirty="0">
+              <a:solidFill>
+                <a:schemeClr val="tx1"/>
+              </a:solidFill>
+            </a:endParaRPr>
+          </a:p>
+        </p:txBody>
+      </p:sp>
+      <p:sp>
+        <p:nvSpPr>
+          <p:cNvPr id="14" name="四角形: 角を丸くする 13">
+            <a:extLst>
+              <a:ext uri="{FF2B5EF4-FFF2-40B4-BE49-F238E27FC236}">
+                <a16:creationId xmlns:a16="http://schemas.microsoft.com/office/drawing/2014/main" xmlns="" id="{2F20CCE0-4081-4F65-AA8D-330C1D9F59D9}"/>
+              </a:ext>
+            </a:extLst>
+          </p:cNvPr>
+          <p:cNvSpPr/>
+          <p:nvPr/>
+        </p:nvSpPr>
+        <p:spPr>
+          <a:xfrm>
+            <a:off x="71506" y="1688980"/>
+            <a:ext cx="1686174" cy="453005"/>
+          </a:xfrm>
+          <a:prstGeom prst="roundRect">
+            <a:avLst/>
+          </a:prstGeom>
+          <a:solidFill>
+            <a:schemeClr val="bg1"/>
+          </a:solidFill>
+          <a:ln>
+            <a:solidFill>
+              <a:schemeClr val="bg1"/>
+            </a:solidFill>
+          </a:ln>
+        </p:spPr>
+        <p:style>
+          <a:lnRef idx="2">
+            <a:schemeClr val="accent1">
+              <a:shade val="50000"/>
+            </a:schemeClr>
+          </a:lnRef>
+          <a:fillRef idx="1">
+            <a:schemeClr val="accent1"/>
+          </a:fillRef>
+          <a:effectRef idx="0">
+            <a:schemeClr val="accent1"/>
+          </a:effectRef>
+          <a:fontRef idx="minor">
+            <a:schemeClr val="lt1"/>
+          </a:fontRef>
+        </p:style>
+        <p:txBody>
+          <a:bodyPr rtlCol="0" anchor="ctr"/>
+          <a:lstStyle/>
+          <a:p>
+            <a:r>
+              <a:rPr lang="ja-JP" altLang="en-US" sz="1200" dirty="0">
+                <a:solidFill>
+                  <a:schemeClr val="tx1"/>
+                </a:solidFill>
+              </a:rPr>
+              <a:t>機動戦士</a:t>
+            </a:r>
+            <a:r>
+              <a:rPr lang="ja-JP" altLang="en-US" sz="1200" dirty="0" smtClean="0">
+                <a:solidFill>
+                  <a:schemeClr val="tx1"/>
+                </a:solidFill>
+              </a:rPr>
+              <a:t>ガンダム</a:t>
+            </a:r>
+            <a:r>
+              <a:rPr lang="en-US" altLang="ja-JP" sz="1200" dirty="0" smtClean="0">
+                <a:solidFill>
+                  <a:schemeClr val="tx1"/>
+                </a:solidFill>
+              </a:rPr>
+              <a:t>ZZ</a:t>
+            </a:r>
+            <a:endParaRPr kumimoji="1" lang="ja-JP" altLang="en-US" sz="1200" dirty="0">
+              <a:solidFill>
+                <a:schemeClr val="tx1"/>
+              </a:solidFill>
+            </a:endParaRPr>
+          </a:p>
+        </p:txBody>
+      </p:sp>
+      <p:sp>
+        <p:nvSpPr>
+          <p:cNvPr id="20" name="正方形/長方形 19">
+            <a:extLst>
+              <a:ext uri="{FF2B5EF4-FFF2-40B4-BE49-F238E27FC236}">
+                <a16:creationId xmlns:a16="http://schemas.microsoft.com/office/drawing/2014/main" xmlns="" id="{3F4BE692-C5BF-4C38-B52D-B2F2CE1D082F}"/>
+              </a:ext>
+            </a:extLst>
+          </p:cNvPr>
+          <p:cNvSpPr/>
+          <p:nvPr/>
+        </p:nvSpPr>
+        <p:spPr>
+          <a:xfrm>
+            <a:off x="8830781" y="5126199"/>
+            <a:ext cx="3080296" cy="988741"/>
+          </a:xfrm>
+          <a:prstGeom prst="rect">
+            <a:avLst/>
+          </a:prstGeom>
+          <a:solidFill>
+            <a:schemeClr val="bg1"/>
+          </a:solidFill>
+          <a:ln>
+            <a:solidFill>
+              <a:schemeClr val="tx1"/>
+            </a:solidFill>
+          </a:ln>
+        </p:spPr>
+        <p:style>
+          <a:lnRef idx="2">
+            <a:schemeClr val="accent1">
+              <a:shade val="50000"/>
+            </a:schemeClr>
+          </a:lnRef>
+          <a:fillRef idx="1">
+            <a:schemeClr val="accent1"/>
+          </a:fillRef>
+          <a:effectRef idx="0">
+            <a:schemeClr val="accent1"/>
+          </a:effectRef>
+          <a:fontRef idx="minor">
+            <a:schemeClr val="lt1"/>
+          </a:fontRef>
+        </p:style>
+        <p:txBody>
+          <a:bodyPr rtlCol="0" anchor="ctr"/>
+          <a:lstStyle/>
+          <a:p>
+            <a:pPr algn="ctr"/>
+            <a:endParaRPr kumimoji="1" lang="ja-JP" altLang="en-US"/>
+          </a:p>
+        </p:txBody>
+      </p:sp>
+      <p:sp>
+        <p:nvSpPr>
+          <p:cNvPr id="21" name="四角形: 角を丸くする 20">
+            <a:extLst>
+              <a:ext uri="{FF2B5EF4-FFF2-40B4-BE49-F238E27FC236}">
+                <a16:creationId xmlns:a16="http://schemas.microsoft.com/office/drawing/2014/main" xmlns="" id="{F7694BF0-D6DF-40B8-9152-8511262862F2}"/>
+              </a:ext>
+            </a:extLst>
+          </p:cNvPr>
+          <p:cNvSpPr/>
+          <p:nvPr/>
+        </p:nvSpPr>
+        <p:spPr>
+          <a:xfrm>
+            <a:off x="8347933" y="278933"/>
+            <a:ext cx="881906" cy="269766"/>
+          </a:xfrm>
+          <a:prstGeom prst="roundRect">
+            <a:avLst/>
+          </a:prstGeom>
+        </p:spPr>
+        <p:style>
+          <a:lnRef idx="2">
+            <a:schemeClr val="accent1">
+              <a:shade val="50000"/>
+            </a:schemeClr>
+          </a:lnRef>
+          <a:fillRef idx="1">
+            <a:schemeClr val="accent1"/>
+          </a:fillRef>
+          <a:effectRef idx="0">
+            <a:schemeClr val="accent1"/>
+          </a:effectRef>
+          <a:fontRef idx="minor">
+            <a:schemeClr val="lt1"/>
+          </a:fontRef>
+        </p:style>
+        <p:txBody>
+          <a:bodyPr rtlCol="0" anchor="ctr"/>
+          <a:lstStyle/>
+          <a:p>
+            <a:pPr algn="ctr"/>
+            <a:r>
+              <a:rPr lang="en-US" altLang="ja-JP" dirty="0"/>
+              <a:t>Actor</a:t>
+            </a:r>
+            <a:endParaRPr kumimoji="1" lang="ja-JP" altLang="en-US" dirty="0"/>
+          </a:p>
+        </p:txBody>
+      </p:sp>
+      <p:sp>
+        <p:nvSpPr>
+          <p:cNvPr id="22" name="四角形: 角を丸くする 21">
+            <a:extLst>
+              <a:ext uri="{FF2B5EF4-FFF2-40B4-BE49-F238E27FC236}">
+                <a16:creationId xmlns:a16="http://schemas.microsoft.com/office/drawing/2014/main" xmlns="" id="{FE5B157B-2489-4BB3-97BD-B82EC04A9149}"/>
+              </a:ext>
+            </a:extLst>
+          </p:cNvPr>
+          <p:cNvSpPr/>
+          <p:nvPr/>
+        </p:nvSpPr>
+        <p:spPr>
+          <a:xfrm>
+            <a:off x="9423615" y="272018"/>
+            <a:ext cx="942306" cy="273852"/>
+          </a:xfrm>
+          <a:prstGeom prst="roundRect">
+            <a:avLst/>
+          </a:prstGeom>
+          <a:solidFill>
+            <a:schemeClr val="accent6"/>
+          </a:solidFill>
+          <a:ln>
+            <a:solidFill>
+              <a:schemeClr val="accent6">
+                <a:lumMod val="75000"/>
+              </a:schemeClr>
+            </a:solidFill>
+          </a:ln>
+        </p:spPr>
+        <p:style>
+          <a:lnRef idx="2">
+            <a:schemeClr val="accent1">
+              <a:shade val="50000"/>
+            </a:schemeClr>
+          </a:lnRef>
+          <a:fillRef idx="1">
+            <a:schemeClr val="accent1"/>
+          </a:fillRef>
+          <a:effectRef idx="0">
+            <a:schemeClr val="accent1"/>
+          </a:effectRef>
+          <a:fontRef idx="minor">
+            <a:schemeClr val="lt1"/>
+          </a:fontRef>
+        </p:style>
+        <p:txBody>
+          <a:bodyPr rtlCol="0" anchor="ctr"/>
+          <a:lstStyle/>
+          <a:p>
+            <a:pPr algn="ctr"/>
+            <a:r>
+              <a:rPr kumimoji="1" lang="en-US" altLang="ja-JP" dirty="0"/>
+              <a:t>Line</a:t>
+            </a:r>
+            <a:endParaRPr kumimoji="1" lang="ja-JP" altLang="en-US" dirty="0"/>
+          </a:p>
+        </p:txBody>
+      </p:sp>
+      <p:sp>
+        <p:nvSpPr>
+          <p:cNvPr id="33" name="四角形: 角を丸くする 32">
+            <a:extLst>
+              <a:ext uri="{FF2B5EF4-FFF2-40B4-BE49-F238E27FC236}">
+                <a16:creationId xmlns:a16="http://schemas.microsoft.com/office/drawing/2014/main" xmlns="" id="{09B24E2D-E00C-44CF-A943-BA5F37AA7768}"/>
+              </a:ext>
+            </a:extLst>
+          </p:cNvPr>
+          <p:cNvSpPr/>
+          <p:nvPr/>
+        </p:nvSpPr>
+        <p:spPr>
+          <a:xfrm>
+            <a:off x="8850368" y="6125503"/>
+            <a:ext cx="758942" cy="521463"/>
+          </a:xfrm>
+          <a:prstGeom prst="roundRect">
+            <a:avLst/>
+          </a:prstGeom>
+          <a:solidFill>
+            <a:schemeClr val="bg1"/>
+          </a:solidFill>
+          <a:ln>
+            <a:noFill/>
+          </a:ln>
+        </p:spPr>
+        <p:style>
+          <a:lnRef idx="2">
+            <a:schemeClr val="accent1">
+              <a:shade val="50000"/>
+            </a:schemeClr>
+          </a:lnRef>
+          <a:fillRef idx="1">
+            <a:schemeClr val="accent1"/>
+          </a:fillRef>
+          <a:effectRef idx="0">
+            <a:schemeClr val="accent1"/>
+          </a:effectRef>
+          <a:fontRef idx="minor">
+            <a:schemeClr val="lt1"/>
+          </a:fontRef>
+        </p:style>
+        <p:txBody>
+          <a:bodyPr rtlCol="0" anchor="ctr"/>
+          <a:lstStyle/>
+          <a:p>
+            <a:pPr algn="ctr"/>
+            <a:r>
+              <a:rPr kumimoji="1" lang="ja-JP" altLang="en-US" sz="1400" dirty="0">
+                <a:solidFill>
+                  <a:schemeClr val="tx1"/>
+                </a:solidFill>
+              </a:rPr>
+              <a:t>人物</a:t>
+            </a:r>
+          </a:p>
+        </p:txBody>
+      </p:sp>
+      <p:sp>
+        <p:nvSpPr>
+          <p:cNvPr id="38" name="四角形: 角を丸くする 37">
+            <a:extLst>
+              <a:ext uri="{FF2B5EF4-FFF2-40B4-BE49-F238E27FC236}">
+                <a16:creationId xmlns:a16="http://schemas.microsoft.com/office/drawing/2014/main" xmlns="" id="{27B37FD0-32AB-4E61-B9E6-1D3D9002C0B2}"/>
+              </a:ext>
+            </a:extLst>
+          </p:cNvPr>
+          <p:cNvSpPr/>
+          <p:nvPr/>
+        </p:nvSpPr>
+        <p:spPr>
+          <a:xfrm>
+            <a:off x="9624551" y="6139432"/>
+            <a:ext cx="758942" cy="503340"/>
+          </a:xfrm>
+          <a:prstGeom prst="roundRect">
+            <a:avLst/>
+          </a:prstGeom>
+          <a:solidFill>
+            <a:schemeClr val="bg1"/>
+          </a:solidFill>
+          <a:ln>
+            <a:solidFill>
+              <a:schemeClr val="bg1"/>
+            </a:solidFill>
+          </a:ln>
+        </p:spPr>
+        <p:style>
+          <a:lnRef idx="2">
+            <a:schemeClr val="accent1">
+              <a:shade val="50000"/>
+            </a:schemeClr>
+          </a:lnRef>
+          <a:fillRef idx="1">
+            <a:schemeClr val="accent1"/>
+          </a:fillRef>
+          <a:effectRef idx="0">
+            <a:schemeClr val="accent1"/>
+          </a:effectRef>
+          <a:fontRef idx="minor">
+            <a:schemeClr val="lt1"/>
+          </a:fontRef>
+        </p:style>
+        <p:txBody>
+          <a:bodyPr rtlCol="0" anchor="ctr"/>
+          <a:lstStyle/>
+          <a:p>
+            <a:pPr algn="ctr"/>
+            <a:r>
+              <a:rPr lang="ja-JP" altLang="en-US" sz="1400" dirty="0">
+                <a:solidFill>
+                  <a:schemeClr val="tx1"/>
+                </a:solidFill>
+              </a:rPr>
+              <a:t>関係</a:t>
+            </a:r>
+            <a:endParaRPr kumimoji="1" lang="ja-JP" altLang="en-US" sz="1400" dirty="0">
+              <a:solidFill>
+                <a:schemeClr val="tx1"/>
+              </a:solidFill>
+            </a:endParaRPr>
+          </a:p>
+        </p:txBody>
+      </p:sp>
+      <p:sp>
+        <p:nvSpPr>
+          <p:cNvPr id="39" name="四角形: 角を丸くする 38">
+            <a:extLst>
+              <a:ext uri="{FF2B5EF4-FFF2-40B4-BE49-F238E27FC236}">
+                <a16:creationId xmlns:a16="http://schemas.microsoft.com/office/drawing/2014/main" xmlns="" id="{17AFF7B3-D7D7-4C8C-AAF4-072A88B3C1C7}"/>
+              </a:ext>
+            </a:extLst>
+          </p:cNvPr>
+          <p:cNvSpPr/>
+          <p:nvPr/>
+        </p:nvSpPr>
+        <p:spPr>
+          <a:xfrm>
+            <a:off x="10349937" y="6136583"/>
+            <a:ext cx="944144" cy="503340"/>
+          </a:xfrm>
+          <a:prstGeom prst="roundRect">
+            <a:avLst/>
+          </a:prstGeom>
+          <a:solidFill>
+            <a:schemeClr val="bg1"/>
+          </a:solidFill>
+          <a:ln>
+            <a:solidFill>
+              <a:schemeClr val="accent1"/>
+            </a:solidFill>
+          </a:ln>
+        </p:spPr>
+        <p:style>
+          <a:lnRef idx="2">
+            <a:schemeClr val="accent1">
+              <a:shade val="50000"/>
+            </a:schemeClr>
+          </a:lnRef>
+          <a:fillRef idx="1">
+            <a:schemeClr val="accent1"/>
+          </a:fillRef>
+          <a:effectRef idx="0">
+            <a:schemeClr val="accent1"/>
+          </a:effectRef>
+          <a:fontRef idx="minor">
+            <a:schemeClr val="lt1"/>
+          </a:fontRef>
+        </p:style>
+        <p:txBody>
+          <a:bodyPr rtlCol="0" anchor="ctr"/>
+          <a:lstStyle/>
+          <a:p>
+            <a:pPr algn="ctr"/>
+            <a:r>
+              <a:rPr lang="ja-JP" altLang="en-US" sz="1400" dirty="0">
+                <a:solidFill>
+                  <a:schemeClr val="tx1"/>
+                </a:solidFill>
+              </a:rPr>
+              <a:t>グループ</a:t>
+            </a:r>
+            <a:endParaRPr kumimoji="1" lang="ja-JP" altLang="en-US" sz="1400" dirty="0">
+              <a:solidFill>
+                <a:schemeClr val="tx1"/>
+              </a:solidFill>
+            </a:endParaRPr>
+          </a:p>
+        </p:txBody>
+      </p:sp>
+      <p:sp>
+        <p:nvSpPr>
+          <p:cNvPr id="43" name="正方形/長方形 42">
+            <a:extLst>
+              <a:ext uri="{FF2B5EF4-FFF2-40B4-BE49-F238E27FC236}">
+                <a16:creationId xmlns:a16="http://schemas.microsoft.com/office/drawing/2014/main" xmlns="" id="{8AA3CD8B-99BE-4E46-9AC2-05386674A02A}"/>
+              </a:ext>
+            </a:extLst>
+          </p:cNvPr>
+          <p:cNvSpPr/>
+          <p:nvPr/>
+        </p:nvSpPr>
+        <p:spPr>
+          <a:xfrm>
+            <a:off x="9238415" y="5610740"/>
+            <a:ext cx="1917376" cy="320996"/>
+          </a:xfrm>
+          <a:prstGeom prst="rect">
+            <a:avLst/>
+          </a:prstGeom>
+          <a:solidFill>
+            <a:schemeClr val="bg1"/>
+          </a:solidFill>
+          <a:ln>
+            <a:solidFill>
+              <a:schemeClr val="tx1"/>
+            </a:solidFill>
+          </a:ln>
+        </p:spPr>
+        <p:style>
+          <a:lnRef idx="2">
+            <a:schemeClr val="accent1">
+              <a:shade val="50000"/>
+            </a:schemeClr>
+          </a:lnRef>
+          <a:fillRef idx="1">
+            <a:schemeClr val="accent1"/>
+          </a:fillRef>
+          <a:effectRef idx="0">
+            <a:schemeClr val="accent1"/>
+          </a:effectRef>
+          <a:fontRef idx="minor">
+            <a:schemeClr val="lt1"/>
+          </a:fontRef>
+        </p:style>
+        <p:txBody>
+          <a:bodyPr rtlCol="0" anchor="ctr"/>
+          <a:lstStyle/>
+          <a:p>
+            <a:r>
+              <a:rPr kumimoji="1" lang="ja-JP" altLang="en-US" dirty="0" smtClean="0">
+                <a:solidFill>
+                  <a:schemeClr val="tx1"/>
+                </a:solidFill>
+              </a:rPr>
+              <a:t>ジオン軍</a:t>
+            </a:r>
+            <a:endParaRPr kumimoji="1" lang="ja-JP" altLang="en-US" dirty="0">
+              <a:solidFill>
+                <a:schemeClr val="tx1"/>
+              </a:solidFill>
+            </a:endParaRPr>
+          </a:p>
+        </p:txBody>
+      </p:sp>
+      <p:sp>
+        <p:nvSpPr>
+          <p:cNvPr id="44" name="正方形/長方形 43">
+            <a:extLst>
+              <a:ext uri="{FF2B5EF4-FFF2-40B4-BE49-F238E27FC236}">
+                <a16:creationId xmlns:a16="http://schemas.microsoft.com/office/drawing/2014/main" xmlns="" id="{C8FD532A-CD26-41CA-AE58-9D67996B4376}"/>
+              </a:ext>
+            </a:extLst>
+          </p:cNvPr>
+          <p:cNvSpPr/>
+          <p:nvPr/>
+        </p:nvSpPr>
+        <p:spPr>
+          <a:xfrm>
+            <a:off x="11174502" y="5608092"/>
+            <a:ext cx="323993" cy="320996"/>
+          </a:xfrm>
+          <a:prstGeom prst="rect">
+            <a:avLst/>
+          </a:prstGeom>
+          <a:solidFill>
+            <a:schemeClr val="bg2"/>
+          </a:solidFill>
+          <a:ln>
+            <a:solidFill>
+              <a:schemeClr val="bg2"/>
+            </a:solidFill>
+          </a:ln>
+        </p:spPr>
+        <p:style>
+          <a:lnRef idx="2">
+            <a:schemeClr val="accent1">
+              <a:shade val="50000"/>
+            </a:schemeClr>
+          </a:lnRef>
+          <a:fillRef idx="1">
+            <a:schemeClr val="accent1"/>
+          </a:fillRef>
+          <a:effectRef idx="0">
+            <a:schemeClr val="accent1"/>
+          </a:effectRef>
+          <a:fontRef idx="minor">
+            <a:schemeClr val="lt1"/>
+          </a:fontRef>
+        </p:style>
+        <p:txBody>
+          <a:bodyPr rtlCol="0" anchor="ctr"/>
+          <a:lstStyle/>
+          <a:p>
+            <a:pPr algn="ctr"/>
+            <a:endParaRPr kumimoji="1" lang="ja-JP" altLang="en-US"/>
+          </a:p>
+        </p:txBody>
+      </p:sp>
+      <p:pic>
+        <p:nvPicPr>
+          <p:cNvPr id="46" name="グラフィックス 45" descr="拡大鏡 単色塗りつぶし">
+            <a:extLst>
+              <a:ext uri="{FF2B5EF4-FFF2-40B4-BE49-F238E27FC236}">
+                <a16:creationId xmlns:a16="http://schemas.microsoft.com/office/drawing/2014/main" xmlns="" id="{D27E0C87-6E4F-4033-B382-536D585F9299}"/>
+              </a:ext>
+            </a:extLst>
+          </p:cNvPr>
+          <p:cNvPicPr>
+            <a:picLocks noChangeAspect="1"/>
+          </p:cNvPicPr>
+          <p:nvPr/>
+        </p:nvPicPr>
+        <p:blipFill>
+          <a:blip r:embed="rId4" cstate="print">
+            <a:extLst>
+              <a:ext uri="{28A0092B-C50C-407E-A947-70E740481C1C}">
+                <a14:useLocalDpi xmlns:a14="http://schemas.microsoft.com/office/drawing/2010/main" val="0"/>
+              </a:ext>
+              <a:ext uri="{96DAC541-7B7A-43D3-8B79-37D633B846F1}">
+                <asvg:svgBlip xmlns:asvg="http://schemas.microsoft.com/office/drawing/2016/SVG/main" xmlns="" r:embed="rId6"/>
+              </a:ext>
+            </a:extLst>
+          </a:blip>
+          <a:stretch>
+            <a:fillRect/>
+          </a:stretch>
+        </p:blipFill>
+        <p:spPr>
+          <a:xfrm>
+            <a:off x="11171061" y="5614304"/>
+            <a:ext cx="323993" cy="313868"/>
+          </a:xfrm>
+          <a:prstGeom prst="rect">
+            <a:avLst/>
+          </a:prstGeom>
+        </p:spPr>
+      </p:pic>
+      <p:sp>
+        <p:nvSpPr>
+          <p:cNvPr id="48" name="テキスト ボックス 47">
+            <a:extLst>
+              <a:ext uri="{FF2B5EF4-FFF2-40B4-BE49-F238E27FC236}">
+                <a16:creationId xmlns:a16="http://schemas.microsoft.com/office/drawing/2014/main" xmlns="" id="{28893D37-253F-499B-AA50-275312219D0D}"/>
+              </a:ext>
+            </a:extLst>
+          </p:cNvPr>
+          <p:cNvSpPr txBox="1"/>
+          <p:nvPr/>
+        </p:nvSpPr>
+        <p:spPr>
+          <a:xfrm>
+            <a:off x="9156973" y="5234027"/>
+            <a:ext cx="595035" cy="338554"/>
+          </a:xfrm>
+          <a:prstGeom prst="rect">
+            <a:avLst/>
+          </a:prstGeom>
+          <a:noFill/>
+        </p:spPr>
+        <p:txBody>
+          <a:bodyPr wrap="none" rtlCol="0">
+            <a:spAutoFit/>
+          </a:bodyPr>
+          <a:lstStyle/>
+          <a:p>
+            <a:r>
+              <a:rPr kumimoji="1" lang="ja-JP" altLang="en-US" sz="1600" dirty="0"/>
+              <a:t>検索</a:t>
+            </a:r>
+          </a:p>
+        </p:txBody>
+      </p:sp>
+      <p:sp>
+        <p:nvSpPr>
+          <p:cNvPr id="49" name="二等辺三角形 48">
+            <a:extLst>
+              <a:ext uri="{FF2B5EF4-FFF2-40B4-BE49-F238E27FC236}">
+                <a16:creationId xmlns:a16="http://schemas.microsoft.com/office/drawing/2014/main" xmlns="" id="{F57DEA4F-068C-4B40-804B-B149D3691092}"/>
+              </a:ext>
+            </a:extLst>
+          </p:cNvPr>
+          <p:cNvSpPr/>
+          <p:nvPr/>
+        </p:nvSpPr>
+        <p:spPr>
+          <a:xfrm rot="10800000">
+            <a:off x="11656339" y="358655"/>
+            <a:ext cx="85194" cy="100578"/>
+          </a:xfrm>
+          <a:prstGeom prst="triangle">
+            <a:avLst/>
+          </a:prstGeom>
+        </p:spPr>
+        <p:style>
+          <a:lnRef idx="2">
+            <a:schemeClr val="accent1">
+              <a:shade val="50000"/>
+            </a:schemeClr>
+          </a:lnRef>
+          <a:fillRef idx="1">
+            <a:schemeClr val="accent1"/>
+          </a:fillRef>
+          <a:effectRef idx="0">
+            <a:schemeClr val="accent1"/>
+          </a:effectRef>
+          <a:fontRef idx="minor">
+            <a:schemeClr val="lt1"/>
+          </a:fontRef>
+        </p:style>
+        <p:txBody>
+          <a:bodyPr rtlCol="0" anchor="ctr"/>
+          <a:lstStyle/>
+          <a:p>
+            <a:pPr algn="ctr"/>
+            <a:endParaRPr kumimoji="1" lang="ja-JP" altLang="en-US"/>
+          </a:p>
+        </p:txBody>
+      </p:sp>
+      <p:sp>
+        <p:nvSpPr>
+          <p:cNvPr id="10" name="円/楕円 9"/>
+          <p:cNvSpPr/>
+          <p:nvPr/>
+        </p:nvSpPr>
+        <p:spPr>
+          <a:xfrm>
+            <a:off x="3896487" y="3728231"/>
+            <a:ext cx="611367" cy="589769"/>
+          </a:xfrm>
+          <a:prstGeom prst="ellipse">
+            <a:avLst/>
+          </a:prstGeom>
+        </p:spPr>
+        <p:style>
+          <a:lnRef idx="2">
+            <a:schemeClr val="accent1">
+              <a:shade val="50000"/>
+            </a:schemeClr>
+          </a:lnRef>
+          <a:fillRef idx="1">
+            <a:schemeClr val="accent1"/>
+          </a:fillRef>
+          <a:effectRef idx="0">
+            <a:schemeClr val="accent1"/>
+          </a:effectRef>
+          <a:fontRef idx="minor">
+            <a:schemeClr val="lt1"/>
+          </a:fontRef>
+        </p:style>
+        <p:txBody>
+          <a:bodyPr rtlCol="0" anchor="ctr"/>
+          <a:lstStyle/>
+          <a:p>
+            <a:pPr algn="ctr"/>
+            <a:endParaRPr kumimoji="1" lang="ja-JP" altLang="en-US"/>
+          </a:p>
+        </p:txBody>
+      </p:sp>
+      <p:sp>
+        <p:nvSpPr>
+          <p:cNvPr id="34" name="円/楕円 33"/>
+          <p:cNvSpPr/>
+          <p:nvPr/>
+        </p:nvSpPr>
+        <p:spPr>
+          <a:xfrm>
+            <a:off x="6371778" y="2506632"/>
+            <a:ext cx="611367" cy="589769"/>
+          </a:xfrm>
+          <a:prstGeom prst="ellipse">
+            <a:avLst/>
+          </a:prstGeom>
+          <a:solidFill>
+            <a:schemeClr val="accent2"/>
+          </a:solidFill>
+          <a:ln>
+            <a:solidFill>
+              <a:schemeClr val="accent2"/>
+            </a:solidFill>
+          </a:ln>
+        </p:spPr>
+        <p:style>
+          <a:lnRef idx="2">
+            <a:schemeClr val="accent1">
+              <a:shade val="50000"/>
+            </a:schemeClr>
+          </a:lnRef>
+          <a:fillRef idx="1">
+            <a:schemeClr val="accent1"/>
+          </a:fillRef>
+          <a:effectRef idx="0">
+            <a:schemeClr val="accent1"/>
+          </a:effectRef>
+          <a:fontRef idx="minor">
+            <a:schemeClr val="lt1"/>
+          </a:fontRef>
+        </p:style>
+        <p:txBody>
+          <a:bodyPr rtlCol="0" anchor="ctr"/>
+          <a:lstStyle/>
+          <a:p>
+            <a:pPr algn="ctr"/>
+            <a:endParaRPr kumimoji="1" lang="ja-JP" altLang="en-US"/>
+          </a:p>
+        </p:txBody>
+      </p:sp>
+      <p:cxnSp>
+        <p:nvCxnSpPr>
+          <p:cNvPr id="23" name="直線矢印コネクタ 22"/>
+          <p:cNvCxnSpPr>
+            <a:stCxn id="10" idx="6"/>
+          </p:cNvCxnSpPr>
+          <p:nvPr/>
+        </p:nvCxnSpPr>
+        <p:spPr>
+          <a:xfrm flipV="1">
+            <a:off x="4507854" y="3040315"/>
+            <a:ext cx="1957880" cy="982800"/>
+          </a:xfrm>
+          <a:prstGeom prst="straightConnector1">
+            <a:avLst/>
+          </a:prstGeom>
+          <a:ln>
+            <a:solidFill>
+              <a:schemeClr val="accent3">
+                <a:lumMod val="50000"/>
+              </a:schemeClr>
+            </a:solidFill>
+            <a:headEnd type="triangle"/>
+            <a:tailEnd type="triangle"/>
+          </a:ln>
+        </p:spPr>
+        <p:style>
+          <a:lnRef idx="1">
+            <a:schemeClr val="accent1"/>
+          </a:lnRef>
+          <a:fillRef idx="0">
+            <a:schemeClr val="accent1"/>
+          </a:fillRef>
+          <a:effectRef idx="0">
+            <a:schemeClr val="accent1"/>
+          </a:effectRef>
+          <a:fontRef idx="minor">
+            <a:schemeClr val="tx1"/>
+          </a:fontRef>
+        </p:style>
+      </p:cxnSp>
+      <p:pic>
+        <p:nvPicPr>
+          <p:cNvPr id="42" name="図 41" descr="アイコン&#10;&#10;自動的に生成された説明">
+            <a:extLst>
+              <a:ext uri="{FF2B5EF4-FFF2-40B4-BE49-F238E27FC236}">
+                <a16:creationId xmlns:a16="http://schemas.microsoft.com/office/drawing/2014/main" xmlns="" id="{FA6DD198-495A-4005-94FB-940B4711546A}"/>
+              </a:ext>
+            </a:extLst>
+          </p:cNvPr>
+          <p:cNvPicPr>
+            <a:picLocks noChangeAspect="1"/>
+          </p:cNvPicPr>
+          <p:nvPr/>
+        </p:nvPicPr>
+        <p:blipFill>
+          <a:blip r:embed="rId7" cstate="print">
+            <a:extLst>
+              <a:ext uri="{28A0092B-C50C-407E-A947-70E740481C1C}">
+                <a14:useLocalDpi xmlns:a14="http://schemas.microsoft.com/office/drawing/2010/main" val="0"/>
+              </a:ext>
+            </a:extLst>
+          </a:blip>
+          <a:stretch>
+            <a:fillRect/>
+          </a:stretch>
+        </p:blipFill>
+        <p:spPr>
+          <a:xfrm>
+            <a:off x="4046448" y="3612876"/>
+            <a:ext cx="311446" cy="300443"/>
+          </a:xfrm>
+          <a:prstGeom prst="rect">
+            <a:avLst/>
+          </a:prstGeom>
+        </p:spPr>
+      </p:pic>
+      <p:pic>
+        <p:nvPicPr>
+          <p:cNvPr id="45" name="図 44" descr="アイコン&#10;&#10;自動的に生成された説明">
+            <a:extLst>
+              <a:ext uri="{FF2B5EF4-FFF2-40B4-BE49-F238E27FC236}">
+                <a16:creationId xmlns:a16="http://schemas.microsoft.com/office/drawing/2014/main" xmlns="" id="{FA6DD198-495A-4005-94FB-940B4711546A}"/>
+              </a:ext>
+            </a:extLst>
+          </p:cNvPr>
+          <p:cNvPicPr>
+            <a:picLocks noChangeAspect="1"/>
+          </p:cNvPicPr>
+          <p:nvPr/>
+        </p:nvPicPr>
+        <p:blipFill>
+          <a:blip r:embed="rId7" cstate="print">
+            <a:extLst>
+              <a:ext uri="{28A0092B-C50C-407E-A947-70E740481C1C}">
+                <a14:useLocalDpi xmlns:a14="http://schemas.microsoft.com/office/drawing/2010/main" val="0"/>
+              </a:ext>
+            </a:extLst>
+          </a:blip>
+          <a:stretch>
+            <a:fillRect/>
+          </a:stretch>
+        </p:blipFill>
+        <p:spPr>
+          <a:xfrm>
+            <a:off x="6521739" y="2367280"/>
+            <a:ext cx="311446" cy="300443"/>
+          </a:xfrm>
+          <a:prstGeom prst="rect">
+            <a:avLst/>
+          </a:prstGeom>
+        </p:spPr>
+      </p:pic>
+      <p:sp>
+        <p:nvSpPr>
+          <p:cNvPr id="27" name="テキスト ボックス 26"/>
+          <p:cNvSpPr txBox="1"/>
+          <p:nvPr/>
+        </p:nvSpPr>
+        <p:spPr>
+          <a:xfrm>
+            <a:off x="3639908" y="4014680"/>
+            <a:ext cx="813079" cy="196089"/>
+          </a:xfrm>
+          <a:prstGeom prst="rect">
+            <a:avLst/>
+          </a:prstGeom>
+          <a:noFill/>
+        </p:spPr>
+        <p:txBody>
+          <a:bodyPr wrap="none" rtlCol="0">
+            <a:spAutoFit/>
+          </a:bodyPr>
+          <a:lstStyle/>
+          <a:p>
+            <a:r>
+              <a:rPr kumimoji="1" lang="ja-JP" altLang="en-US" sz="1200" dirty="0" smtClean="0"/>
+              <a:t>アムロ・レイ</a:t>
+            </a:r>
+            <a:endParaRPr kumimoji="1" lang="ja-JP" altLang="en-US" sz="1200" dirty="0"/>
+          </a:p>
+        </p:txBody>
+      </p:sp>
+      <p:sp>
+        <p:nvSpPr>
+          <p:cNvPr id="47" name="テキスト ボックス 46"/>
+          <p:cNvSpPr txBox="1"/>
+          <p:nvPr/>
+        </p:nvSpPr>
+        <p:spPr>
+          <a:xfrm>
+            <a:off x="6028103" y="2788318"/>
+            <a:ext cx="1067165" cy="185195"/>
+          </a:xfrm>
+          <a:prstGeom prst="rect">
+            <a:avLst/>
+          </a:prstGeom>
+          <a:noFill/>
+        </p:spPr>
+        <p:txBody>
+          <a:bodyPr wrap="none" rtlCol="0">
+            <a:spAutoFit/>
+          </a:bodyPr>
+          <a:lstStyle/>
+          <a:p>
+            <a:r>
+              <a:rPr kumimoji="1" lang="ja-JP" altLang="en-US" sz="1100" dirty="0" smtClean="0"/>
+              <a:t>シャア・アズナブル</a:t>
+            </a:r>
+            <a:endParaRPr kumimoji="1" lang="ja-JP" altLang="en-US" sz="1100" dirty="0"/>
+          </a:p>
+        </p:txBody>
+      </p:sp>
+      <p:sp>
+        <p:nvSpPr>
+          <p:cNvPr id="41" name="円/楕円 40"/>
+          <p:cNvSpPr/>
+          <p:nvPr/>
+        </p:nvSpPr>
+        <p:spPr>
+          <a:xfrm>
+            <a:off x="6972887" y="3836485"/>
+            <a:ext cx="611367" cy="589769"/>
+          </a:xfrm>
+          <a:prstGeom prst="ellipse">
+            <a:avLst/>
+          </a:prstGeom>
+          <a:solidFill>
+            <a:schemeClr val="accent2"/>
+          </a:solidFill>
+          <a:ln>
+            <a:solidFill>
+              <a:schemeClr val="accent2"/>
+            </a:solidFill>
+          </a:ln>
+        </p:spPr>
+        <p:style>
+          <a:lnRef idx="2">
+            <a:schemeClr val="accent1">
+              <a:shade val="50000"/>
+            </a:schemeClr>
+          </a:lnRef>
+          <a:fillRef idx="1">
+            <a:schemeClr val="accent1"/>
+          </a:fillRef>
+          <a:effectRef idx="0">
+            <a:schemeClr val="accent1"/>
+          </a:effectRef>
+          <a:fontRef idx="minor">
+            <a:schemeClr val="lt1"/>
+          </a:fontRef>
+        </p:style>
+        <p:txBody>
+          <a:bodyPr rtlCol="0" anchor="ctr"/>
+          <a:lstStyle/>
+          <a:p>
+            <a:pPr algn="ctr"/>
+            <a:endParaRPr kumimoji="1" lang="ja-JP" altLang="en-US"/>
+          </a:p>
+        </p:txBody>
+      </p:sp>
+      <p:pic>
+        <p:nvPicPr>
+          <p:cNvPr id="50" name="図 49" descr="アイコン&#10;&#10;自動的に生成された説明">
+            <a:extLst>
+              <a:ext uri="{FF2B5EF4-FFF2-40B4-BE49-F238E27FC236}">
+                <a16:creationId xmlns:a16="http://schemas.microsoft.com/office/drawing/2014/main" xmlns="" id="{FA6DD198-495A-4005-94FB-940B4711546A}"/>
+              </a:ext>
+            </a:extLst>
+          </p:cNvPr>
+          <p:cNvPicPr>
+            <a:picLocks noChangeAspect="1"/>
+          </p:cNvPicPr>
+          <p:nvPr/>
+        </p:nvPicPr>
+        <p:blipFill>
+          <a:blip r:embed="rId7" cstate="print">
+            <a:extLst>
+              <a:ext uri="{28A0092B-C50C-407E-A947-70E740481C1C}">
+                <a14:useLocalDpi xmlns:a14="http://schemas.microsoft.com/office/drawing/2010/main" val="0"/>
+              </a:ext>
+            </a:extLst>
+          </a:blip>
+          <a:stretch>
+            <a:fillRect/>
+          </a:stretch>
+        </p:blipFill>
+        <p:spPr>
+          <a:xfrm>
+            <a:off x="7122848" y="3697133"/>
+            <a:ext cx="311446" cy="300443"/>
+          </a:xfrm>
+          <a:prstGeom prst="rect">
+            <a:avLst/>
+          </a:prstGeom>
+        </p:spPr>
+      </p:pic>
+      <p:sp>
+        <p:nvSpPr>
+          <p:cNvPr id="51" name="テキスト ボックス 50"/>
+          <p:cNvSpPr txBox="1"/>
+          <p:nvPr/>
+        </p:nvSpPr>
+        <p:spPr>
+          <a:xfrm>
+            <a:off x="6904108" y="4112724"/>
+            <a:ext cx="748923" cy="261610"/>
+          </a:xfrm>
+          <a:prstGeom prst="rect">
+            <a:avLst/>
+          </a:prstGeom>
+          <a:noFill/>
+        </p:spPr>
+        <p:txBody>
+          <a:bodyPr wrap="none" rtlCol="0">
+            <a:spAutoFit/>
+          </a:bodyPr>
+          <a:lstStyle/>
+          <a:p>
+            <a:r>
+              <a:rPr kumimoji="1" lang="ja-JP" altLang="en-US" sz="1100" dirty="0" smtClean="0"/>
+              <a:t>マ・クベ</a:t>
+            </a:r>
+            <a:endParaRPr kumimoji="1" lang="ja-JP" altLang="en-US" sz="1100" dirty="0"/>
+          </a:p>
+        </p:txBody>
+      </p:sp>
+      <p:sp>
+        <p:nvSpPr>
+          <p:cNvPr id="52" name="円/楕円 51"/>
+          <p:cNvSpPr/>
+          <p:nvPr/>
+        </p:nvSpPr>
+        <p:spPr>
+          <a:xfrm>
+            <a:off x="2361779" y="4210769"/>
+            <a:ext cx="611367" cy="589769"/>
+          </a:xfrm>
+          <a:prstGeom prst="ellipse">
+            <a:avLst/>
+          </a:prstGeom>
+        </p:spPr>
+        <p:style>
+          <a:lnRef idx="2">
+            <a:schemeClr val="accent1">
+              <a:shade val="50000"/>
+            </a:schemeClr>
+          </a:lnRef>
+          <a:fillRef idx="1">
+            <a:schemeClr val="accent1"/>
+          </a:fillRef>
+          <a:effectRef idx="0">
+            <a:schemeClr val="accent1"/>
+          </a:effectRef>
+          <a:fontRef idx="minor">
+            <a:schemeClr val="lt1"/>
+          </a:fontRef>
+        </p:style>
+        <p:txBody>
+          <a:bodyPr rtlCol="0" anchor="ctr"/>
+          <a:lstStyle/>
+          <a:p>
+            <a:pPr algn="ctr"/>
+            <a:endParaRPr kumimoji="1" lang="ja-JP" altLang="en-US"/>
+          </a:p>
+        </p:txBody>
+      </p:sp>
+      <p:pic>
+        <p:nvPicPr>
+          <p:cNvPr id="53" name="図 52" descr="アイコン&#10;&#10;自動的に生成された説明">
+            <a:extLst>
+              <a:ext uri="{FF2B5EF4-FFF2-40B4-BE49-F238E27FC236}">
+                <a16:creationId xmlns:a16="http://schemas.microsoft.com/office/drawing/2014/main" xmlns="" id="{FA6DD198-495A-4005-94FB-940B4711546A}"/>
+              </a:ext>
+            </a:extLst>
+          </p:cNvPr>
+          <p:cNvPicPr>
+            <a:picLocks noChangeAspect="1"/>
+          </p:cNvPicPr>
+          <p:nvPr/>
+        </p:nvPicPr>
+        <p:blipFill>
+          <a:blip r:embed="rId7" cstate="print">
+            <a:extLst>
+              <a:ext uri="{28A0092B-C50C-407E-A947-70E740481C1C}">
+                <a14:useLocalDpi xmlns:a14="http://schemas.microsoft.com/office/drawing/2010/main" val="0"/>
+              </a:ext>
+            </a:extLst>
+          </a:blip>
+          <a:stretch>
+            <a:fillRect/>
+          </a:stretch>
+        </p:blipFill>
+        <p:spPr>
+          <a:xfrm>
+            <a:off x="2511740" y="4095414"/>
+            <a:ext cx="311446" cy="300443"/>
+          </a:xfrm>
+          <a:prstGeom prst="rect">
+            <a:avLst/>
+          </a:prstGeom>
+        </p:spPr>
+      </p:pic>
+      <p:sp>
+        <p:nvSpPr>
+          <p:cNvPr id="54" name="テキスト ボックス 53"/>
+          <p:cNvSpPr txBox="1"/>
+          <p:nvPr/>
+        </p:nvSpPr>
+        <p:spPr>
+          <a:xfrm>
+            <a:off x="2105200" y="4497218"/>
+            <a:ext cx="1261884" cy="276999"/>
+          </a:xfrm>
+          <a:prstGeom prst="rect">
+            <a:avLst/>
+          </a:prstGeom>
+          <a:noFill/>
+        </p:spPr>
+        <p:txBody>
+          <a:bodyPr wrap="none" rtlCol="0">
+            <a:spAutoFit/>
+          </a:bodyPr>
+          <a:lstStyle/>
+          <a:p>
+            <a:r>
+              <a:rPr kumimoji="1" lang="ja-JP" altLang="en-US" sz="1200" dirty="0" smtClean="0"/>
+              <a:t>ブライト・ノア</a:t>
+            </a:r>
+            <a:endParaRPr kumimoji="1" lang="ja-JP" altLang="en-US" sz="1200" dirty="0"/>
+          </a:p>
+        </p:txBody>
+      </p:sp>
+      <p:cxnSp>
+        <p:nvCxnSpPr>
+          <p:cNvPr id="55" name="直線矢印コネクタ 54"/>
+          <p:cNvCxnSpPr>
+            <a:stCxn id="52" idx="6"/>
+            <a:endCxn id="10" idx="3"/>
+          </p:cNvCxnSpPr>
+          <p:nvPr/>
+        </p:nvCxnSpPr>
+        <p:spPr>
+          <a:xfrm flipV="1">
+            <a:off x="2973146" y="4231630"/>
+            <a:ext cx="1012874" cy="274024"/>
+          </a:xfrm>
+          <a:prstGeom prst="straightConnector1">
+            <a:avLst/>
+          </a:prstGeom>
+          <a:ln>
+            <a:solidFill>
+              <a:schemeClr val="accent3">
+                <a:lumMod val="50000"/>
+              </a:schemeClr>
+            </a:solidFill>
+            <a:headEnd type="triangle"/>
+            <a:tailEnd type="triangle"/>
+          </a:ln>
+        </p:spPr>
+        <p:style>
+          <a:lnRef idx="1">
+            <a:schemeClr val="accent1"/>
+          </a:lnRef>
+          <a:fillRef idx="0">
+            <a:schemeClr val="accent1"/>
+          </a:fillRef>
+          <a:effectRef idx="0">
+            <a:schemeClr val="accent1"/>
+          </a:effectRef>
+          <a:fontRef idx="minor">
+            <a:schemeClr val="tx1"/>
+          </a:fontRef>
+        </p:style>
+      </p:cxnSp>
+      <p:sp>
+        <p:nvSpPr>
+          <p:cNvPr id="56" name="円/楕円 55"/>
+          <p:cNvSpPr/>
+          <p:nvPr/>
+        </p:nvSpPr>
+        <p:spPr>
+          <a:xfrm>
+            <a:off x="8163348" y="2932199"/>
+            <a:ext cx="611367" cy="589769"/>
+          </a:xfrm>
+          <a:prstGeom prst="ellipse">
+            <a:avLst/>
+          </a:prstGeom>
+          <a:solidFill>
+            <a:schemeClr val="accent2"/>
+          </a:solidFill>
+          <a:ln>
+            <a:solidFill>
+              <a:schemeClr val="accent2"/>
+            </a:solidFill>
+          </a:ln>
+        </p:spPr>
+        <p:style>
+          <a:lnRef idx="2">
+            <a:schemeClr val="accent1">
+              <a:shade val="50000"/>
+            </a:schemeClr>
+          </a:lnRef>
+          <a:fillRef idx="1">
+            <a:schemeClr val="accent1"/>
+          </a:fillRef>
+          <a:effectRef idx="0">
+            <a:schemeClr val="accent1"/>
+          </a:effectRef>
+          <a:fontRef idx="minor">
+            <a:schemeClr val="lt1"/>
+          </a:fontRef>
+        </p:style>
+        <p:txBody>
+          <a:bodyPr rtlCol="0" anchor="ctr"/>
+          <a:lstStyle/>
+          <a:p>
+            <a:pPr algn="ctr"/>
+            <a:endParaRPr kumimoji="1" lang="ja-JP" altLang="en-US"/>
+          </a:p>
+        </p:txBody>
+      </p:sp>
+      <p:pic>
+        <p:nvPicPr>
+          <p:cNvPr id="57" name="図 56" descr="アイコン&#10;&#10;自動的に生成された説明">
+            <a:extLst>
+              <a:ext uri="{FF2B5EF4-FFF2-40B4-BE49-F238E27FC236}">
+                <a16:creationId xmlns:a16="http://schemas.microsoft.com/office/drawing/2014/main" xmlns="" id="{FA6DD198-495A-4005-94FB-940B4711546A}"/>
+              </a:ext>
+            </a:extLst>
+          </p:cNvPr>
+          <p:cNvPicPr>
+            <a:picLocks noChangeAspect="1"/>
+          </p:cNvPicPr>
+          <p:nvPr/>
+        </p:nvPicPr>
+        <p:blipFill>
+          <a:blip r:embed="rId7" cstate="print">
+            <a:extLst>
+              <a:ext uri="{28A0092B-C50C-407E-A947-70E740481C1C}">
+                <a14:useLocalDpi xmlns:a14="http://schemas.microsoft.com/office/drawing/2010/main" val="0"/>
+              </a:ext>
+            </a:extLst>
+          </a:blip>
+          <a:stretch>
+            <a:fillRect/>
+          </a:stretch>
+        </p:blipFill>
+        <p:spPr>
+          <a:xfrm>
+            <a:off x="8313309" y="2792847"/>
+            <a:ext cx="311446" cy="300443"/>
+          </a:xfrm>
+          <a:prstGeom prst="rect">
+            <a:avLst/>
+          </a:prstGeom>
+        </p:spPr>
+      </p:pic>
+      <p:sp>
+        <p:nvSpPr>
+          <p:cNvPr id="58" name="テキスト ボックス 57"/>
+          <p:cNvSpPr txBox="1"/>
+          <p:nvPr/>
+        </p:nvSpPr>
+        <p:spPr>
+          <a:xfrm>
+            <a:off x="8149735" y="3176824"/>
+            <a:ext cx="607859" cy="261610"/>
+          </a:xfrm>
+          <a:prstGeom prst="rect">
+            <a:avLst/>
+          </a:prstGeom>
+          <a:noFill/>
+        </p:spPr>
+        <p:txBody>
+          <a:bodyPr wrap="none" rtlCol="0">
+            <a:spAutoFit/>
+          </a:bodyPr>
+          <a:lstStyle/>
+          <a:p>
+            <a:r>
+              <a:rPr kumimoji="1" lang="ja-JP" altLang="en-US" sz="1100" dirty="0" smtClean="0"/>
+              <a:t>ドレン</a:t>
+            </a:r>
+            <a:endParaRPr kumimoji="1" lang="ja-JP" altLang="en-US" sz="1100" dirty="0"/>
+          </a:p>
+        </p:txBody>
+      </p:sp>
+      <p:cxnSp>
+        <p:nvCxnSpPr>
+          <p:cNvPr id="59" name="直線矢印コネクタ 58"/>
+          <p:cNvCxnSpPr>
+            <a:stCxn id="41" idx="1"/>
+            <a:endCxn id="34" idx="4"/>
+          </p:cNvCxnSpPr>
+          <p:nvPr/>
+        </p:nvCxnSpPr>
+        <p:spPr>
+          <a:xfrm flipH="1" flipV="1">
+            <a:off x="6677462" y="3096401"/>
+            <a:ext cx="384958" cy="826454"/>
+          </a:xfrm>
+          <a:prstGeom prst="straightConnector1">
+            <a:avLst/>
+          </a:prstGeom>
+          <a:ln>
+            <a:solidFill>
+              <a:schemeClr val="accent3">
+                <a:lumMod val="50000"/>
+              </a:schemeClr>
+            </a:solidFill>
+            <a:headEnd type="triangle"/>
+            <a:tailEnd type="triangle"/>
+          </a:ln>
+        </p:spPr>
+        <p:style>
+          <a:lnRef idx="1">
+            <a:schemeClr val="accent1"/>
+          </a:lnRef>
+          <a:fillRef idx="0">
+            <a:schemeClr val="accent1"/>
+          </a:fillRef>
+          <a:effectRef idx="0">
+            <a:schemeClr val="accent1"/>
+          </a:effectRef>
+          <a:fontRef idx="minor">
+            <a:schemeClr val="tx1"/>
+          </a:fontRef>
+        </p:style>
+      </p:cxnSp>
+      <p:cxnSp>
+        <p:nvCxnSpPr>
+          <p:cNvPr id="60" name="直線矢印コネクタ 59"/>
+          <p:cNvCxnSpPr>
+            <a:stCxn id="56" idx="1"/>
+            <a:endCxn id="34" idx="7"/>
+          </p:cNvCxnSpPr>
+          <p:nvPr/>
+        </p:nvCxnSpPr>
+        <p:spPr>
+          <a:xfrm flipH="1" flipV="1">
+            <a:off x="6893612" y="2593002"/>
+            <a:ext cx="1359269" cy="425567"/>
+          </a:xfrm>
+          <a:prstGeom prst="straightConnector1">
+            <a:avLst/>
+          </a:prstGeom>
+          <a:ln>
+            <a:solidFill>
+              <a:schemeClr val="accent3">
+                <a:lumMod val="50000"/>
+              </a:schemeClr>
+            </a:solidFill>
+            <a:headEnd type="triangle"/>
+            <a:tailEnd type="triangle"/>
+          </a:ln>
+        </p:spPr>
+        <p:style>
+          <a:lnRef idx="1">
+            <a:schemeClr val="accent1"/>
+          </a:lnRef>
+          <a:fillRef idx="0">
+            <a:schemeClr val="accent1"/>
+          </a:fillRef>
+          <a:effectRef idx="0">
+            <a:schemeClr val="accent1"/>
+          </a:effectRef>
+          <a:fontRef idx="minor">
+            <a:schemeClr val="tx1"/>
+          </a:fontRef>
+        </p:style>
+      </p:cxnSp>
+    </p:spTree>
+    <p:extLst>
+      <p:ext uri="{BB962C8B-B14F-4D97-AF65-F5344CB8AC3E}">
+        <p14:creationId xmlns:p14="http://schemas.microsoft.com/office/powerpoint/2010/main" val="2618408676"/>
+      </p:ext>
+    </p:extLst>
+  </p:cSld>
+  <p:clrMapOvr>
+    <a:masterClrMapping/>
+  </p:clrMapOvr>
+</p:sld>
+</file>
+
+<file path=ppt/slides/slide7.xml><?xml version="1.0" encoding="utf-8"?>
+<p:sld xmlns:a="http://schemas.openxmlformats.org/drawingml/2006/main" xmlns:r="http://schemas.openxmlformats.org/officeDocument/2006/relationships" xmlns:p="http://schemas.openxmlformats.org/presentationml/2006/main">
+  <p:cSld>
+    <p:spTree>
+      <p:nvGrpSpPr>
+        <p:cNvPr id="1" name=""/>
+        <p:cNvGrpSpPr/>
+        <p:nvPr/>
+      </p:nvGrpSpPr>
+      <p:grpSpPr>
+        <a:xfrm>
+          <a:off x="0" y="0"/>
+          <a:ext cx="0" cy="0"/>
+          <a:chOff x="0" y="0"/>
+          <a:chExt cx="0" cy="0"/>
+        </a:xfrm>
+      </p:grpSpPr>
+      <p:sp>
+        <p:nvSpPr>
+          <p:cNvPr id="2" name="正方形/長方形 1">
+            <a:extLst>
+              <a:ext uri="{FF2B5EF4-FFF2-40B4-BE49-F238E27FC236}">
+                <a16:creationId xmlns:a16="http://schemas.microsoft.com/office/drawing/2014/main" xmlns="" id="{80F7F236-459B-4269-BB73-07E486A88F11}"/>
+              </a:ext>
+            </a:extLst>
+          </p:cNvPr>
+          <p:cNvSpPr/>
+          <p:nvPr/>
+        </p:nvSpPr>
+        <p:spPr>
+          <a:xfrm>
+            <a:off x="257262" y="184558"/>
+            <a:ext cx="11677475" cy="453005"/>
+          </a:xfrm>
+          <a:prstGeom prst="rect">
+            <a:avLst/>
+          </a:prstGeom>
+        </p:spPr>
+        <p:style>
+          <a:lnRef idx="2">
+            <a:schemeClr val="accent3">
+              <a:shade val="50000"/>
+            </a:schemeClr>
+          </a:lnRef>
+          <a:fillRef idx="1">
+            <a:schemeClr val="accent3"/>
+          </a:fillRef>
+          <a:effectRef idx="0">
+            <a:schemeClr val="accent3"/>
+          </a:effectRef>
+          <a:fontRef idx="minor">
+            <a:schemeClr val="lt1"/>
+          </a:fontRef>
+        </p:style>
+        <p:txBody>
+          <a:bodyPr rtlCol="0" anchor="ctr"/>
+          <a:lstStyle/>
+          <a:p>
+            <a:pPr algn="ctr"/>
+            <a:endParaRPr kumimoji="1" lang="ja-JP" altLang="en-US" dirty="0"/>
+          </a:p>
+        </p:txBody>
+      </p:sp>
+      <p:sp>
+        <p:nvSpPr>
+          <p:cNvPr id="3" name="矢印: 左 2">
+            <a:extLst>
+              <a:ext uri="{FF2B5EF4-FFF2-40B4-BE49-F238E27FC236}">
+                <a16:creationId xmlns:a16="http://schemas.microsoft.com/office/drawing/2014/main" xmlns="" id="{DF289C13-954F-4722-A73D-687D4959995C}"/>
+              </a:ext>
+            </a:extLst>
+          </p:cNvPr>
+          <p:cNvSpPr/>
+          <p:nvPr/>
+        </p:nvSpPr>
+        <p:spPr>
+          <a:xfrm>
+            <a:off x="438180" y="305359"/>
+            <a:ext cx="296048" cy="211402"/>
+          </a:xfrm>
+          <a:prstGeom prst="leftArrow">
+            <a:avLst/>
+          </a:prstGeom>
+        </p:spPr>
+        <p:style>
+          <a:lnRef idx="2">
+            <a:schemeClr val="accent1">
+              <a:shade val="50000"/>
+            </a:schemeClr>
+          </a:lnRef>
+          <a:fillRef idx="1">
+            <a:schemeClr val="accent1"/>
+          </a:fillRef>
+          <a:effectRef idx="0">
+            <a:schemeClr val="accent1"/>
+          </a:effectRef>
+          <a:fontRef idx="minor">
+            <a:schemeClr val="lt1"/>
+          </a:fontRef>
+        </p:style>
+        <p:txBody>
+          <a:bodyPr rtlCol="0" anchor="ctr"/>
+          <a:lstStyle/>
+          <a:p>
+            <a:pPr algn="ctr"/>
+            <a:endParaRPr kumimoji="1" lang="ja-JP" altLang="en-US"/>
+          </a:p>
+        </p:txBody>
+      </p:sp>
+      <p:sp>
+        <p:nvSpPr>
+          <p:cNvPr id="4" name="テキスト ボックス 3">
+            <a:extLst>
+              <a:ext uri="{FF2B5EF4-FFF2-40B4-BE49-F238E27FC236}">
+                <a16:creationId xmlns:a16="http://schemas.microsoft.com/office/drawing/2014/main" xmlns="" id="{DFB450F8-0455-429B-B3E1-4AC9EECC068E}"/>
+              </a:ext>
+            </a:extLst>
+          </p:cNvPr>
+          <p:cNvSpPr txBox="1"/>
+          <p:nvPr/>
+        </p:nvSpPr>
+        <p:spPr>
+          <a:xfrm>
+            <a:off x="1309879" y="244860"/>
+            <a:ext cx="1107996" cy="369332"/>
+          </a:xfrm>
+          <a:prstGeom prst="rect">
+            <a:avLst/>
+          </a:prstGeom>
+          <a:noFill/>
+        </p:spPr>
+        <p:txBody>
+          <a:bodyPr wrap="none" rtlCol="0">
+            <a:spAutoFit/>
+          </a:bodyPr>
+          <a:lstStyle/>
+          <a:p>
+            <a:r>
+              <a:rPr lang="ja-JP" altLang="en-US" dirty="0"/>
+              <a:t>作</a:t>
+            </a:r>
+            <a:r>
+              <a:rPr lang="ja-JP" altLang="en-US" dirty="0" smtClean="0"/>
+              <a:t>品名</a:t>
+            </a:r>
+            <a:r>
+              <a:rPr lang="ja-JP" altLang="en-US" dirty="0"/>
+              <a:t>Ａ</a:t>
+            </a:r>
+            <a:endParaRPr kumimoji="1" lang="ja-JP" altLang="en-US" dirty="0"/>
+          </a:p>
+        </p:txBody>
+      </p:sp>
+      <p:grpSp>
+        <p:nvGrpSpPr>
+          <p:cNvPr id="7" name="グループ化 6">
+            <a:extLst>
+              <a:ext uri="{FF2B5EF4-FFF2-40B4-BE49-F238E27FC236}">
+                <a16:creationId xmlns:a16="http://schemas.microsoft.com/office/drawing/2014/main" xmlns="" id="{8CD80B96-2D43-4BB9-B1D2-FD11378EB42C}"/>
+              </a:ext>
+            </a:extLst>
+          </p:cNvPr>
+          <p:cNvGrpSpPr/>
+          <p:nvPr/>
+        </p:nvGrpSpPr>
+        <p:grpSpPr>
+          <a:xfrm>
+            <a:off x="10671805" y="265433"/>
+            <a:ext cx="317978" cy="292473"/>
+            <a:chOff x="10900096" y="234890"/>
+            <a:chExt cx="335559" cy="366916"/>
+          </a:xfrm>
+        </p:grpSpPr>
+        <p:sp>
+          <p:nvSpPr>
+            <p:cNvPr id="5" name="矢印: 下 4">
+              <a:extLst>
+                <a:ext uri="{FF2B5EF4-FFF2-40B4-BE49-F238E27FC236}">
+                  <a16:creationId xmlns:a16="http://schemas.microsoft.com/office/drawing/2014/main" xmlns="" id="{9BD95318-3059-436C-B100-6459E9377D7A}"/>
+                </a:ext>
+              </a:extLst>
+            </p:cNvPr>
+            <p:cNvSpPr/>
+            <p:nvPr/>
+          </p:nvSpPr>
+          <p:spPr>
+            <a:xfrm>
+              <a:off x="10950430" y="234890"/>
+              <a:ext cx="234892" cy="285226"/>
+            </a:xfrm>
+            <a:prstGeom prst="downArrow">
+              <a:avLst/>
+            </a:prstGeom>
+          </p:spPr>
+          <p:style>
+            <a:lnRef idx="2">
+              <a:schemeClr val="accent1">
+                <a:shade val="50000"/>
+              </a:schemeClr>
+            </a:lnRef>
+            <a:fillRef idx="1">
+              <a:schemeClr val="accent1"/>
+            </a:fillRef>
+            <a:effectRef idx="0">
+              <a:schemeClr val="accent1"/>
+            </a:effectRef>
+            <a:fontRef idx="minor">
+              <a:schemeClr val="lt1"/>
+            </a:fontRef>
+          </p:style>
+          <p:txBody>
+            <a:bodyPr rtlCol="0" anchor="ctr"/>
+            <a:lstStyle/>
+            <a:p>
+              <a:pPr algn="ctr"/>
+              <a:endParaRPr kumimoji="1" lang="ja-JP" altLang="en-US"/>
+            </a:p>
+          </p:txBody>
+        </p:sp>
+        <p:sp>
+          <p:nvSpPr>
+            <p:cNvPr id="6" name="正方形/長方形 5">
+              <a:extLst>
+                <a:ext uri="{FF2B5EF4-FFF2-40B4-BE49-F238E27FC236}">
+                  <a16:creationId xmlns:a16="http://schemas.microsoft.com/office/drawing/2014/main" xmlns="" id="{4CD399A3-8081-49CC-AE92-355154BC649A}"/>
+                </a:ext>
+              </a:extLst>
+            </p:cNvPr>
+            <p:cNvSpPr/>
+            <p:nvPr/>
+          </p:nvSpPr>
+          <p:spPr>
+            <a:xfrm>
+              <a:off x="10900096" y="556087"/>
+              <a:ext cx="335559" cy="45719"/>
+            </a:xfrm>
+            <a:prstGeom prst="rect">
+              <a:avLst/>
+            </a:prstGeom>
+          </p:spPr>
+          <p:style>
+            <a:lnRef idx="2">
+              <a:schemeClr val="accent1">
+                <a:shade val="50000"/>
+              </a:schemeClr>
+            </a:lnRef>
+            <a:fillRef idx="1">
+              <a:schemeClr val="accent1"/>
+            </a:fillRef>
+            <a:effectRef idx="0">
+              <a:schemeClr val="accent1"/>
+            </a:effectRef>
+            <a:fontRef idx="minor">
+              <a:schemeClr val="lt1"/>
+            </a:fontRef>
+          </p:style>
+          <p:txBody>
+            <a:bodyPr rtlCol="0" anchor="ctr"/>
+            <a:lstStyle/>
+            <a:p>
+              <a:pPr algn="ctr"/>
+              <a:endParaRPr kumimoji="1" lang="ja-JP" altLang="en-US"/>
+            </a:p>
+          </p:txBody>
+        </p:sp>
+      </p:grpSp>
+      <p:pic>
+        <p:nvPicPr>
+          <p:cNvPr id="9" name="グラフィックス 8" descr="歯車 1 つ 単色塗りつぶし">
+            <a:extLst>
+              <a:ext uri="{FF2B5EF4-FFF2-40B4-BE49-F238E27FC236}">
+                <a16:creationId xmlns:a16="http://schemas.microsoft.com/office/drawing/2014/main" xmlns="" id="{4011A9EF-5FD7-475A-BDE9-B57AA83B9FFA}"/>
+              </a:ext>
+            </a:extLst>
+          </p:cNvPr>
+          <p:cNvPicPr>
+            <a:picLocks noChangeAspect="1"/>
+          </p:cNvPicPr>
+          <p:nvPr/>
+        </p:nvPicPr>
+        <p:blipFill>
+          <a:blip r:embed="rId2" cstate="print">
+            <a:extLst>
+              <a:ext uri="{28A0092B-C50C-407E-A947-70E740481C1C}">
+                <a14:useLocalDpi xmlns:a14="http://schemas.microsoft.com/office/drawing/2010/main" val="0"/>
+              </a:ext>
+              <a:ext uri="{96DAC541-7B7A-43D3-8B79-37D633B846F1}">
+                <asvg:svgBlip xmlns:asvg="http://schemas.microsoft.com/office/drawing/2016/SVG/main" xmlns="" r:embed="rId3"/>
+              </a:ext>
+            </a:extLst>
+          </a:blip>
+          <a:stretch>
+            <a:fillRect/>
+          </a:stretch>
+        </p:blipFill>
+        <p:spPr>
+          <a:xfrm>
+            <a:off x="11228231" y="181709"/>
+            <a:ext cx="478242" cy="439076"/>
+          </a:xfrm>
+          <a:prstGeom prst="rect">
+            <a:avLst/>
+          </a:prstGeom>
+        </p:spPr>
+      </p:pic>
+      <p:sp>
+        <p:nvSpPr>
+          <p:cNvPr id="11" name="正方形/長方形 10">
+            <a:extLst>
+              <a:ext uri="{FF2B5EF4-FFF2-40B4-BE49-F238E27FC236}">
+                <a16:creationId xmlns:a16="http://schemas.microsoft.com/office/drawing/2014/main" xmlns="" id="{079D639A-9AFF-4A49-A891-75D10BB4398E}"/>
+              </a:ext>
+            </a:extLst>
+          </p:cNvPr>
+          <p:cNvSpPr/>
+          <p:nvPr/>
+        </p:nvSpPr>
+        <p:spPr>
+          <a:xfrm>
+            <a:off x="1775129" y="722020"/>
+            <a:ext cx="8641739" cy="4421784"/>
+          </a:xfrm>
+          <a:prstGeom prst="rect">
+            <a:avLst/>
+          </a:prstGeom>
+          <a:solidFill>
+            <a:schemeClr val="bg2"/>
+          </a:solidFill>
+          <a:ln>
+            <a:solidFill>
+              <a:schemeClr val="bg2">
+                <a:lumMod val="90000"/>
+              </a:schemeClr>
+            </a:solidFill>
+          </a:ln>
+        </p:spPr>
+        <p:style>
+          <a:lnRef idx="2">
+            <a:schemeClr val="accent1">
+              <a:shade val="50000"/>
+            </a:schemeClr>
+          </a:lnRef>
+          <a:fillRef idx="1">
+            <a:schemeClr val="accent1"/>
+          </a:fillRef>
+          <a:effectRef idx="0">
+            <a:schemeClr val="accent1"/>
+          </a:effectRef>
+          <a:fontRef idx="minor">
+            <a:schemeClr val="lt1"/>
+          </a:fontRef>
+        </p:style>
+        <p:txBody>
+          <a:bodyPr rtlCol="0" anchor="ctr"/>
+          <a:lstStyle/>
+          <a:p>
+            <a:pPr algn="ctr"/>
+            <a:endParaRPr kumimoji="1" lang="ja-JP" altLang="en-US"/>
+          </a:p>
+        </p:txBody>
+      </p:sp>
+      <p:sp>
+        <p:nvSpPr>
+          <p:cNvPr id="12" name="四角形: 角を丸くする 11">
+            <a:extLst>
+              <a:ext uri="{FF2B5EF4-FFF2-40B4-BE49-F238E27FC236}">
+                <a16:creationId xmlns:a16="http://schemas.microsoft.com/office/drawing/2014/main" xmlns="" id="{896E90D1-D4DA-4933-BAEE-9503445377A0}"/>
+              </a:ext>
+            </a:extLst>
+          </p:cNvPr>
+          <p:cNvSpPr/>
+          <p:nvPr/>
+        </p:nvSpPr>
+        <p:spPr>
+          <a:xfrm>
+            <a:off x="71507" y="746620"/>
+            <a:ext cx="1686173" cy="453005"/>
+          </a:xfrm>
+          <a:prstGeom prst="roundRect">
+            <a:avLst/>
+          </a:prstGeom>
+          <a:solidFill>
+            <a:schemeClr val="bg1"/>
+          </a:solidFill>
+          <a:ln>
+            <a:solidFill>
+              <a:schemeClr val="accent1">
+                <a:lumMod val="75000"/>
+              </a:schemeClr>
+            </a:solidFill>
+          </a:ln>
+        </p:spPr>
+        <p:style>
+          <a:lnRef idx="2">
+            <a:schemeClr val="accent1">
+              <a:shade val="50000"/>
+            </a:schemeClr>
+          </a:lnRef>
+          <a:fillRef idx="1">
+            <a:schemeClr val="accent1"/>
+          </a:fillRef>
+          <a:effectRef idx="0">
+            <a:schemeClr val="accent1"/>
+          </a:effectRef>
+          <a:fontRef idx="minor">
+            <a:schemeClr val="lt1"/>
+          </a:fontRef>
+        </p:style>
+        <p:txBody>
+          <a:bodyPr rtlCol="0" anchor="ctr"/>
+          <a:lstStyle/>
+          <a:p>
+            <a:r>
+              <a:rPr lang="ja-JP" altLang="en-US" sz="1200" dirty="0">
+                <a:solidFill>
+                  <a:schemeClr val="tx1"/>
+                </a:solidFill>
+              </a:rPr>
+              <a:t>機動戦士ガンダム</a:t>
+            </a:r>
+            <a:endParaRPr kumimoji="1" lang="ja-JP" altLang="en-US" sz="1200" dirty="0">
+              <a:solidFill>
+                <a:schemeClr val="tx1"/>
+              </a:solidFill>
+            </a:endParaRPr>
+          </a:p>
+        </p:txBody>
+      </p:sp>
+      <p:sp>
+        <p:nvSpPr>
+          <p:cNvPr id="13" name="四角形: 角を丸くする 12">
+            <a:extLst>
+              <a:ext uri="{FF2B5EF4-FFF2-40B4-BE49-F238E27FC236}">
+                <a16:creationId xmlns:a16="http://schemas.microsoft.com/office/drawing/2014/main" xmlns="" id="{E65E05EC-77C4-4762-A1DF-B8647D5DBA7C}"/>
+              </a:ext>
+            </a:extLst>
+          </p:cNvPr>
+          <p:cNvSpPr/>
+          <p:nvPr/>
+        </p:nvSpPr>
+        <p:spPr>
+          <a:xfrm>
+            <a:off x="71507" y="1217800"/>
+            <a:ext cx="1686173" cy="453005"/>
+          </a:xfrm>
+          <a:prstGeom prst="roundRect">
+            <a:avLst/>
+          </a:prstGeom>
+          <a:solidFill>
+            <a:schemeClr val="bg1"/>
+          </a:solidFill>
+          <a:ln>
+            <a:solidFill>
+              <a:schemeClr val="bg1"/>
+            </a:solidFill>
+          </a:ln>
+        </p:spPr>
+        <p:style>
+          <a:lnRef idx="2">
+            <a:schemeClr val="accent1">
+              <a:shade val="50000"/>
+            </a:schemeClr>
+          </a:lnRef>
+          <a:fillRef idx="1">
+            <a:schemeClr val="accent1"/>
+          </a:fillRef>
+          <a:effectRef idx="0">
+            <a:schemeClr val="accent1"/>
+          </a:effectRef>
+          <a:fontRef idx="minor">
+            <a:schemeClr val="lt1"/>
+          </a:fontRef>
+        </p:style>
+        <p:txBody>
+          <a:bodyPr rtlCol="0" anchor="ctr"/>
+          <a:lstStyle/>
+          <a:p>
+            <a:r>
+              <a:rPr kumimoji="1" lang="ja-JP" altLang="en-US" sz="1200" dirty="0" smtClean="0">
+                <a:solidFill>
+                  <a:schemeClr val="tx1"/>
+                </a:solidFill>
+              </a:rPr>
+              <a:t>機動戦士ガンダム</a:t>
+            </a:r>
+            <a:r>
+              <a:rPr kumimoji="1" lang="en-US" altLang="ja-JP" sz="1200" dirty="0" smtClean="0">
+                <a:solidFill>
+                  <a:schemeClr val="tx1"/>
+                </a:solidFill>
+              </a:rPr>
+              <a:t>Z</a:t>
+            </a:r>
+            <a:endParaRPr kumimoji="1" lang="ja-JP" altLang="en-US" sz="1200" dirty="0">
+              <a:solidFill>
+                <a:schemeClr val="tx1"/>
+              </a:solidFill>
+            </a:endParaRPr>
+          </a:p>
+        </p:txBody>
+      </p:sp>
+      <p:sp>
+        <p:nvSpPr>
+          <p:cNvPr id="14" name="四角形: 角を丸くする 13">
+            <a:extLst>
+              <a:ext uri="{FF2B5EF4-FFF2-40B4-BE49-F238E27FC236}">
+                <a16:creationId xmlns:a16="http://schemas.microsoft.com/office/drawing/2014/main" xmlns="" id="{2F20CCE0-4081-4F65-AA8D-330C1D9F59D9}"/>
+              </a:ext>
+            </a:extLst>
+          </p:cNvPr>
+          <p:cNvSpPr/>
+          <p:nvPr/>
+        </p:nvSpPr>
+        <p:spPr>
+          <a:xfrm>
+            <a:off x="71506" y="1688980"/>
+            <a:ext cx="1686174" cy="453005"/>
+          </a:xfrm>
+          <a:prstGeom prst="roundRect">
+            <a:avLst/>
+          </a:prstGeom>
+          <a:solidFill>
+            <a:schemeClr val="bg1"/>
+          </a:solidFill>
+          <a:ln>
+            <a:solidFill>
+              <a:schemeClr val="bg1"/>
+            </a:solidFill>
+          </a:ln>
+        </p:spPr>
+        <p:style>
+          <a:lnRef idx="2">
+            <a:schemeClr val="accent1">
+              <a:shade val="50000"/>
+            </a:schemeClr>
+          </a:lnRef>
+          <a:fillRef idx="1">
+            <a:schemeClr val="accent1"/>
+          </a:fillRef>
+          <a:effectRef idx="0">
+            <a:schemeClr val="accent1"/>
+          </a:effectRef>
+          <a:fontRef idx="minor">
+            <a:schemeClr val="lt1"/>
+          </a:fontRef>
+        </p:style>
+        <p:txBody>
+          <a:bodyPr rtlCol="0" anchor="ctr"/>
+          <a:lstStyle/>
+          <a:p>
+            <a:r>
+              <a:rPr lang="ja-JP" altLang="en-US" sz="1200" dirty="0">
+                <a:solidFill>
+                  <a:schemeClr val="tx1"/>
+                </a:solidFill>
+              </a:rPr>
+              <a:t>機動戦士</a:t>
+            </a:r>
+            <a:r>
+              <a:rPr lang="ja-JP" altLang="en-US" sz="1200" dirty="0" smtClean="0">
+                <a:solidFill>
+                  <a:schemeClr val="tx1"/>
+                </a:solidFill>
+              </a:rPr>
+              <a:t>ガンダム</a:t>
+            </a:r>
+            <a:r>
+              <a:rPr lang="en-US" altLang="ja-JP" sz="1200" dirty="0" smtClean="0">
+                <a:solidFill>
+                  <a:schemeClr val="tx1"/>
+                </a:solidFill>
+              </a:rPr>
+              <a:t>ZZ</a:t>
+            </a:r>
+            <a:endParaRPr kumimoji="1" lang="ja-JP" altLang="en-US" sz="1200" dirty="0">
+              <a:solidFill>
+                <a:schemeClr val="tx1"/>
+              </a:solidFill>
+            </a:endParaRPr>
+          </a:p>
+        </p:txBody>
+      </p:sp>
+      <p:sp>
+        <p:nvSpPr>
+          <p:cNvPr id="20" name="正方形/長方形 19">
+            <a:extLst>
+              <a:ext uri="{FF2B5EF4-FFF2-40B4-BE49-F238E27FC236}">
+                <a16:creationId xmlns:a16="http://schemas.microsoft.com/office/drawing/2014/main" xmlns="" id="{3F4BE692-C5BF-4C38-B52D-B2F2CE1D082F}"/>
+              </a:ext>
+            </a:extLst>
+          </p:cNvPr>
+          <p:cNvSpPr/>
+          <p:nvPr/>
+        </p:nvSpPr>
+        <p:spPr>
+          <a:xfrm>
+            <a:off x="8830781" y="5126199"/>
+            <a:ext cx="3080296" cy="988741"/>
+          </a:xfrm>
+          <a:prstGeom prst="rect">
+            <a:avLst/>
+          </a:prstGeom>
+          <a:solidFill>
+            <a:schemeClr val="bg1"/>
+          </a:solidFill>
+          <a:ln>
+            <a:solidFill>
+              <a:schemeClr val="tx1"/>
+            </a:solidFill>
+          </a:ln>
+        </p:spPr>
+        <p:style>
+          <a:lnRef idx="2">
+            <a:schemeClr val="accent1">
+              <a:shade val="50000"/>
+            </a:schemeClr>
+          </a:lnRef>
+          <a:fillRef idx="1">
+            <a:schemeClr val="accent1"/>
+          </a:fillRef>
+          <a:effectRef idx="0">
+            <a:schemeClr val="accent1"/>
+          </a:effectRef>
+          <a:fontRef idx="minor">
+            <a:schemeClr val="lt1"/>
+          </a:fontRef>
+        </p:style>
+        <p:txBody>
+          <a:bodyPr rtlCol="0" anchor="ctr"/>
+          <a:lstStyle/>
+          <a:p>
+            <a:pPr algn="ctr"/>
+            <a:endParaRPr kumimoji="1" lang="ja-JP" altLang="en-US"/>
+          </a:p>
+        </p:txBody>
+      </p:sp>
+      <p:sp>
+        <p:nvSpPr>
+          <p:cNvPr id="21" name="四角形: 角を丸くする 20">
+            <a:extLst>
+              <a:ext uri="{FF2B5EF4-FFF2-40B4-BE49-F238E27FC236}">
+                <a16:creationId xmlns:a16="http://schemas.microsoft.com/office/drawing/2014/main" xmlns="" id="{F7694BF0-D6DF-40B8-9152-8511262862F2}"/>
+              </a:ext>
+            </a:extLst>
+          </p:cNvPr>
+          <p:cNvSpPr/>
+          <p:nvPr/>
+        </p:nvSpPr>
+        <p:spPr>
+          <a:xfrm>
+            <a:off x="8347933" y="278933"/>
+            <a:ext cx="881906" cy="269766"/>
+          </a:xfrm>
+          <a:prstGeom prst="roundRect">
+            <a:avLst/>
+          </a:prstGeom>
+        </p:spPr>
+        <p:style>
+          <a:lnRef idx="2">
+            <a:schemeClr val="accent1">
+              <a:shade val="50000"/>
+            </a:schemeClr>
+          </a:lnRef>
+          <a:fillRef idx="1">
+            <a:schemeClr val="accent1"/>
+          </a:fillRef>
+          <a:effectRef idx="0">
+            <a:schemeClr val="accent1"/>
+          </a:effectRef>
+          <a:fontRef idx="minor">
+            <a:schemeClr val="lt1"/>
+          </a:fontRef>
+        </p:style>
+        <p:txBody>
+          <a:bodyPr rtlCol="0" anchor="ctr"/>
+          <a:lstStyle/>
+          <a:p>
+            <a:pPr algn="ctr"/>
+            <a:r>
+              <a:rPr lang="en-US" altLang="ja-JP" dirty="0"/>
+              <a:t>Actor</a:t>
+            </a:r>
+            <a:endParaRPr kumimoji="1" lang="ja-JP" altLang="en-US" dirty="0"/>
+          </a:p>
+        </p:txBody>
+      </p:sp>
+      <p:sp>
+        <p:nvSpPr>
+          <p:cNvPr id="22" name="四角形: 角を丸くする 21">
+            <a:extLst>
+              <a:ext uri="{FF2B5EF4-FFF2-40B4-BE49-F238E27FC236}">
+                <a16:creationId xmlns:a16="http://schemas.microsoft.com/office/drawing/2014/main" xmlns="" id="{FE5B157B-2489-4BB3-97BD-B82EC04A9149}"/>
+              </a:ext>
+            </a:extLst>
+          </p:cNvPr>
+          <p:cNvSpPr/>
+          <p:nvPr/>
+        </p:nvSpPr>
+        <p:spPr>
+          <a:xfrm>
+            <a:off x="9423615" y="272018"/>
+            <a:ext cx="942306" cy="273852"/>
+          </a:xfrm>
+          <a:prstGeom prst="roundRect">
+            <a:avLst/>
+          </a:prstGeom>
+          <a:solidFill>
+            <a:schemeClr val="accent6"/>
+          </a:solidFill>
+          <a:ln>
+            <a:solidFill>
+              <a:schemeClr val="accent6">
+                <a:lumMod val="75000"/>
+              </a:schemeClr>
+            </a:solidFill>
+          </a:ln>
+        </p:spPr>
+        <p:style>
+          <a:lnRef idx="2">
+            <a:schemeClr val="accent1">
+              <a:shade val="50000"/>
+            </a:schemeClr>
+          </a:lnRef>
+          <a:fillRef idx="1">
+            <a:schemeClr val="accent1"/>
+          </a:fillRef>
+          <a:effectRef idx="0">
+            <a:schemeClr val="accent1"/>
+          </a:effectRef>
+          <a:fontRef idx="minor">
+            <a:schemeClr val="lt1"/>
+          </a:fontRef>
+        </p:style>
+        <p:txBody>
+          <a:bodyPr rtlCol="0" anchor="ctr"/>
+          <a:lstStyle/>
+          <a:p>
+            <a:pPr algn="ctr"/>
+            <a:r>
+              <a:rPr kumimoji="1" lang="en-US" altLang="ja-JP" dirty="0"/>
+              <a:t>Line</a:t>
+            </a:r>
+            <a:endParaRPr kumimoji="1" lang="ja-JP" altLang="en-US" dirty="0"/>
+          </a:p>
+        </p:txBody>
+      </p:sp>
+      <p:sp>
+        <p:nvSpPr>
+          <p:cNvPr id="33" name="四角形: 角を丸くする 32">
+            <a:extLst>
+              <a:ext uri="{FF2B5EF4-FFF2-40B4-BE49-F238E27FC236}">
+                <a16:creationId xmlns:a16="http://schemas.microsoft.com/office/drawing/2014/main" xmlns="" id="{09B24E2D-E00C-44CF-A943-BA5F37AA7768}"/>
+              </a:ext>
+            </a:extLst>
+          </p:cNvPr>
+          <p:cNvSpPr/>
+          <p:nvPr/>
+        </p:nvSpPr>
+        <p:spPr>
+          <a:xfrm>
+            <a:off x="8850368" y="6125503"/>
+            <a:ext cx="758942" cy="521463"/>
+          </a:xfrm>
+          <a:prstGeom prst="roundRect">
+            <a:avLst/>
+          </a:prstGeom>
+          <a:solidFill>
+            <a:schemeClr val="bg1"/>
+          </a:solidFill>
+          <a:ln>
+            <a:noFill/>
+          </a:ln>
+        </p:spPr>
+        <p:style>
+          <a:lnRef idx="2">
+            <a:schemeClr val="accent1">
+              <a:shade val="50000"/>
+            </a:schemeClr>
+          </a:lnRef>
+          <a:fillRef idx="1">
+            <a:schemeClr val="accent1"/>
+          </a:fillRef>
+          <a:effectRef idx="0">
+            <a:schemeClr val="accent1"/>
+          </a:effectRef>
+          <a:fontRef idx="minor">
+            <a:schemeClr val="lt1"/>
+          </a:fontRef>
+        </p:style>
+        <p:txBody>
+          <a:bodyPr rtlCol="0" anchor="ctr"/>
+          <a:lstStyle/>
+          <a:p>
+            <a:pPr algn="ctr"/>
+            <a:r>
+              <a:rPr kumimoji="1" lang="ja-JP" altLang="en-US" sz="1400" dirty="0">
+                <a:solidFill>
+                  <a:schemeClr val="tx1"/>
+                </a:solidFill>
+              </a:rPr>
+              <a:t>人物</a:t>
+            </a:r>
+          </a:p>
+        </p:txBody>
+      </p:sp>
+      <p:sp>
+        <p:nvSpPr>
+          <p:cNvPr id="38" name="四角形: 角を丸くする 37">
+            <a:extLst>
+              <a:ext uri="{FF2B5EF4-FFF2-40B4-BE49-F238E27FC236}">
+                <a16:creationId xmlns:a16="http://schemas.microsoft.com/office/drawing/2014/main" xmlns="" id="{27B37FD0-32AB-4E61-B9E6-1D3D9002C0B2}"/>
+              </a:ext>
+            </a:extLst>
+          </p:cNvPr>
+          <p:cNvSpPr/>
+          <p:nvPr/>
+        </p:nvSpPr>
+        <p:spPr>
+          <a:xfrm>
+            <a:off x="9624551" y="6139432"/>
+            <a:ext cx="758942" cy="503340"/>
+          </a:xfrm>
+          <a:prstGeom prst="roundRect">
+            <a:avLst/>
+          </a:prstGeom>
+          <a:solidFill>
+            <a:schemeClr val="bg1"/>
+          </a:solidFill>
+          <a:ln>
+            <a:solidFill>
+              <a:schemeClr val="bg1"/>
+            </a:solidFill>
+          </a:ln>
+        </p:spPr>
+        <p:style>
+          <a:lnRef idx="2">
+            <a:schemeClr val="accent1">
+              <a:shade val="50000"/>
+            </a:schemeClr>
+          </a:lnRef>
+          <a:fillRef idx="1">
+            <a:schemeClr val="accent1"/>
+          </a:fillRef>
+          <a:effectRef idx="0">
+            <a:schemeClr val="accent1"/>
+          </a:effectRef>
+          <a:fontRef idx="minor">
+            <a:schemeClr val="lt1"/>
+          </a:fontRef>
+        </p:style>
+        <p:txBody>
+          <a:bodyPr rtlCol="0" anchor="ctr"/>
+          <a:lstStyle/>
+          <a:p>
+            <a:pPr algn="ctr"/>
+            <a:r>
+              <a:rPr lang="ja-JP" altLang="en-US" sz="1400" dirty="0">
+                <a:solidFill>
+                  <a:schemeClr val="tx1"/>
+                </a:solidFill>
+              </a:rPr>
+              <a:t>関係</a:t>
+            </a:r>
+            <a:endParaRPr kumimoji="1" lang="ja-JP" altLang="en-US" sz="1400" dirty="0">
+              <a:solidFill>
+                <a:schemeClr val="tx1"/>
+              </a:solidFill>
+            </a:endParaRPr>
+          </a:p>
+        </p:txBody>
+      </p:sp>
+      <p:sp>
+        <p:nvSpPr>
+          <p:cNvPr id="39" name="四角形: 角を丸くする 38">
+            <a:extLst>
+              <a:ext uri="{FF2B5EF4-FFF2-40B4-BE49-F238E27FC236}">
+                <a16:creationId xmlns:a16="http://schemas.microsoft.com/office/drawing/2014/main" xmlns="" id="{17AFF7B3-D7D7-4C8C-AAF4-072A88B3C1C7}"/>
+              </a:ext>
+            </a:extLst>
+          </p:cNvPr>
+          <p:cNvSpPr/>
+          <p:nvPr/>
+        </p:nvSpPr>
+        <p:spPr>
+          <a:xfrm>
+            <a:off x="10349937" y="6136583"/>
+            <a:ext cx="944144" cy="503340"/>
+          </a:xfrm>
+          <a:prstGeom prst="roundRect">
+            <a:avLst/>
+          </a:prstGeom>
+          <a:solidFill>
+            <a:schemeClr val="bg1"/>
+          </a:solidFill>
+          <a:ln>
+            <a:solidFill>
+              <a:schemeClr val="accent1"/>
+            </a:solidFill>
+          </a:ln>
+        </p:spPr>
+        <p:style>
+          <a:lnRef idx="2">
+            <a:schemeClr val="accent1">
+              <a:shade val="50000"/>
+            </a:schemeClr>
+          </a:lnRef>
+          <a:fillRef idx="1">
+            <a:schemeClr val="accent1"/>
+          </a:fillRef>
+          <a:effectRef idx="0">
+            <a:schemeClr val="accent1"/>
+          </a:effectRef>
+          <a:fontRef idx="minor">
+            <a:schemeClr val="lt1"/>
+          </a:fontRef>
+        </p:style>
+        <p:txBody>
+          <a:bodyPr rtlCol="0" anchor="ctr"/>
+          <a:lstStyle/>
+          <a:p>
+            <a:pPr algn="ctr"/>
+            <a:r>
+              <a:rPr lang="ja-JP" altLang="en-US" sz="1400" dirty="0">
+                <a:solidFill>
+                  <a:schemeClr val="tx1"/>
+                </a:solidFill>
+              </a:rPr>
+              <a:t>グループ</a:t>
+            </a:r>
+            <a:endParaRPr kumimoji="1" lang="ja-JP" altLang="en-US" sz="1400" dirty="0">
+              <a:solidFill>
+                <a:schemeClr val="tx1"/>
+              </a:solidFill>
+            </a:endParaRPr>
+          </a:p>
+        </p:txBody>
+      </p:sp>
+      <p:sp>
+        <p:nvSpPr>
+          <p:cNvPr id="43" name="正方形/長方形 42">
+            <a:extLst>
+              <a:ext uri="{FF2B5EF4-FFF2-40B4-BE49-F238E27FC236}">
+                <a16:creationId xmlns:a16="http://schemas.microsoft.com/office/drawing/2014/main" xmlns="" id="{8AA3CD8B-99BE-4E46-9AC2-05386674A02A}"/>
+              </a:ext>
+            </a:extLst>
+          </p:cNvPr>
+          <p:cNvSpPr/>
+          <p:nvPr/>
+        </p:nvSpPr>
+        <p:spPr>
+          <a:xfrm>
+            <a:off x="9238415" y="5610740"/>
+            <a:ext cx="1917376" cy="320996"/>
+          </a:xfrm>
+          <a:prstGeom prst="rect">
+            <a:avLst/>
+          </a:prstGeom>
+          <a:solidFill>
+            <a:schemeClr val="bg1"/>
+          </a:solidFill>
+          <a:ln>
+            <a:solidFill>
+              <a:schemeClr val="tx1"/>
+            </a:solidFill>
+          </a:ln>
+        </p:spPr>
+        <p:style>
+          <a:lnRef idx="2">
+            <a:schemeClr val="accent1">
+              <a:shade val="50000"/>
+            </a:schemeClr>
+          </a:lnRef>
+          <a:fillRef idx="1">
+            <a:schemeClr val="accent1"/>
+          </a:fillRef>
+          <a:effectRef idx="0">
+            <a:schemeClr val="accent1"/>
+          </a:effectRef>
+          <a:fontRef idx="minor">
+            <a:schemeClr val="lt1"/>
+          </a:fontRef>
+        </p:style>
+        <p:txBody>
+          <a:bodyPr rtlCol="0" anchor="ctr"/>
+          <a:lstStyle/>
+          <a:p>
+            <a:r>
+              <a:rPr kumimoji="1" lang="ja-JP" altLang="en-US" dirty="0" smtClean="0">
+                <a:solidFill>
+                  <a:schemeClr val="tx1"/>
+                </a:solidFill>
+              </a:rPr>
+              <a:t>ジオン軍</a:t>
+            </a:r>
+            <a:endParaRPr kumimoji="1" lang="ja-JP" altLang="en-US" dirty="0">
+              <a:solidFill>
+                <a:schemeClr val="tx1"/>
+              </a:solidFill>
+            </a:endParaRPr>
+          </a:p>
+        </p:txBody>
+      </p:sp>
+      <p:sp>
+        <p:nvSpPr>
+          <p:cNvPr id="44" name="正方形/長方形 43">
+            <a:extLst>
+              <a:ext uri="{FF2B5EF4-FFF2-40B4-BE49-F238E27FC236}">
+                <a16:creationId xmlns:a16="http://schemas.microsoft.com/office/drawing/2014/main" xmlns="" id="{C8FD532A-CD26-41CA-AE58-9D67996B4376}"/>
+              </a:ext>
+            </a:extLst>
+          </p:cNvPr>
+          <p:cNvSpPr/>
+          <p:nvPr/>
+        </p:nvSpPr>
+        <p:spPr>
+          <a:xfrm>
+            <a:off x="11174502" y="5608092"/>
+            <a:ext cx="323993" cy="320996"/>
+          </a:xfrm>
+          <a:prstGeom prst="rect">
+            <a:avLst/>
+          </a:prstGeom>
+          <a:solidFill>
+            <a:schemeClr val="bg2"/>
+          </a:solidFill>
+          <a:ln>
+            <a:solidFill>
+              <a:schemeClr val="bg2"/>
+            </a:solidFill>
+          </a:ln>
+        </p:spPr>
+        <p:style>
+          <a:lnRef idx="2">
+            <a:schemeClr val="accent1">
+              <a:shade val="50000"/>
+            </a:schemeClr>
+          </a:lnRef>
+          <a:fillRef idx="1">
+            <a:schemeClr val="accent1"/>
+          </a:fillRef>
+          <a:effectRef idx="0">
+            <a:schemeClr val="accent1"/>
+          </a:effectRef>
+          <a:fontRef idx="minor">
+            <a:schemeClr val="lt1"/>
+          </a:fontRef>
+        </p:style>
+        <p:txBody>
+          <a:bodyPr rtlCol="0" anchor="ctr"/>
+          <a:lstStyle/>
+          <a:p>
+            <a:pPr algn="ctr"/>
+            <a:endParaRPr kumimoji="1" lang="ja-JP" altLang="en-US"/>
+          </a:p>
+        </p:txBody>
+      </p:sp>
+      <p:pic>
+        <p:nvPicPr>
+          <p:cNvPr id="46" name="グラフィックス 45" descr="拡大鏡 単色塗りつぶし">
+            <a:extLst>
+              <a:ext uri="{FF2B5EF4-FFF2-40B4-BE49-F238E27FC236}">
+                <a16:creationId xmlns:a16="http://schemas.microsoft.com/office/drawing/2014/main" xmlns="" id="{D27E0C87-6E4F-4033-B382-536D585F9299}"/>
+              </a:ext>
+            </a:extLst>
+          </p:cNvPr>
+          <p:cNvPicPr>
+            <a:picLocks noChangeAspect="1"/>
+          </p:cNvPicPr>
+          <p:nvPr/>
+        </p:nvPicPr>
+        <p:blipFill>
+          <a:blip r:embed="rId4" cstate="print">
+            <a:extLst>
+              <a:ext uri="{28A0092B-C50C-407E-A947-70E740481C1C}">
+                <a14:useLocalDpi xmlns:a14="http://schemas.microsoft.com/office/drawing/2010/main" val="0"/>
+              </a:ext>
+              <a:ext uri="{96DAC541-7B7A-43D3-8B79-37D633B846F1}">
+                <asvg:svgBlip xmlns:asvg="http://schemas.microsoft.com/office/drawing/2016/SVG/main" xmlns="" r:embed="rId6"/>
+              </a:ext>
+            </a:extLst>
+          </a:blip>
+          <a:stretch>
+            <a:fillRect/>
+          </a:stretch>
+        </p:blipFill>
+        <p:spPr>
+          <a:xfrm>
+            <a:off x="11171061" y="5614304"/>
+            <a:ext cx="323993" cy="313868"/>
+          </a:xfrm>
+          <a:prstGeom prst="rect">
+            <a:avLst/>
+          </a:prstGeom>
+        </p:spPr>
+      </p:pic>
+      <p:sp>
+        <p:nvSpPr>
+          <p:cNvPr id="48" name="テキスト ボックス 47">
+            <a:extLst>
+              <a:ext uri="{FF2B5EF4-FFF2-40B4-BE49-F238E27FC236}">
+                <a16:creationId xmlns:a16="http://schemas.microsoft.com/office/drawing/2014/main" xmlns="" id="{28893D37-253F-499B-AA50-275312219D0D}"/>
+              </a:ext>
+            </a:extLst>
+          </p:cNvPr>
+          <p:cNvSpPr txBox="1"/>
+          <p:nvPr/>
+        </p:nvSpPr>
+        <p:spPr>
+          <a:xfrm>
+            <a:off x="9156973" y="5234027"/>
+            <a:ext cx="595035" cy="338554"/>
+          </a:xfrm>
+          <a:prstGeom prst="rect">
+            <a:avLst/>
+          </a:prstGeom>
+          <a:noFill/>
+        </p:spPr>
+        <p:txBody>
+          <a:bodyPr wrap="none" rtlCol="0">
+            <a:spAutoFit/>
+          </a:bodyPr>
+          <a:lstStyle/>
+          <a:p>
+            <a:r>
+              <a:rPr kumimoji="1" lang="ja-JP" altLang="en-US" sz="1600" dirty="0"/>
+              <a:t>検索</a:t>
+            </a:r>
+          </a:p>
+        </p:txBody>
+      </p:sp>
+      <p:sp>
+        <p:nvSpPr>
+          <p:cNvPr id="49" name="二等辺三角形 48">
+            <a:extLst>
+              <a:ext uri="{FF2B5EF4-FFF2-40B4-BE49-F238E27FC236}">
+                <a16:creationId xmlns:a16="http://schemas.microsoft.com/office/drawing/2014/main" xmlns="" id="{F57DEA4F-068C-4B40-804B-B149D3691092}"/>
+              </a:ext>
+            </a:extLst>
+          </p:cNvPr>
+          <p:cNvSpPr/>
+          <p:nvPr/>
+        </p:nvSpPr>
+        <p:spPr>
+          <a:xfrm rot="10800000">
+            <a:off x="11656339" y="358655"/>
+            <a:ext cx="85194" cy="100578"/>
+          </a:xfrm>
+          <a:prstGeom prst="triangle">
+            <a:avLst/>
+          </a:prstGeom>
+        </p:spPr>
+        <p:style>
+          <a:lnRef idx="2">
+            <a:schemeClr val="accent1">
+              <a:shade val="50000"/>
+            </a:schemeClr>
+          </a:lnRef>
+          <a:fillRef idx="1">
+            <a:schemeClr val="accent1"/>
+          </a:fillRef>
+          <a:effectRef idx="0">
+            <a:schemeClr val="accent1"/>
+          </a:effectRef>
+          <a:fontRef idx="minor">
+            <a:schemeClr val="lt1"/>
+          </a:fontRef>
+        </p:style>
+        <p:txBody>
+          <a:bodyPr rtlCol="0" anchor="ctr"/>
+          <a:lstStyle/>
+          <a:p>
+            <a:pPr algn="ctr"/>
+            <a:endParaRPr kumimoji="1" lang="ja-JP" altLang="en-US"/>
+          </a:p>
+        </p:txBody>
+      </p:sp>
+      <p:sp>
+        <p:nvSpPr>
+          <p:cNvPr id="34" name="円/楕円 33"/>
+          <p:cNvSpPr/>
+          <p:nvPr/>
+        </p:nvSpPr>
+        <p:spPr>
+          <a:xfrm>
+            <a:off x="6371778" y="2506632"/>
+            <a:ext cx="611367" cy="589769"/>
+          </a:xfrm>
+          <a:prstGeom prst="ellipse">
+            <a:avLst/>
+          </a:prstGeom>
+          <a:solidFill>
+            <a:schemeClr val="accent2"/>
+          </a:solidFill>
+          <a:ln>
+            <a:solidFill>
+              <a:schemeClr val="accent2"/>
+            </a:solidFill>
+          </a:ln>
+        </p:spPr>
+        <p:style>
+          <a:lnRef idx="2">
+            <a:schemeClr val="accent1">
+              <a:shade val="50000"/>
+            </a:schemeClr>
+          </a:lnRef>
+          <a:fillRef idx="1">
+            <a:schemeClr val="accent1"/>
+          </a:fillRef>
+          <a:effectRef idx="0">
+            <a:schemeClr val="accent1"/>
+          </a:effectRef>
+          <a:fontRef idx="minor">
+            <a:schemeClr val="lt1"/>
+          </a:fontRef>
+        </p:style>
+        <p:txBody>
+          <a:bodyPr rtlCol="0" anchor="ctr"/>
+          <a:lstStyle/>
+          <a:p>
+            <a:pPr algn="ctr"/>
+            <a:endParaRPr kumimoji="1" lang="ja-JP" altLang="en-US"/>
+          </a:p>
+        </p:txBody>
+      </p:sp>
+      <p:pic>
+        <p:nvPicPr>
+          <p:cNvPr id="45" name="図 44" descr="アイコン&#10;&#10;自動的に生成された説明">
+            <a:extLst>
+              <a:ext uri="{FF2B5EF4-FFF2-40B4-BE49-F238E27FC236}">
+                <a16:creationId xmlns:a16="http://schemas.microsoft.com/office/drawing/2014/main" xmlns="" id="{FA6DD198-495A-4005-94FB-940B4711546A}"/>
+              </a:ext>
+            </a:extLst>
+          </p:cNvPr>
+          <p:cNvPicPr>
+            <a:picLocks noChangeAspect="1"/>
+          </p:cNvPicPr>
+          <p:nvPr/>
+        </p:nvPicPr>
+        <p:blipFill>
+          <a:blip r:embed="rId7" cstate="print">
+            <a:extLst>
+              <a:ext uri="{28A0092B-C50C-407E-A947-70E740481C1C}">
+                <a14:useLocalDpi xmlns:a14="http://schemas.microsoft.com/office/drawing/2010/main" val="0"/>
+              </a:ext>
+            </a:extLst>
+          </a:blip>
+          <a:stretch>
+            <a:fillRect/>
+          </a:stretch>
+        </p:blipFill>
+        <p:spPr>
+          <a:xfrm>
+            <a:off x="6521739" y="2367280"/>
+            <a:ext cx="311446" cy="300443"/>
+          </a:xfrm>
+          <a:prstGeom prst="rect">
+            <a:avLst/>
+          </a:prstGeom>
+        </p:spPr>
+      </p:pic>
+      <p:sp>
+        <p:nvSpPr>
+          <p:cNvPr id="47" name="テキスト ボックス 46"/>
+          <p:cNvSpPr txBox="1"/>
+          <p:nvPr/>
+        </p:nvSpPr>
+        <p:spPr>
+          <a:xfrm>
+            <a:off x="6028103" y="2788318"/>
+            <a:ext cx="1067165" cy="185195"/>
+          </a:xfrm>
+          <a:prstGeom prst="rect">
+            <a:avLst/>
+          </a:prstGeom>
+          <a:noFill/>
+        </p:spPr>
+        <p:txBody>
+          <a:bodyPr wrap="none" rtlCol="0">
+            <a:spAutoFit/>
+          </a:bodyPr>
+          <a:lstStyle/>
+          <a:p>
+            <a:r>
+              <a:rPr kumimoji="1" lang="ja-JP" altLang="en-US" sz="1100" dirty="0" smtClean="0"/>
+              <a:t>シャア・アズナブル</a:t>
+            </a:r>
+            <a:endParaRPr kumimoji="1" lang="ja-JP" altLang="en-US" sz="1100" dirty="0"/>
+          </a:p>
+        </p:txBody>
+      </p:sp>
+      <p:sp>
+        <p:nvSpPr>
+          <p:cNvPr id="41" name="円/楕円 40"/>
+          <p:cNvSpPr/>
+          <p:nvPr/>
+        </p:nvSpPr>
+        <p:spPr>
+          <a:xfrm>
+            <a:off x="6972887" y="3836485"/>
+            <a:ext cx="611367" cy="589769"/>
+          </a:xfrm>
+          <a:prstGeom prst="ellipse">
+            <a:avLst/>
+          </a:prstGeom>
+          <a:solidFill>
+            <a:schemeClr val="accent2"/>
+          </a:solidFill>
+          <a:ln>
+            <a:solidFill>
+              <a:schemeClr val="accent2"/>
+            </a:solidFill>
+          </a:ln>
+        </p:spPr>
+        <p:style>
+          <a:lnRef idx="2">
+            <a:schemeClr val="accent1">
+              <a:shade val="50000"/>
+            </a:schemeClr>
+          </a:lnRef>
+          <a:fillRef idx="1">
+            <a:schemeClr val="accent1"/>
+          </a:fillRef>
+          <a:effectRef idx="0">
+            <a:schemeClr val="accent1"/>
+          </a:effectRef>
+          <a:fontRef idx="minor">
+            <a:schemeClr val="lt1"/>
+          </a:fontRef>
+        </p:style>
+        <p:txBody>
+          <a:bodyPr rtlCol="0" anchor="ctr"/>
+          <a:lstStyle/>
+          <a:p>
+            <a:pPr algn="ctr"/>
+            <a:endParaRPr kumimoji="1" lang="ja-JP" altLang="en-US"/>
+          </a:p>
+        </p:txBody>
+      </p:sp>
+      <p:pic>
+        <p:nvPicPr>
+          <p:cNvPr id="50" name="図 49" descr="アイコン&#10;&#10;自動的に生成された説明">
+            <a:extLst>
+              <a:ext uri="{FF2B5EF4-FFF2-40B4-BE49-F238E27FC236}">
+                <a16:creationId xmlns:a16="http://schemas.microsoft.com/office/drawing/2014/main" xmlns="" id="{FA6DD198-495A-4005-94FB-940B4711546A}"/>
+              </a:ext>
+            </a:extLst>
+          </p:cNvPr>
+          <p:cNvPicPr>
+            <a:picLocks noChangeAspect="1"/>
+          </p:cNvPicPr>
+          <p:nvPr/>
+        </p:nvPicPr>
+        <p:blipFill>
+          <a:blip r:embed="rId7" cstate="print">
+            <a:extLst>
+              <a:ext uri="{28A0092B-C50C-407E-A947-70E740481C1C}">
+                <a14:useLocalDpi xmlns:a14="http://schemas.microsoft.com/office/drawing/2010/main" val="0"/>
+              </a:ext>
+            </a:extLst>
+          </a:blip>
+          <a:stretch>
+            <a:fillRect/>
+          </a:stretch>
+        </p:blipFill>
+        <p:spPr>
+          <a:xfrm>
+            <a:off x="7122848" y="3697133"/>
+            <a:ext cx="311446" cy="300443"/>
+          </a:xfrm>
+          <a:prstGeom prst="rect">
+            <a:avLst/>
+          </a:prstGeom>
+        </p:spPr>
+      </p:pic>
+      <p:sp>
+        <p:nvSpPr>
+          <p:cNvPr id="51" name="テキスト ボックス 50"/>
+          <p:cNvSpPr txBox="1"/>
+          <p:nvPr/>
+        </p:nvSpPr>
+        <p:spPr>
+          <a:xfrm>
+            <a:off x="6904108" y="4112724"/>
+            <a:ext cx="748923" cy="261610"/>
+          </a:xfrm>
+          <a:prstGeom prst="rect">
+            <a:avLst/>
+          </a:prstGeom>
+          <a:noFill/>
+        </p:spPr>
+        <p:txBody>
+          <a:bodyPr wrap="none" rtlCol="0">
+            <a:spAutoFit/>
+          </a:bodyPr>
+          <a:lstStyle/>
+          <a:p>
+            <a:r>
+              <a:rPr kumimoji="1" lang="ja-JP" altLang="en-US" sz="1100" dirty="0" smtClean="0"/>
+              <a:t>マ・クベ</a:t>
+            </a:r>
+            <a:endParaRPr kumimoji="1" lang="ja-JP" altLang="en-US" sz="1100" dirty="0"/>
+          </a:p>
+        </p:txBody>
+      </p:sp>
+      <p:sp>
+        <p:nvSpPr>
+          <p:cNvPr id="56" name="円/楕円 55"/>
+          <p:cNvSpPr/>
+          <p:nvPr/>
+        </p:nvSpPr>
+        <p:spPr>
+          <a:xfrm>
+            <a:off x="8163348" y="2932199"/>
+            <a:ext cx="611367" cy="589769"/>
+          </a:xfrm>
+          <a:prstGeom prst="ellipse">
+            <a:avLst/>
+          </a:prstGeom>
+          <a:solidFill>
+            <a:schemeClr val="accent2"/>
+          </a:solidFill>
+          <a:ln>
+            <a:solidFill>
+              <a:schemeClr val="accent2"/>
+            </a:solidFill>
+          </a:ln>
+        </p:spPr>
+        <p:style>
+          <a:lnRef idx="2">
+            <a:schemeClr val="accent1">
+              <a:shade val="50000"/>
+            </a:schemeClr>
+          </a:lnRef>
+          <a:fillRef idx="1">
+            <a:schemeClr val="accent1"/>
+          </a:fillRef>
+          <a:effectRef idx="0">
+            <a:schemeClr val="accent1"/>
+          </a:effectRef>
+          <a:fontRef idx="minor">
+            <a:schemeClr val="lt1"/>
+          </a:fontRef>
+        </p:style>
+        <p:txBody>
+          <a:bodyPr rtlCol="0" anchor="ctr"/>
+          <a:lstStyle/>
+          <a:p>
+            <a:pPr algn="ctr"/>
+            <a:endParaRPr kumimoji="1" lang="ja-JP" altLang="en-US"/>
+          </a:p>
+        </p:txBody>
+      </p:sp>
+      <p:pic>
+        <p:nvPicPr>
+          <p:cNvPr id="57" name="図 56" descr="アイコン&#10;&#10;自動的に生成された説明">
+            <a:extLst>
+              <a:ext uri="{FF2B5EF4-FFF2-40B4-BE49-F238E27FC236}">
+                <a16:creationId xmlns:a16="http://schemas.microsoft.com/office/drawing/2014/main" xmlns="" id="{FA6DD198-495A-4005-94FB-940B4711546A}"/>
+              </a:ext>
+            </a:extLst>
+          </p:cNvPr>
+          <p:cNvPicPr>
+            <a:picLocks noChangeAspect="1"/>
+          </p:cNvPicPr>
+          <p:nvPr/>
+        </p:nvPicPr>
+        <p:blipFill>
+          <a:blip r:embed="rId7" cstate="print">
+            <a:extLst>
+              <a:ext uri="{28A0092B-C50C-407E-A947-70E740481C1C}">
+                <a14:useLocalDpi xmlns:a14="http://schemas.microsoft.com/office/drawing/2010/main" val="0"/>
+              </a:ext>
+            </a:extLst>
+          </a:blip>
+          <a:stretch>
+            <a:fillRect/>
+          </a:stretch>
+        </p:blipFill>
+        <p:spPr>
+          <a:xfrm>
+            <a:off x="8313309" y="2792847"/>
+            <a:ext cx="311446" cy="300443"/>
+          </a:xfrm>
+          <a:prstGeom prst="rect">
+            <a:avLst/>
+          </a:prstGeom>
+        </p:spPr>
+      </p:pic>
+      <p:sp>
+        <p:nvSpPr>
+          <p:cNvPr id="58" name="テキスト ボックス 57"/>
+          <p:cNvSpPr txBox="1"/>
+          <p:nvPr/>
+        </p:nvSpPr>
+        <p:spPr>
+          <a:xfrm>
+            <a:off x="8149735" y="3176824"/>
+            <a:ext cx="607859" cy="261610"/>
+          </a:xfrm>
+          <a:prstGeom prst="rect">
+            <a:avLst/>
+          </a:prstGeom>
+          <a:noFill/>
+        </p:spPr>
+        <p:txBody>
+          <a:bodyPr wrap="none" rtlCol="0">
+            <a:spAutoFit/>
+          </a:bodyPr>
+          <a:lstStyle/>
+          <a:p>
+            <a:r>
+              <a:rPr kumimoji="1" lang="ja-JP" altLang="en-US" sz="1100" dirty="0" smtClean="0"/>
+              <a:t>ドレン</a:t>
+            </a:r>
+            <a:endParaRPr kumimoji="1" lang="ja-JP" altLang="en-US" sz="1100" dirty="0"/>
+          </a:p>
+        </p:txBody>
+      </p:sp>
+      <p:cxnSp>
+        <p:nvCxnSpPr>
+          <p:cNvPr id="59" name="直線矢印コネクタ 58"/>
+          <p:cNvCxnSpPr>
+            <a:stCxn id="41" idx="1"/>
+            <a:endCxn id="34" idx="4"/>
+          </p:cNvCxnSpPr>
+          <p:nvPr/>
+        </p:nvCxnSpPr>
+        <p:spPr>
+          <a:xfrm flipH="1" flipV="1">
+            <a:off x="6677462" y="3096401"/>
+            <a:ext cx="384958" cy="826454"/>
+          </a:xfrm>
+          <a:prstGeom prst="straightConnector1">
+            <a:avLst/>
+          </a:prstGeom>
+          <a:ln>
+            <a:solidFill>
+              <a:schemeClr val="accent3">
+                <a:lumMod val="50000"/>
+              </a:schemeClr>
+            </a:solidFill>
+            <a:headEnd type="triangle"/>
+            <a:tailEnd type="triangle"/>
+          </a:ln>
+        </p:spPr>
+        <p:style>
+          <a:lnRef idx="1">
+            <a:schemeClr val="accent1"/>
+          </a:lnRef>
+          <a:fillRef idx="0">
+            <a:schemeClr val="accent1"/>
+          </a:fillRef>
+          <a:effectRef idx="0">
+            <a:schemeClr val="accent1"/>
+          </a:effectRef>
+          <a:fontRef idx="minor">
+            <a:schemeClr val="tx1"/>
+          </a:fontRef>
+        </p:style>
+      </p:cxnSp>
+      <p:cxnSp>
+        <p:nvCxnSpPr>
+          <p:cNvPr id="60" name="直線矢印コネクタ 59"/>
+          <p:cNvCxnSpPr>
+            <a:stCxn id="56" idx="1"/>
+            <a:endCxn id="34" idx="7"/>
+          </p:cNvCxnSpPr>
+          <p:nvPr/>
+        </p:nvCxnSpPr>
+        <p:spPr>
+          <a:xfrm flipH="1" flipV="1">
+            <a:off x="6893612" y="2593002"/>
+            <a:ext cx="1359269" cy="425567"/>
+          </a:xfrm>
+          <a:prstGeom prst="straightConnector1">
+            <a:avLst/>
+          </a:prstGeom>
+          <a:ln>
+            <a:solidFill>
+              <a:schemeClr val="accent3">
+                <a:lumMod val="50000"/>
+              </a:schemeClr>
+            </a:solidFill>
+            <a:headEnd type="triangle"/>
+            <a:tailEnd type="triangle"/>
+          </a:ln>
+        </p:spPr>
+        <p:style>
+          <a:lnRef idx="1">
+            <a:schemeClr val="accent1"/>
+          </a:lnRef>
+          <a:fillRef idx="0">
+            <a:schemeClr val="accent1"/>
+          </a:fillRef>
+          <a:effectRef idx="0">
+            <a:schemeClr val="accent1"/>
+          </a:effectRef>
+          <a:fontRef idx="minor">
+            <a:schemeClr val="tx1"/>
+          </a:fontRef>
+        </p:style>
+      </p:cxnSp>
+    </p:spTree>
+    <p:extLst>
+      <p:ext uri="{BB962C8B-B14F-4D97-AF65-F5344CB8AC3E}">
+        <p14:creationId xmlns:p14="http://schemas.microsoft.com/office/powerpoint/2010/main" val="284164222"/>
       </p:ext>
     </p:extLst>
   </p:cSld>
